--- a/document/GUI.pptx
+++ b/document/GUI.pptx
@@ -144,7 +144,7 @@
               <c:strCache>
                 <c:ptCount val="1"/>
                 <c:pt idx="0">
-                  <c:v>계열 1</c:v>
+                  <c:v>단순이동평균법</c:v>
                 </c:pt>
               </c:strCache>
             </c:strRef>
@@ -152,7 +152,9 @@
           <c:spPr>
             <a:ln w="28575" cap="rnd">
               <a:solidFill>
-                <a:schemeClr val="accent6"/>
+                <a:schemeClr val="accent6">
+                  <a:tint val="58000"/>
+                </a:schemeClr>
               </a:solidFill>
               <a:round/>
             </a:ln>
@@ -207,6 +209,237 @@
           <c:extLst>
             <c:ext xmlns:c16="http://schemas.microsoft.com/office/drawing/2014/chart" uri="{C3380CC4-5D6E-409C-BE32-E72D297353CC}">
               <c16:uniqueId val="{00000000-1724-436B-80B8-736225C86757}"/>
+            </c:ext>
+          </c:extLst>
+        </c:ser>
+        <c:ser>
+          <c:idx val="1"/>
+          <c:order val="1"/>
+          <c:tx>
+            <c:strRef>
+              <c:f>Sheet1!$C$1</c:f>
+              <c:strCache>
+                <c:ptCount val="1"/>
+                <c:pt idx="0">
+                  <c:v>가중이동평균법</c:v>
+                </c:pt>
+              </c:strCache>
+            </c:strRef>
+          </c:tx>
+          <c:spPr>
+            <a:ln w="28575" cap="rnd">
+              <a:solidFill>
+                <a:schemeClr val="accent6">
+                  <a:tint val="86000"/>
+                </a:schemeClr>
+              </a:solidFill>
+              <a:round/>
+            </a:ln>
+            <a:effectLst/>
+          </c:spPr>
+          <c:marker>
+            <c:symbol val="none"/>
+          </c:marker>
+          <c:cat>
+            <c:numRef>
+              <c:f>Sheet1!$A$2:$A$5</c:f>
+              <c:numCache>
+                <c:formatCode>General</c:formatCode>
+                <c:ptCount val="4"/>
+                <c:pt idx="0">
+                  <c:v>1</c:v>
+                </c:pt>
+                <c:pt idx="1">
+                  <c:v>2</c:v>
+                </c:pt>
+                <c:pt idx="2">
+                  <c:v>3</c:v>
+                </c:pt>
+                <c:pt idx="3">
+                  <c:v>4</c:v>
+                </c:pt>
+              </c:numCache>
+            </c:numRef>
+          </c:cat>
+          <c:val>
+            <c:numRef>
+              <c:f>Sheet1!$C$2:$C$5</c:f>
+              <c:numCache>
+                <c:formatCode>General</c:formatCode>
+                <c:ptCount val="4"/>
+                <c:pt idx="0">
+                  <c:v>4.3</c:v>
+                </c:pt>
+                <c:pt idx="1">
+                  <c:v>2.5</c:v>
+                </c:pt>
+                <c:pt idx="2">
+                  <c:v>3.5</c:v>
+                </c:pt>
+                <c:pt idx="3">
+                  <c:v>2</c:v>
+                </c:pt>
+              </c:numCache>
+            </c:numRef>
+          </c:val>
+          <c:smooth val="0"/>
+          <c:extLst>
+            <c:ext xmlns:c16="http://schemas.microsoft.com/office/drawing/2014/chart" uri="{C3380CC4-5D6E-409C-BE32-E72D297353CC}">
+              <c16:uniqueId val="{00000000-5EEE-4548-915A-B4005ABF7E8E}"/>
+            </c:ext>
+          </c:extLst>
+        </c:ser>
+        <c:ser>
+          <c:idx val="2"/>
+          <c:order val="2"/>
+          <c:tx>
+            <c:strRef>
+              <c:f>Sheet1!$D$1</c:f>
+              <c:strCache>
+                <c:ptCount val="1"/>
+                <c:pt idx="0">
+                  <c:v>지수평활법</c:v>
+                </c:pt>
+              </c:strCache>
+            </c:strRef>
+          </c:tx>
+          <c:spPr>
+            <a:ln w="28575" cap="rnd">
+              <a:solidFill>
+                <a:schemeClr val="accent6">
+                  <a:shade val="86000"/>
+                </a:schemeClr>
+              </a:solidFill>
+              <a:round/>
+            </a:ln>
+            <a:effectLst/>
+          </c:spPr>
+          <c:marker>
+            <c:symbol val="none"/>
+          </c:marker>
+          <c:cat>
+            <c:numRef>
+              <c:f>Sheet1!$A$2:$A$5</c:f>
+              <c:numCache>
+                <c:formatCode>General</c:formatCode>
+                <c:ptCount val="4"/>
+                <c:pt idx="0">
+                  <c:v>1</c:v>
+                </c:pt>
+                <c:pt idx="1">
+                  <c:v>2</c:v>
+                </c:pt>
+                <c:pt idx="2">
+                  <c:v>3</c:v>
+                </c:pt>
+                <c:pt idx="3">
+                  <c:v>4</c:v>
+                </c:pt>
+              </c:numCache>
+            </c:numRef>
+          </c:cat>
+          <c:val>
+            <c:numRef>
+              <c:f>Sheet1!$D$2:$D$5</c:f>
+              <c:numCache>
+                <c:formatCode>General</c:formatCode>
+                <c:ptCount val="4"/>
+                <c:pt idx="0">
+                  <c:v>4.3</c:v>
+                </c:pt>
+                <c:pt idx="1">
+                  <c:v>2.5</c:v>
+                </c:pt>
+                <c:pt idx="2">
+                  <c:v>3.5</c:v>
+                </c:pt>
+                <c:pt idx="3">
+                  <c:v>3</c:v>
+                </c:pt>
+              </c:numCache>
+            </c:numRef>
+          </c:val>
+          <c:smooth val="0"/>
+          <c:extLst>
+            <c:ext xmlns:c16="http://schemas.microsoft.com/office/drawing/2014/chart" uri="{C3380CC4-5D6E-409C-BE32-E72D297353CC}">
+              <c16:uniqueId val="{00000001-5EEE-4548-915A-B4005ABF7E8E}"/>
+            </c:ext>
+          </c:extLst>
+        </c:ser>
+        <c:ser>
+          <c:idx val="3"/>
+          <c:order val="3"/>
+          <c:tx>
+            <c:strRef>
+              <c:f>Sheet1!$E$1</c:f>
+              <c:strCache>
+                <c:ptCount val="1"/>
+                <c:pt idx="0">
+                  <c:v>tensorflow</c:v>
+                </c:pt>
+              </c:strCache>
+            </c:strRef>
+          </c:tx>
+          <c:spPr>
+            <a:ln w="28575" cap="rnd">
+              <a:solidFill>
+                <a:schemeClr val="accent6">
+                  <a:shade val="58000"/>
+                </a:schemeClr>
+              </a:solidFill>
+              <a:round/>
+            </a:ln>
+            <a:effectLst/>
+          </c:spPr>
+          <c:marker>
+            <c:symbol val="none"/>
+          </c:marker>
+          <c:cat>
+            <c:numRef>
+              <c:f>Sheet1!$A$2:$A$5</c:f>
+              <c:numCache>
+                <c:formatCode>General</c:formatCode>
+                <c:ptCount val="4"/>
+                <c:pt idx="0">
+                  <c:v>1</c:v>
+                </c:pt>
+                <c:pt idx="1">
+                  <c:v>2</c:v>
+                </c:pt>
+                <c:pt idx="2">
+                  <c:v>3</c:v>
+                </c:pt>
+                <c:pt idx="3">
+                  <c:v>4</c:v>
+                </c:pt>
+              </c:numCache>
+            </c:numRef>
+          </c:cat>
+          <c:val>
+            <c:numRef>
+              <c:f>Sheet1!$E$2:$E$5</c:f>
+              <c:numCache>
+                <c:formatCode>General</c:formatCode>
+                <c:ptCount val="4"/>
+                <c:pt idx="0">
+                  <c:v>4.3</c:v>
+                </c:pt>
+                <c:pt idx="1">
+                  <c:v>2.5</c:v>
+                </c:pt>
+                <c:pt idx="2">
+                  <c:v>3.5</c:v>
+                </c:pt>
+                <c:pt idx="3">
+                  <c:v>1</c:v>
+                </c:pt>
+              </c:numCache>
+            </c:numRef>
+          </c:val>
+          <c:smooth val="0"/>
+          <c:extLst>
+            <c:ext xmlns:c16="http://schemas.microsoft.com/office/drawing/2014/chart" uri="{C3380CC4-5D6E-409C-BE32-E72D297353CC}">
+              <c16:uniqueId val="{00000002-5EEE-4548-915A-B4005ABF7E8E}"/>
             </c:ext>
           </c:extLst>
         </c:ser>
@@ -4869,7 +5102,7 @@
           <p:nvPr>
             <p:extLst>
               <p:ext uri="{D42A27DB-BD31-4B8C-83A1-F6EECF244321}">
-                <p14:modId xmlns:p14="http://schemas.microsoft.com/office/powerpoint/2010/main" val="3327053110"/>
+                <p14:modId xmlns:p14="http://schemas.microsoft.com/office/powerpoint/2010/main" val="548053329"/>
               </p:ext>
             </p:extLst>
           </p:nvPr>
@@ -4899,7 +5132,7 @@
         <p:spPr>
           <a:xfrm>
             <a:off x="7110436" y="558798"/>
-            <a:ext cx="4862931" cy="1296065"/>
+            <a:ext cx="4862931" cy="1111757"/>
           </a:xfrm>
           <a:prstGeom prst="rect">
             <a:avLst/>
@@ -7630,10 +7863,17 @@
           </a:fontRef>
         </p:style>
         <p:txBody>
-          <a:bodyPr rtlCol="0" anchor="t"/>
-          <a:lstStyle/>
-          <a:p>
-            <a:endParaRPr lang="en-US" altLang="ko-KR" dirty="0"/>
+          <a:bodyPr rtlCol="0" anchor="ctr"/>
+          <a:lstStyle/>
+          <a:p>
+            <a:r>
+              <a:rPr lang="ko-KR" altLang="en-US" dirty="0"/>
+              <a:t>결과</a:t>
+            </a:r>
+            <a:r>
+              <a:rPr lang="en-US" altLang="ko-KR" dirty="0"/>
+              <a:t>: </a:t>
+            </a:r>
           </a:p>
         </p:txBody>
       </p:sp>

--- a/document/GUI.pptx
+++ b/document/GUI.pptx
@@ -4777,6 +4777,58 @@
       </p:grpSpPr>
       <p:sp>
         <p:nvSpPr>
+          <p:cNvPr id="58" name="직사각형 57">
+            <a:extLst>
+              <a:ext uri="{FF2B5EF4-FFF2-40B4-BE49-F238E27FC236}">
+                <a16:creationId xmlns:a16="http://schemas.microsoft.com/office/drawing/2014/main" id="{C0274777-0C33-0070-6BDC-207754A58E96}"/>
+              </a:ext>
+            </a:extLst>
+          </p:cNvPr>
+          <p:cNvSpPr/>
+          <p:nvPr/>
+        </p:nvSpPr>
+        <p:spPr>
+          <a:xfrm>
+            <a:off x="-3620450" y="-1668736"/>
+            <a:ext cx="1546772" cy="1546772"/>
+          </a:xfrm>
+          <a:prstGeom prst="rect">
+            <a:avLst/>
+          </a:prstGeom>
+          <a:solidFill>
+            <a:srgbClr val="DBDBDB"/>
+          </a:solidFill>
+          <a:ln>
+            <a:noFill/>
+          </a:ln>
+        </p:spPr>
+        <p:style>
+          <a:lnRef idx="2">
+            <a:schemeClr val="accent1">
+              <a:shade val="15000"/>
+            </a:schemeClr>
+          </a:lnRef>
+          <a:fillRef idx="1">
+            <a:schemeClr val="accent1"/>
+          </a:fillRef>
+          <a:effectRef idx="0">
+            <a:schemeClr val="accent1"/>
+          </a:effectRef>
+          <a:fontRef idx="minor">
+            <a:schemeClr val="lt1"/>
+          </a:fontRef>
+        </p:style>
+        <p:txBody>
+          <a:bodyPr rtlCol="0" anchor="ctr"/>
+          <a:lstStyle/>
+          <a:p>
+            <a:pPr algn="ctr"/>
+            <a:endParaRPr lang="ko-KR" altLang="en-US"/>
+          </a:p>
+        </p:txBody>
+      </p:sp>
+      <p:sp>
+        <p:nvSpPr>
           <p:cNvPr id="5" name="직사각형 4">
             <a:extLst>
               <a:ext uri="{FF2B5EF4-FFF2-40B4-BE49-F238E27FC236}">
@@ -5198,160 +5250,160 @@
           </a:p>
         </p:txBody>
       </p:sp>
-      <p:grpSp>
-        <p:nvGrpSpPr>
-          <p:cNvPr id="22" name="그룹 21">
-            <a:extLst>
-              <a:ext uri="{FF2B5EF4-FFF2-40B4-BE49-F238E27FC236}">
-                <a16:creationId xmlns:a16="http://schemas.microsoft.com/office/drawing/2014/main" id="{10D75949-5B55-235D-4322-47F0A2F867A1}"/>
-              </a:ext>
-            </a:extLst>
-          </p:cNvPr>
-          <p:cNvGrpSpPr/>
+      <p:sp>
+        <p:nvSpPr>
+          <p:cNvPr id="14" name="직사각형 13">
+            <a:extLst>
+              <a:ext uri="{FF2B5EF4-FFF2-40B4-BE49-F238E27FC236}">
+                <a16:creationId xmlns:a16="http://schemas.microsoft.com/office/drawing/2014/main" id="{73266AAC-4CC9-8915-3514-FF353BBA5829}"/>
+              </a:ext>
+            </a:extLst>
+          </p:cNvPr>
+          <p:cNvSpPr/>
           <p:nvPr/>
-        </p:nvGrpSpPr>
-        <p:grpSpPr>
+        </p:nvSpPr>
+        <p:spPr>
           <a:xfrm>
-            <a:off x="1" y="0"/>
-            <a:ext cx="1955800" cy="6857999"/>
-            <a:chOff x="0" y="0"/>
-            <a:chExt cx="2918691" cy="6857999"/>
+            <a:off x="1" y="-1"/>
+            <a:ext cx="1934846" cy="6857999"/>
           </a:xfrm>
-        </p:grpSpPr>
-        <p:sp>
-          <p:nvSpPr>
-            <p:cNvPr id="14" name="직사각형 13">
-              <a:extLst>
-                <a:ext uri="{FF2B5EF4-FFF2-40B4-BE49-F238E27FC236}">
-                  <a16:creationId xmlns:a16="http://schemas.microsoft.com/office/drawing/2014/main" id="{73266AAC-4CC9-8915-3514-FF353BBA5829}"/>
-                </a:ext>
-              </a:extLst>
-            </p:cNvPr>
-            <p:cNvSpPr/>
-            <p:nvPr/>
-          </p:nvSpPr>
-          <p:spPr>
-            <a:xfrm>
-              <a:off x="0" y="0"/>
-              <a:ext cx="2918691" cy="6857999"/>
-            </a:xfrm>
-            <a:prstGeom prst="rect">
-              <a:avLst/>
-            </a:prstGeom>
-            <a:solidFill>
-              <a:schemeClr val="tx2">
-                <a:lumMod val="10000"/>
-                <a:lumOff val="90000"/>
-              </a:schemeClr>
-            </a:solidFill>
-          </p:spPr>
-          <p:style>
-            <a:lnRef idx="2">
-              <a:schemeClr val="accent1">
-                <a:shade val="15000"/>
-              </a:schemeClr>
-            </a:lnRef>
-            <a:fillRef idx="1">
-              <a:schemeClr val="accent1"/>
-            </a:fillRef>
-            <a:effectRef idx="0">
-              <a:schemeClr val="accent1"/>
-            </a:effectRef>
-            <a:fontRef idx="minor">
-              <a:schemeClr val="lt1"/>
-            </a:fontRef>
-          </p:style>
-          <p:txBody>
-            <a:bodyPr rtlCol="0" anchor="ctr"/>
-            <a:lstStyle/>
-            <a:p>
-              <a:pPr algn="ctr"/>
-              <a:endParaRPr lang="ko-KR" altLang="en-US" dirty="0"/>
-            </a:p>
-          </p:txBody>
-        </p:sp>
-        <p:sp>
-          <p:nvSpPr>
-            <p:cNvPr id="4" name="직사각형 3">
-              <a:extLst>
-                <a:ext uri="{FF2B5EF4-FFF2-40B4-BE49-F238E27FC236}">
-                  <a16:creationId xmlns:a16="http://schemas.microsoft.com/office/drawing/2014/main" id="{97D359F5-55C0-31B3-FBF6-36ABADB5E38C}"/>
-                </a:ext>
-              </a:extLst>
-            </p:cNvPr>
-            <p:cNvSpPr/>
-            <p:nvPr/>
-          </p:nvSpPr>
-          <p:spPr>
-            <a:xfrm>
-              <a:off x="9239" y="0"/>
-              <a:ext cx="2909452" cy="895927"/>
-            </a:xfrm>
-            <a:prstGeom prst="rect">
-              <a:avLst/>
-            </a:prstGeom>
+          <a:prstGeom prst="rect">
+            <a:avLst/>
+          </a:prstGeom>
+          <a:solidFill>
+            <a:schemeClr val="tx2">
+              <a:lumMod val="10000"/>
+              <a:lumOff val="90000"/>
+            </a:schemeClr>
+          </a:solidFill>
+        </p:spPr>
+        <p:style>
+          <a:lnRef idx="2">
+            <a:schemeClr val="accent1">
+              <a:shade val="15000"/>
+            </a:schemeClr>
+          </a:lnRef>
+          <a:fillRef idx="1">
+            <a:schemeClr val="accent1"/>
+          </a:fillRef>
+          <a:effectRef idx="0">
+            <a:schemeClr val="accent1"/>
+          </a:effectRef>
+          <a:fontRef idx="minor">
+            <a:schemeClr val="lt1"/>
+          </a:fontRef>
+        </p:style>
+        <p:txBody>
+          <a:bodyPr rtlCol="0" anchor="ctr"/>
+          <a:lstStyle/>
+          <a:p>
+            <a:pPr algn="ctr"/>
+            <a:endParaRPr lang="ko-KR" altLang="en-US" dirty="0"/>
+          </a:p>
+        </p:txBody>
+      </p:sp>
+      <p:sp>
+        <p:nvSpPr>
+          <p:cNvPr id="4" name="직사각형 3">
+            <a:extLst>
+              <a:ext uri="{FF2B5EF4-FFF2-40B4-BE49-F238E27FC236}">
+                <a16:creationId xmlns:a16="http://schemas.microsoft.com/office/drawing/2014/main" id="{97D359F5-55C0-31B3-FBF6-36ABADB5E38C}"/>
+              </a:ext>
+            </a:extLst>
+          </p:cNvPr>
+          <p:cNvSpPr/>
+          <p:nvPr/>
+        </p:nvSpPr>
+        <p:spPr>
+          <a:xfrm>
+            <a:off x="6192" y="774628"/>
+            <a:ext cx="1949609" cy="895927"/>
+          </a:xfrm>
+          <a:prstGeom prst="rect">
+            <a:avLst/>
+          </a:prstGeom>
+          <a:noFill/>
+          <a:ln w="28575">
             <a:noFill/>
-            <a:ln w="28575">
-              <a:noFill/>
-            </a:ln>
-          </p:spPr>
-          <p:style>
-            <a:lnRef idx="2">
-              <a:schemeClr val="accent1">
-                <a:shade val="15000"/>
-              </a:schemeClr>
-            </a:lnRef>
-            <a:fillRef idx="1">
-              <a:schemeClr val="accent1"/>
-            </a:fillRef>
-            <a:effectRef idx="0">
-              <a:schemeClr val="accent1"/>
-            </a:effectRef>
-            <a:fontRef idx="minor">
-              <a:schemeClr val="lt1"/>
-            </a:fontRef>
-          </p:style>
-          <p:txBody>
-            <a:bodyPr rtlCol="0" anchor="ctr"/>
-            <a:lstStyle/>
-            <a:p>
-              <a:pPr algn="ctr"/>
-              <a:r>
-                <a:rPr lang="ko-KR" altLang="en-US" sz="1400" dirty="0">
-                  <a:ln>
-                    <a:solidFill>
-                      <a:schemeClr val="tx1"/>
-                    </a:solidFill>
-                  </a:ln>
-                  <a:noFill/>
-                </a:rPr>
-                <a:t> 수평적 패턴 </a:t>
-              </a:r>
-              <a:endParaRPr lang="en-US" altLang="ko-KR" sz="1400" dirty="0">
+          </a:ln>
+        </p:spPr>
+        <p:style>
+          <a:lnRef idx="2">
+            <a:schemeClr val="accent1">
+              <a:shade val="15000"/>
+            </a:schemeClr>
+          </a:lnRef>
+          <a:fillRef idx="1">
+            <a:schemeClr val="accent1"/>
+          </a:fillRef>
+          <a:effectRef idx="0">
+            <a:schemeClr val="accent1"/>
+          </a:effectRef>
+          <a:fontRef idx="minor">
+            <a:schemeClr val="lt1"/>
+          </a:fontRef>
+        </p:style>
+        <p:txBody>
+          <a:bodyPr rtlCol="0" anchor="ctr"/>
+          <a:lstStyle/>
+          <a:p>
+            <a:pPr algn="ctr"/>
+            <a:r>
+              <a:rPr lang="ko-KR" altLang="en-US" sz="1400" dirty="0">
                 <a:ln>
                   <a:solidFill>
                     <a:schemeClr val="tx1"/>
                   </a:solidFill>
                 </a:ln>
                 <a:noFill/>
-              </a:endParaRPr>
-            </a:p>
-            <a:p>
-              <a:pPr algn="ctr"/>
-              <a:r>
-                <a:rPr lang="ko-KR" altLang="en-US" sz="1400" dirty="0">
-                  <a:ln>
-                    <a:solidFill>
-                      <a:schemeClr val="tx1"/>
-                    </a:solidFill>
-                  </a:ln>
-                  <a:noFill/>
-                </a:rPr>
-                <a:t>수요 예측 프로그램</a:t>
-              </a:r>
-            </a:p>
-          </p:txBody>
-        </p:sp>
+              </a:rPr>
+              <a:t> 수평적 패턴 </a:t>
+            </a:r>
+            <a:endParaRPr lang="en-US" altLang="ko-KR" sz="1400" dirty="0">
+              <a:ln>
+                <a:solidFill>
+                  <a:schemeClr val="tx1"/>
+                </a:solidFill>
+              </a:ln>
+              <a:noFill/>
+            </a:endParaRPr>
+          </a:p>
+          <a:p>
+            <a:pPr algn="ctr"/>
+            <a:r>
+              <a:rPr lang="ko-KR" altLang="en-US" sz="1400" dirty="0">
+                <a:ln>
+                  <a:solidFill>
+                    <a:schemeClr val="tx1"/>
+                  </a:solidFill>
+                </a:ln>
+                <a:noFill/>
+              </a:rPr>
+              <a:t>수요 예측 프로그램</a:t>
+            </a:r>
+          </a:p>
+        </p:txBody>
+      </p:sp>
+      <p:grpSp>
+        <p:nvGrpSpPr>
+          <p:cNvPr id="52" name="그룹 51">
+            <a:extLst>
+              <a:ext uri="{FF2B5EF4-FFF2-40B4-BE49-F238E27FC236}">
+                <a16:creationId xmlns:a16="http://schemas.microsoft.com/office/drawing/2014/main" id="{409C7E84-C120-A529-D1D3-4095AC03CF4A}"/>
+              </a:ext>
+            </a:extLst>
+          </p:cNvPr>
+          <p:cNvGrpSpPr/>
+          <p:nvPr/>
+        </p:nvGrpSpPr>
+        <p:grpSpPr>
+          <a:xfrm>
+            <a:off x="-2326670" y="2701056"/>
+            <a:ext cx="1949609" cy="1754910"/>
+            <a:chOff x="6192" y="4932219"/>
+            <a:chExt cx="1949609" cy="1754910"/>
+          </a:xfrm>
+        </p:grpSpPr>
         <p:sp>
           <p:nvSpPr>
             <p:cNvPr id="15" name="직사각형 14">
@@ -5366,8 +5418,8 @@
           </p:nvSpPr>
           <p:spPr>
             <a:xfrm>
-              <a:off x="9239" y="4932219"/>
-              <a:ext cx="2909452" cy="406400"/>
+              <a:off x="6192" y="4932219"/>
+              <a:ext cx="1949609" cy="406400"/>
             </a:xfrm>
             <a:prstGeom prst="rect">
               <a:avLst/>
@@ -5426,8 +5478,8 @@
           </p:nvSpPr>
           <p:spPr>
             <a:xfrm>
-              <a:off x="9239" y="5809674"/>
-              <a:ext cx="2909452" cy="406400"/>
+              <a:off x="6192" y="5809674"/>
+              <a:ext cx="1949609" cy="406400"/>
             </a:xfrm>
             <a:prstGeom prst="rect">
               <a:avLst/>
@@ -5497,8 +5549,8 @@
           </p:nvSpPr>
           <p:spPr>
             <a:xfrm>
-              <a:off x="163118" y="5361710"/>
-              <a:ext cx="2580082" cy="424873"/>
+              <a:off x="109306" y="5361710"/>
+              <a:ext cx="1728900" cy="424873"/>
             </a:xfrm>
             <a:prstGeom prst="rect">
               <a:avLst/>
@@ -5564,8 +5616,8 @@
           </p:nvSpPr>
           <p:spPr>
             <a:xfrm>
-              <a:off x="163118" y="6262256"/>
-              <a:ext cx="2580082" cy="424873"/>
+              <a:off x="109306" y="6262256"/>
+              <a:ext cx="1728900" cy="424873"/>
             </a:xfrm>
             <a:prstGeom prst="rect">
               <a:avLst/>
@@ -5631,8 +5683,8 @@
           </p:nvSpPr>
           <p:spPr>
             <a:xfrm>
-              <a:off x="2336800" y="5384801"/>
-              <a:ext cx="406400" cy="406400"/>
+              <a:off x="1565879" y="5384801"/>
+              <a:ext cx="272327" cy="406400"/>
             </a:xfrm>
             <a:prstGeom prst="rect">
               <a:avLst/>
@@ -5681,8 +5733,8 @@
           </p:nvSpPr>
           <p:spPr>
             <a:xfrm>
-              <a:off x="2336800" y="6280729"/>
-              <a:ext cx="406400" cy="406400"/>
+              <a:off x="1565879" y="6280729"/>
+              <a:ext cx="272327" cy="406400"/>
             </a:xfrm>
             <a:prstGeom prst="rect">
               <a:avLst/>
@@ -5732,8 +5784,8 @@
         </p:nvSpPr>
         <p:spPr>
           <a:xfrm>
-            <a:off x="2105895" y="133928"/>
-            <a:ext cx="4475000" cy="2595417"/>
+            <a:off x="2105896" y="90054"/>
+            <a:ext cx="4430748" cy="2626371"/>
           </a:xfrm>
           <a:prstGeom prst="rect">
             <a:avLst/>
@@ -5811,20 +5863,6 @@
               </a:rPr>
               <a:t>…</a:t>
             </a:r>
-          </a:p>
-          <a:p>
-            <a:endParaRPr lang="en-US" altLang="ko-KR" dirty="0">
-              <a:solidFill>
-                <a:schemeClr val="tx1"/>
-              </a:solidFill>
-            </a:endParaRPr>
-          </a:p>
-          <a:p>
-            <a:endParaRPr lang="en-US" altLang="ko-KR" dirty="0">
-              <a:solidFill>
-                <a:schemeClr val="tx1"/>
-              </a:solidFill>
-            </a:endParaRPr>
           </a:p>
           <a:p>
             <a:endParaRPr lang="en-US" altLang="ko-KR" dirty="0">
@@ -6034,7 +6072,7 @@
         </p:nvSpPr>
         <p:spPr>
           <a:xfrm>
-            <a:off x="6325376" y="212435"/>
+            <a:off x="6295432" y="212435"/>
             <a:ext cx="184727" cy="1948873"/>
           </a:xfrm>
           <a:prstGeom prst="rect">
@@ -6472,7 +6510,7 @@
         </p:nvSpPr>
         <p:spPr>
           <a:xfrm>
-            <a:off x="116054" y="834735"/>
+            <a:off x="90551" y="5890940"/>
             <a:ext cx="1742762" cy="323850"/>
           </a:xfrm>
           <a:prstGeom prst="rect">
@@ -6502,144 +6540,8 @@
             <a:pPr algn="ctr"/>
             <a:r>
               <a:rPr lang="ko-KR" altLang="en-US" sz="1200" dirty="0"/>
-              <a:t>프로그램 정보</a:t>
-            </a:r>
-          </a:p>
-        </p:txBody>
-      </p:sp>
-      <p:sp>
-        <p:nvSpPr>
-          <p:cNvPr id="39" name="직사각형 38">
-            <a:extLst>
-              <a:ext uri="{FF2B5EF4-FFF2-40B4-BE49-F238E27FC236}">
-                <a16:creationId xmlns:a16="http://schemas.microsoft.com/office/drawing/2014/main" id="{F0FC6EBB-8444-2538-A65C-7BA721A588D9}"/>
-              </a:ext>
-            </a:extLst>
-          </p:cNvPr>
-          <p:cNvSpPr/>
-          <p:nvPr/>
-        </p:nvSpPr>
-        <p:spPr>
-          <a:xfrm>
-            <a:off x="102375" y="1369869"/>
-            <a:ext cx="1742762" cy="1054273"/>
-          </a:xfrm>
-          <a:prstGeom prst="rect">
-            <a:avLst/>
-          </a:prstGeom>
-          <a:solidFill>
-            <a:schemeClr val="tx2">
-              <a:lumMod val="25000"/>
-              <a:lumOff val="75000"/>
-            </a:schemeClr>
-          </a:solidFill>
-        </p:spPr>
-        <p:style>
-          <a:lnRef idx="2">
-            <a:schemeClr val="accent1">
-              <a:shade val="15000"/>
-            </a:schemeClr>
-          </a:lnRef>
-          <a:fillRef idx="1">
-            <a:schemeClr val="accent1"/>
-          </a:fillRef>
-          <a:effectRef idx="0">
-            <a:schemeClr val="accent1"/>
-          </a:effectRef>
-          <a:fontRef idx="minor">
-            <a:schemeClr val="lt1"/>
-          </a:fontRef>
-        </p:style>
-        <p:txBody>
-          <a:bodyPr rtlCol="0" anchor="t"/>
-          <a:lstStyle/>
-          <a:p>
-            <a:endParaRPr lang="en-US" altLang="ko-KR" sz="1200" b="1" dirty="0">
-              <a:solidFill>
-                <a:srgbClr val="800000"/>
-              </a:solidFill>
-              <a:effectLst/>
-              <a:latin typeface="Monoplex KR" panose="020B0509020203020207" pitchFamily="50" charset="-126"/>
-            </a:endParaRPr>
-          </a:p>
-          <a:p>
-            <a:r>
-              <a:rPr lang="ko-KR" altLang="en-US" sz="1200" b="1" dirty="0">
-                <a:solidFill>
-                  <a:srgbClr val="800000"/>
-                </a:solidFill>
-                <a:effectLst/>
-                <a:latin typeface="Monoplex KR" panose="020B0509020203020207" pitchFamily="50" charset="-126"/>
-              </a:rPr>
-              <a:t>단순이동평균법</a:t>
-            </a:r>
-            <a:endParaRPr lang="ko-KR" altLang="en-US" sz="1200" b="0" dirty="0">
-              <a:solidFill>
-                <a:srgbClr val="3B3B3B"/>
-              </a:solidFill>
-              <a:effectLst/>
-              <a:latin typeface="Monoplex KR" panose="020B0509020203020207" pitchFamily="50" charset="-126"/>
-            </a:endParaRPr>
-          </a:p>
-          <a:p>
-            <a:r>
-              <a:rPr lang="ko-KR" altLang="en-US" sz="1200" b="1" dirty="0">
-                <a:solidFill>
-                  <a:srgbClr val="800000"/>
-                </a:solidFill>
-                <a:effectLst/>
-                <a:latin typeface="Monoplex KR" panose="020B0509020203020207" pitchFamily="50" charset="-126"/>
-              </a:rPr>
-              <a:t>가중이동평균법</a:t>
-            </a:r>
-            <a:endParaRPr lang="ko-KR" altLang="en-US" sz="1200" b="0" dirty="0">
-              <a:solidFill>
-                <a:srgbClr val="3B3B3B"/>
-              </a:solidFill>
-              <a:effectLst/>
-              <a:latin typeface="Monoplex KR" panose="020B0509020203020207" pitchFamily="50" charset="-126"/>
-            </a:endParaRPr>
-          </a:p>
-          <a:p>
-            <a:r>
-              <a:rPr lang="ko-KR" altLang="en-US" sz="1200" b="1" dirty="0" err="1">
-                <a:solidFill>
-                  <a:srgbClr val="800000"/>
-                </a:solidFill>
-                <a:effectLst/>
-                <a:latin typeface="Monoplex KR" panose="020B0509020203020207" pitchFamily="50" charset="-126"/>
-              </a:rPr>
-              <a:t>지수평활법</a:t>
-            </a:r>
-            <a:endParaRPr lang="ko-KR" altLang="en-US" sz="1200" b="0" dirty="0">
-              <a:solidFill>
-                <a:srgbClr val="3B3B3B"/>
-              </a:solidFill>
-              <a:effectLst/>
-              <a:latin typeface="Monoplex KR" panose="020B0509020203020207" pitchFamily="50" charset="-126"/>
-            </a:endParaRPr>
-          </a:p>
-          <a:p>
-            <a:r>
-              <a:rPr lang="en-US" altLang="ko-KR" sz="1200" b="1" dirty="0" err="1">
-                <a:solidFill>
-                  <a:srgbClr val="800000"/>
-                </a:solidFill>
-                <a:effectLst/>
-                <a:latin typeface="Monoplex KR" panose="020B0509020203020207" pitchFamily="50" charset="-126"/>
-              </a:rPr>
-              <a:t>tensorflow</a:t>
-            </a:r>
-            <a:endParaRPr lang="ko-KR" altLang="en-US" sz="1200" b="0" dirty="0">
-              <a:solidFill>
-                <a:srgbClr val="3B3B3B"/>
-              </a:solidFill>
-              <a:effectLst/>
-              <a:latin typeface="Monoplex KR" panose="020B0509020203020207" pitchFamily="50" charset="-126"/>
-            </a:endParaRPr>
-          </a:p>
-          <a:p>
-            <a:endParaRPr lang="ko-KR" altLang="en-US" sz="1200" dirty="0"/>
+              <a:t>프로그램 설정</a:t>
+            </a:r>
           </a:p>
         </p:txBody>
       </p:sp>
@@ -7379,452 +7281,609 @@
           </a:p>
         </p:txBody>
       </p:sp>
-      <p:sp>
-        <p:nvSpPr>
-          <p:cNvPr id="21" name="직사각형 20">
-            <a:extLst>
-              <a:ext uri="{FF2B5EF4-FFF2-40B4-BE49-F238E27FC236}">
-                <a16:creationId xmlns:a16="http://schemas.microsoft.com/office/drawing/2014/main" id="{66401E56-C91D-F001-237E-C3B982DD1A82}"/>
-              </a:ext>
-            </a:extLst>
-          </p:cNvPr>
-          <p:cNvSpPr/>
+      <p:grpSp>
+        <p:nvGrpSpPr>
+          <p:cNvPr id="51" name="그룹 50">
+            <a:extLst>
+              <a:ext uri="{FF2B5EF4-FFF2-40B4-BE49-F238E27FC236}">
+                <a16:creationId xmlns:a16="http://schemas.microsoft.com/office/drawing/2014/main" id="{B034F2F7-11D3-4C7E-11B3-AF3389BDDC0F}"/>
+              </a:ext>
+            </a:extLst>
+          </p:cNvPr>
+          <p:cNvGrpSpPr/>
           <p:nvPr/>
-        </p:nvSpPr>
-        <p:spPr>
+        </p:nvGrpSpPr>
+        <p:grpSpPr>
           <a:xfrm>
-            <a:off x="329342" y="1232478"/>
-            <a:ext cx="1316186" cy="286904"/>
+            <a:off x="-4192971" y="3123221"/>
+            <a:ext cx="1742762" cy="1191664"/>
+            <a:chOff x="102375" y="1232478"/>
+            <a:chExt cx="1742762" cy="1191664"/>
           </a:xfrm>
-          <a:prstGeom prst="rect">
-            <a:avLst/>
-          </a:prstGeom>
-          <a:solidFill>
-            <a:schemeClr val="bg1"/>
-          </a:solidFill>
-        </p:spPr>
-        <p:style>
-          <a:lnRef idx="2">
-            <a:schemeClr val="accent1">
-              <a:shade val="15000"/>
-            </a:schemeClr>
-          </a:lnRef>
-          <a:fillRef idx="1">
-            <a:schemeClr val="accent1"/>
-          </a:fillRef>
-          <a:effectRef idx="0">
-            <a:schemeClr val="accent1"/>
-          </a:effectRef>
-          <a:fontRef idx="minor">
-            <a:schemeClr val="lt1"/>
-          </a:fontRef>
-        </p:style>
-        <p:txBody>
-          <a:bodyPr rtlCol="0" anchor="ctr"/>
-          <a:lstStyle/>
-          <a:p>
-            <a:pPr algn="ctr"/>
-            <a:r>
-              <a:rPr lang="ko-KR" altLang="en-US" sz="1200" b="0" dirty="0">
+        </p:grpSpPr>
+        <p:sp>
+          <p:nvSpPr>
+            <p:cNvPr id="39" name="직사각형 38">
+              <a:extLst>
+                <a:ext uri="{FF2B5EF4-FFF2-40B4-BE49-F238E27FC236}">
+                  <a16:creationId xmlns:a16="http://schemas.microsoft.com/office/drawing/2014/main" id="{F0FC6EBB-8444-2538-A65C-7BA721A588D9}"/>
+                </a:ext>
+              </a:extLst>
+            </p:cNvPr>
+            <p:cNvSpPr/>
+            <p:nvPr/>
+          </p:nvSpPr>
+          <p:spPr>
+            <a:xfrm>
+              <a:off x="102375" y="1369869"/>
+              <a:ext cx="1742762" cy="1054273"/>
+            </a:xfrm>
+            <a:prstGeom prst="rect">
+              <a:avLst/>
+            </a:prstGeom>
+            <a:solidFill>
+              <a:schemeClr val="tx2">
+                <a:lumMod val="25000"/>
+                <a:lumOff val="75000"/>
+              </a:schemeClr>
+            </a:solidFill>
+          </p:spPr>
+          <p:style>
+            <a:lnRef idx="2">
+              <a:schemeClr val="accent1">
+                <a:shade val="15000"/>
+              </a:schemeClr>
+            </a:lnRef>
+            <a:fillRef idx="1">
+              <a:schemeClr val="accent1"/>
+            </a:fillRef>
+            <a:effectRef idx="0">
+              <a:schemeClr val="accent1"/>
+            </a:effectRef>
+            <a:fontRef idx="minor">
+              <a:schemeClr val="lt1"/>
+            </a:fontRef>
+          </p:style>
+          <p:txBody>
+            <a:bodyPr rtlCol="0" anchor="t"/>
+            <a:lstStyle/>
+            <a:p>
+              <a:endParaRPr lang="en-US" altLang="ko-KR" sz="1200" b="1" dirty="0">
+                <a:solidFill>
+                  <a:srgbClr val="800000"/>
+                </a:solidFill>
+                <a:effectLst/>
+                <a:latin typeface="Monoplex KR" panose="020B0509020203020207" pitchFamily="50" charset="-126"/>
+              </a:endParaRPr>
+            </a:p>
+            <a:p>
+              <a:r>
+                <a:rPr lang="ko-KR" altLang="en-US" sz="1200" b="1" dirty="0">
+                  <a:solidFill>
+                    <a:srgbClr val="800000"/>
+                  </a:solidFill>
+                  <a:effectLst/>
+                  <a:latin typeface="Monoplex KR" panose="020B0509020203020207" pitchFamily="50" charset="-126"/>
+                </a:rPr>
+                <a:t>단순이동평균법</a:t>
+              </a:r>
+              <a:endParaRPr lang="ko-KR" altLang="en-US" sz="1200" b="0" dirty="0">
                 <a:solidFill>
                   <a:srgbClr val="3B3B3B"/>
                 </a:solidFill>
                 <a:effectLst/>
                 <a:latin typeface="Monoplex KR" panose="020B0509020203020207" pitchFamily="50" charset="-126"/>
-              </a:rPr>
-              <a:t>스위치</a:t>
-            </a:r>
-          </a:p>
-        </p:txBody>
-      </p:sp>
-      <p:sp>
-        <p:nvSpPr>
-          <p:cNvPr id="29" name="직사각형 28">
-            <a:extLst>
-              <a:ext uri="{FF2B5EF4-FFF2-40B4-BE49-F238E27FC236}">
-                <a16:creationId xmlns:a16="http://schemas.microsoft.com/office/drawing/2014/main" id="{2FAFB3D1-1FA5-3588-3D6F-CC7DD79A494B}"/>
-              </a:ext>
-            </a:extLst>
-          </p:cNvPr>
-          <p:cNvSpPr/>
-          <p:nvPr/>
-        </p:nvSpPr>
-        <p:spPr>
-          <a:xfrm>
-            <a:off x="1384167" y="1626035"/>
-            <a:ext cx="317875" cy="45719"/>
-          </a:xfrm>
-          <a:prstGeom prst="rect">
-            <a:avLst/>
-          </a:prstGeom>
-        </p:spPr>
-        <p:style>
-          <a:lnRef idx="2">
-            <a:schemeClr val="accent1">
-              <a:shade val="15000"/>
-            </a:schemeClr>
-          </a:lnRef>
-          <a:fillRef idx="1">
-            <a:schemeClr val="accent1"/>
-          </a:fillRef>
-          <a:effectRef idx="0">
-            <a:schemeClr val="accent1"/>
-          </a:effectRef>
-          <a:fontRef idx="minor">
-            <a:schemeClr val="lt1"/>
-          </a:fontRef>
-        </p:style>
-        <p:txBody>
-          <a:bodyPr rtlCol="0" anchor="ctr"/>
-          <a:lstStyle/>
-          <a:p>
-            <a:pPr algn="ctr"/>
-            <a:endParaRPr lang="ko-KR" altLang="en-US"/>
-          </a:p>
-        </p:txBody>
-      </p:sp>
-      <p:sp>
-        <p:nvSpPr>
-          <p:cNvPr id="32" name="타원 31">
-            <a:extLst>
-              <a:ext uri="{FF2B5EF4-FFF2-40B4-BE49-F238E27FC236}">
-                <a16:creationId xmlns:a16="http://schemas.microsoft.com/office/drawing/2014/main" id="{B5D1DD71-BF5A-E610-4944-9718A5CBF6F2}"/>
-              </a:ext>
-            </a:extLst>
-          </p:cNvPr>
-          <p:cNvSpPr/>
-          <p:nvPr/>
-        </p:nvSpPr>
-        <p:spPr>
-          <a:xfrm>
-            <a:off x="1596723" y="1580198"/>
-            <a:ext cx="137391" cy="137391"/>
-          </a:xfrm>
-          <a:prstGeom prst="ellipse">
-            <a:avLst/>
-          </a:prstGeom>
-          <a:solidFill>
-            <a:schemeClr val="bg1">
-              <a:lumMod val="95000"/>
-            </a:schemeClr>
-          </a:solidFill>
-        </p:spPr>
-        <p:style>
-          <a:lnRef idx="2">
-            <a:schemeClr val="accent1">
-              <a:shade val="15000"/>
-            </a:schemeClr>
-          </a:lnRef>
-          <a:fillRef idx="1">
-            <a:schemeClr val="accent1"/>
-          </a:fillRef>
-          <a:effectRef idx="0">
-            <a:schemeClr val="accent1"/>
-          </a:effectRef>
-          <a:fontRef idx="minor">
-            <a:schemeClr val="lt1"/>
-          </a:fontRef>
-        </p:style>
-        <p:txBody>
-          <a:bodyPr rtlCol="0" anchor="ctr"/>
-          <a:lstStyle/>
-          <a:p>
-            <a:pPr algn="ctr"/>
-            <a:endParaRPr lang="ko-KR" altLang="en-US"/>
-          </a:p>
-        </p:txBody>
-      </p:sp>
-      <p:sp>
-        <p:nvSpPr>
-          <p:cNvPr id="33" name="직사각형 32">
-            <a:extLst>
-              <a:ext uri="{FF2B5EF4-FFF2-40B4-BE49-F238E27FC236}">
-                <a16:creationId xmlns:a16="http://schemas.microsoft.com/office/drawing/2014/main" id="{A0B1F1B2-9BB1-39D4-D4CD-4D49D8C6DBF1}"/>
-              </a:ext>
-            </a:extLst>
-          </p:cNvPr>
-          <p:cNvSpPr/>
-          <p:nvPr/>
-        </p:nvSpPr>
-        <p:spPr>
-          <a:xfrm>
-            <a:off x="1384167" y="1809145"/>
-            <a:ext cx="317875" cy="45719"/>
-          </a:xfrm>
-          <a:prstGeom prst="rect">
-            <a:avLst/>
-          </a:prstGeom>
-        </p:spPr>
-        <p:style>
-          <a:lnRef idx="2">
-            <a:schemeClr val="accent1">
-              <a:shade val="15000"/>
-            </a:schemeClr>
-          </a:lnRef>
-          <a:fillRef idx="1">
-            <a:schemeClr val="accent1"/>
-          </a:fillRef>
-          <a:effectRef idx="0">
-            <a:schemeClr val="accent1"/>
-          </a:effectRef>
-          <a:fontRef idx="minor">
-            <a:schemeClr val="lt1"/>
-          </a:fontRef>
-        </p:style>
-        <p:txBody>
-          <a:bodyPr rtlCol="0" anchor="ctr"/>
-          <a:lstStyle/>
-          <a:p>
-            <a:pPr algn="ctr"/>
-            <a:endParaRPr lang="ko-KR" altLang="en-US"/>
-          </a:p>
-        </p:txBody>
-      </p:sp>
-      <p:sp>
-        <p:nvSpPr>
-          <p:cNvPr id="34" name="타원 33">
-            <a:extLst>
-              <a:ext uri="{FF2B5EF4-FFF2-40B4-BE49-F238E27FC236}">
-                <a16:creationId xmlns:a16="http://schemas.microsoft.com/office/drawing/2014/main" id="{C07DFC26-0691-0F81-A65A-499499A56A14}"/>
-              </a:ext>
-            </a:extLst>
-          </p:cNvPr>
-          <p:cNvSpPr/>
-          <p:nvPr/>
-        </p:nvSpPr>
-        <p:spPr>
-          <a:xfrm>
-            <a:off x="1596723" y="1763308"/>
-            <a:ext cx="137391" cy="137391"/>
-          </a:xfrm>
-          <a:prstGeom prst="ellipse">
-            <a:avLst/>
-          </a:prstGeom>
-          <a:solidFill>
-            <a:schemeClr val="bg1">
-              <a:lumMod val="95000"/>
-            </a:schemeClr>
-          </a:solidFill>
-        </p:spPr>
-        <p:style>
-          <a:lnRef idx="2">
-            <a:schemeClr val="accent1">
-              <a:shade val="15000"/>
-            </a:schemeClr>
-          </a:lnRef>
-          <a:fillRef idx="1">
-            <a:schemeClr val="accent1"/>
-          </a:fillRef>
-          <a:effectRef idx="0">
-            <a:schemeClr val="accent1"/>
-          </a:effectRef>
-          <a:fontRef idx="minor">
-            <a:schemeClr val="lt1"/>
-          </a:fontRef>
-        </p:style>
-        <p:txBody>
-          <a:bodyPr rtlCol="0" anchor="ctr"/>
-          <a:lstStyle/>
-          <a:p>
-            <a:pPr algn="ctr"/>
-            <a:endParaRPr lang="ko-KR" altLang="en-US"/>
-          </a:p>
-        </p:txBody>
-      </p:sp>
-      <p:sp>
-        <p:nvSpPr>
-          <p:cNvPr id="35" name="직사각형 34">
-            <a:extLst>
-              <a:ext uri="{FF2B5EF4-FFF2-40B4-BE49-F238E27FC236}">
-                <a16:creationId xmlns:a16="http://schemas.microsoft.com/office/drawing/2014/main" id="{BBEBB610-A3CF-3FA3-9580-E75DE0BE4E08}"/>
-              </a:ext>
-            </a:extLst>
-          </p:cNvPr>
-          <p:cNvSpPr/>
-          <p:nvPr/>
-        </p:nvSpPr>
-        <p:spPr>
-          <a:xfrm>
-            <a:off x="1384167" y="1999732"/>
-            <a:ext cx="317875" cy="45719"/>
-          </a:xfrm>
-          <a:prstGeom prst="rect">
-            <a:avLst/>
-          </a:prstGeom>
-        </p:spPr>
-        <p:style>
-          <a:lnRef idx="2">
-            <a:schemeClr val="accent1">
-              <a:shade val="15000"/>
-            </a:schemeClr>
-          </a:lnRef>
-          <a:fillRef idx="1">
-            <a:schemeClr val="accent1"/>
-          </a:fillRef>
-          <a:effectRef idx="0">
-            <a:schemeClr val="accent1"/>
-          </a:effectRef>
-          <a:fontRef idx="minor">
-            <a:schemeClr val="lt1"/>
-          </a:fontRef>
-        </p:style>
-        <p:txBody>
-          <a:bodyPr rtlCol="0" anchor="ctr"/>
-          <a:lstStyle/>
-          <a:p>
-            <a:pPr algn="ctr"/>
-            <a:endParaRPr lang="ko-KR" altLang="en-US"/>
-          </a:p>
-        </p:txBody>
-      </p:sp>
-      <p:sp>
-        <p:nvSpPr>
-          <p:cNvPr id="40" name="타원 39">
-            <a:extLst>
-              <a:ext uri="{FF2B5EF4-FFF2-40B4-BE49-F238E27FC236}">
-                <a16:creationId xmlns:a16="http://schemas.microsoft.com/office/drawing/2014/main" id="{C9B893C3-4A0A-A517-DAE7-257DFE1B84A2}"/>
-              </a:ext>
-            </a:extLst>
-          </p:cNvPr>
-          <p:cNvSpPr/>
-          <p:nvPr/>
-        </p:nvSpPr>
-        <p:spPr>
-          <a:xfrm>
-            <a:off x="1596723" y="1953895"/>
-            <a:ext cx="137391" cy="137391"/>
-          </a:xfrm>
-          <a:prstGeom prst="ellipse">
-            <a:avLst/>
-          </a:prstGeom>
-          <a:solidFill>
-            <a:schemeClr val="bg1">
-              <a:lumMod val="95000"/>
-            </a:schemeClr>
-          </a:solidFill>
-        </p:spPr>
-        <p:style>
-          <a:lnRef idx="2">
-            <a:schemeClr val="accent1">
-              <a:shade val="15000"/>
-            </a:schemeClr>
-          </a:lnRef>
-          <a:fillRef idx="1">
-            <a:schemeClr val="accent1"/>
-          </a:fillRef>
-          <a:effectRef idx="0">
-            <a:schemeClr val="accent1"/>
-          </a:effectRef>
-          <a:fontRef idx="minor">
-            <a:schemeClr val="lt1"/>
-          </a:fontRef>
-        </p:style>
-        <p:txBody>
-          <a:bodyPr rtlCol="0" anchor="ctr"/>
-          <a:lstStyle/>
-          <a:p>
-            <a:pPr algn="ctr"/>
-            <a:endParaRPr lang="ko-KR" altLang="en-US"/>
-          </a:p>
-        </p:txBody>
-      </p:sp>
-      <p:sp>
-        <p:nvSpPr>
-          <p:cNvPr id="45" name="직사각형 44">
-            <a:extLst>
-              <a:ext uri="{FF2B5EF4-FFF2-40B4-BE49-F238E27FC236}">
-                <a16:creationId xmlns:a16="http://schemas.microsoft.com/office/drawing/2014/main" id="{DE87F1EF-8DC2-3400-A28E-45DADBBEAD40}"/>
-              </a:ext>
-            </a:extLst>
-          </p:cNvPr>
-          <p:cNvSpPr/>
-          <p:nvPr/>
-        </p:nvSpPr>
-        <p:spPr>
-          <a:xfrm>
-            <a:off x="1384167" y="2198890"/>
-            <a:ext cx="317875" cy="45719"/>
-          </a:xfrm>
-          <a:prstGeom prst="rect">
-            <a:avLst/>
-          </a:prstGeom>
-        </p:spPr>
-        <p:style>
-          <a:lnRef idx="2">
-            <a:schemeClr val="accent1">
-              <a:shade val="15000"/>
-            </a:schemeClr>
-          </a:lnRef>
-          <a:fillRef idx="1">
-            <a:schemeClr val="accent1"/>
-          </a:fillRef>
-          <a:effectRef idx="0">
-            <a:schemeClr val="accent1"/>
-          </a:effectRef>
-          <a:fontRef idx="minor">
-            <a:schemeClr val="lt1"/>
-          </a:fontRef>
-        </p:style>
-        <p:txBody>
-          <a:bodyPr rtlCol="0" anchor="ctr"/>
-          <a:lstStyle/>
-          <a:p>
-            <a:pPr algn="ctr"/>
-            <a:endParaRPr lang="ko-KR" altLang="en-US"/>
-          </a:p>
-        </p:txBody>
-      </p:sp>
-      <p:sp>
-        <p:nvSpPr>
-          <p:cNvPr id="48" name="타원 47">
-            <a:extLst>
-              <a:ext uri="{FF2B5EF4-FFF2-40B4-BE49-F238E27FC236}">
-                <a16:creationId xmlns:a16="http://schemas.microsoft.com/office/drawing/2014/main" id="{A2FED550-C62B-51FD-F344-F0E63313F03B}"/>
-              </a:ext>
-            </a:extLst>
-          </p:cNvPr>
-          <p:cNvSpPr/>
-          <p:nvPr/>
-        </p:nvSpPr>
-        <p:spPr>
-          <a:xfrm>
-            <a:off x="1596723" y="2153053"/>
-            <a:ext cx="137391" cy="137391"/>
-          </a:xfrm>
-          <a:prstGeom prst="ellipse">
-            <a:avLst/>
-          </a:prstGeom>
-          <a:solidFill>
-            <a:schemeClr val="bg1">
-              <a:lumMod val="95000"/>
-            </a:schemeClr>
-          </a:solidFill>
-        </p:spPr>
-        <p:style>
-          <a:lnRef idx="2">
-            <a:schemeClr val="accent1">
-              <a:shade val="15000"/>
-            </a:schemeClr>
-          </a:lnRef>
-          <a:fillRef idx="1">
-            <a:schemeClr val="accent1"/>
-          </a:fillRef>
-          <a:effectRef idx="0">
-            <a:schemeClr val="accent1"/>
-          </a:effectRef>
-          <a:fontRef idx="minor">
-            <a:schemeClr val="lt1"/>
-          </a:fontRef>
-        </p:style>
-        <p:txBody>
-          <a:bodyPr rtlCol="0" anchor="ctr"/>
-          <a:lstStyle/>
-          <a:p>
-            <a:pPr algn="ctr"/>
-            <a:endParaRPr lang="ko-KR" altLang="en-US"/>
-          </a:p>
-        </p:txBody>
-      </p:sp>
+              </a:endParaRPr>
+            </a:p>
+            <a:p>
+              <a:r>
+                <a:rPr lang="ko-KR" altLang="en-US" sz="1200" b="1" dirty="0">
+                  <a:solidFill>
+                    <a:srgbClr val="800000"/>
+                  </a:solidFill>
+                  <a:effectLst/>
+                  <a:latin typeface="Monoplex KR" panose="020B0509020203020207" pitchFamily="50" charset="-126"/>
+                </a:rPr>
+                <a:t>가중이동평균법</a:t>
+              </a:r>
+              <a:endParaRPr lang="ko-KR" altLang="en-US" sz="1200" b="0" dirty="0">
+                <a:solidFill>
+                  <a:srgbClr val="3B3B3B"/>
+                </a:solidFill>
+                <a:effectLst/>
+                <a:latin typeface="Monoplex KR" panose="020B0509020203020207" pitchFamily="50" charset="-126"/>
+              </a:endParaRPr>
+            </a:p>
+            <a:p>
+              <a:r>
+                <a:rPr lang="ko-KR" altLang="en-US" sz="1200" b="1" dirty="0" err="1">
+                  <a:solidFill>
+                    <a:srgbClr val="800000"/>
+                  </a:solidFill>
+                  <a:effectLst/>
+                  <a:latin typeface="Monoplex KR" panose="020B0509020203020207" pitchFamily="50" charset="-126"/>
+                </a:rPr>
+                <a:t>지수평활법</a:t>
+              </a:r>
+              <a:endParaRPr lang="ko-KR" altLang="en-US" sz="1200" b="0" dirty="0">
+                <a:solidFill>
+                  <a:srgbClr val="3B3B3B"/>
+                </a:solidFill>
+                <a:effectLst/>
+                <a:latin typeface="Monoplex KR" panose="020B0509020203020207" pitchFamily="50" charset="-126"/>
+              </a:endParaRPr>
+            </a:p>
+            <a:p>
+              <a:r>
+                <a:rPr lang="en-US" altLang="ko-KR" sz="1200" b="1" dirty="0" err="1">
+                  <a:solidFill>
+                    <a:srgbClr val="800000"/>
+                  </a:solidFill>
+                  <a:effectLst/>
+                  <a:latin typeface="Monoplex KR" panose="020B0509020203020207" pitchFamily="50" charset="-126"/>
+                </a:rPr>
+                <a:t>tensorflow</a:t>
+              </a:r>
+              <a:endParaRPr lang="ko-KR" altLang="en-US" sz="1200" b="0" dirty="0">
+                <a:solidFill>
+                  <a:srgbClr val="3B3B3B"/>
+                </a:solidFill>
+                <a:effectLst/>
+                <a:latin typeface="Monoplex KR" panose="020B0509020203020207" pitchFamily="50" charset="-126"/>
+              </a:endParaRPr>
+            </a:p>
+            <a:p>
+              <a:endParaRPr lang="ko-KR" altLang="en-US" sz="1200" dirty="0"/>
+            </a:p>
+          </p:txBody>
+        </p:sp>
+        <p:sp>
+          <p:nvSpPr>
+            <p:cNvPr id="21" name="직사각형 20">
+              <a:extLst>
+                <a:ext uri="{FF2B5EF4-FFF2-40B4-BE49-F238E27FC236}">
+                  <a16:creationId xmlns:a16="http://schemas.microsoft.com/office/drawing/2014/main" id="{66401E56-C91D-F001-237E-C3B982DD1A82}"/>
+                </a:ext>
+              </a:extLst>
+            </p:cNvPr>
+            <p:cNvSpPr/>
+            <p:nvPr/>
+          </p:nvSpPr>
+          <p:spPr>
+            <a:xfrm>
+              <a:off x="329342" y="1232478"/>
+              <a:ext cx="1316186" cy="286904"/>
+            </a:xfrm>
+            <a:prstGeom prst="rect">
+              <a:avLst/>
+            </a:prstGeom>
+            <a:solidFill>
+              <a:schemeClr val="bg1"/>
+            </a:solidFill>
+          </p:spPr>
+          <p:style>
+            <a:lnRef idx="2">
+              <a:schemeClr val="accent1">
+                <a:shade val="15000"/>
+              </a:schemeClr>
+            </a:lnRef>
+            <a:fillRef idx="1">
+              <a:schemeClr val="accent1"/>
+            </a:fillRef>
+            <a:effectRef idx="0">
+              <a:schemeClr val="accent1"/>
+            </a:effectRef>
+            <a:fontRef idx="minor">
+              <a:schemeClr val="lt1"/>
+            </a:fontRef>
+          </p:style>
+          <p:txBody>
+            <a:bodyPr rtlCol="0" anchor="ctr"/>
+            <a:lstStyle/>
+            <a:p>
+              <a:pPr algn="ctr"/>
+              <a:r>
+                <a:rPr lang="ko-KR" altLang="en-US" sz="1200" b="0" dirty="0">
+                  <a:solidFill>
+                    <a:srgbClr val="3B3B3B"/>
+                  </a:solidFill>
+                  <a:effectLst/>
+                  <a:latin typeface="Monoplex KR" panose="020B0509020203020207" pitchFamily="50" charset="-126"/>
+                </a:rPr>
+                <a:t>스위치</a:t>
+              </a:r>
+            </a:p>
+          </p:txBody>
+        </p:sp>
+        <p:sp>
+          <p:nvSpPr>
+            <p:cNvPr id="29" name="직사각형 28">
+              <a:extLst>
+                <a:ext uri="{FF2B5EF4-FFF2-40B4-BE49-F238E27FC236}">
+                  <a16:creationId xmlns:a16="http://schemas.microsoft.com/office/drawing/2014/main" id="{2FAFB3D1-1FA5-3588-3D6F-CC7DD79A494B}"/>
+                </a:ext>
+              </a:extLst>
+            </p:cNvPr>
+            <p:cNvSpPr/>
+            <p:nvPr/>
+          </p:nvSpPr>
+          <p:spPr>
+            <a:xfrm>
+              <a:off x="1384167" y="1626035"/>
+              <a:ext cx="317875" cy="45719"/>
+            </a:xfrm>
+            <a:prstGeom prst="rect">
+              <a:avLst/>
+            </a:prstGeom>
+          </p:spPr>
+          <p:style>
+            <a:lnRef idx="2">
+              <a:schemeClr val="accent1">
+                <a:shade val="15000"/>
+              </a:schemeClr>
+            </a:lnRef>
+            <a:fillRef idx="1">
+              <a:schemeClr val="accent1"/>
+            </a:fillRef>
+            <a:effectRef idx="0">
+              <a:schemeClr val="accent1"/>
+            </a:effectRef>
+            <a:fontRef idx="minor">
+              <a:schemeClr val="lt1"/>
+            </a:fontRef>
+          </p:style>
+          <p:txBody>
+            <a:bodyPr rtlCol="0" anchor="ctr"/>
+            <a:lstStyle/>
+            <a:p>
+              <a:pPr algn="ctr"/>
+              <a:endParaRPr lang="ko-KR" altLang="en-US"/>
+            </a:p>
+          </p:txBody>
+        </p:sp>
+        <p:sp>
+          <p:nvSpPr>
+            <p:cNvPr id="32" name="타원 31">
+              <a:extLst>
+                <a:ext uri="{FF2B5EF4-FFF2-40B4-BE49-F238E27FC236}">
+                  <a16:creationId xmlns:a16="http://schemas.microsoft.com/office/drawing/2014/main" id="{B5D1DD71-BF5A-E610-4944-9718A5CBF6F2}"/>
+                </a:ext>
+              </a:extLst>
+            </p:cNvPr>
+            <p:cNvSpPr/>
+            <p:nvPr/>
+          </p:nvSpPr>
+          <p:spPr>
+            <a:xfrm>
+              <a:off x="1596723" y="1580198"/>
+              <a:ext cx="137391" cy="137391"/>
+            </a:xfrm>
+            <a:prstGeom prst="ellipse">
+              <a:avLst/>
+            </a:prstGeom>
+            <a:solidFill>
+              <a:schemeClr val="bg1">
+                <a:lumMod val="95000"/>
+              </a:schemeClr>
+            </a:solidFill>
+          </p:spPr>
+          <p:style>
+            <a:lnRef idx="2">
+              <a:schemeClr val="accent1">
+                <a:shade val="15000"/>
+              </a:schemeClr>
+            </a:lnRef>
+            <a:fillRef idx="1">
+              <a:schemeClr val="accent1"/>
+            </a:fillRef>
+            <a:effectRef idx="0">
+              <a:schemeClr val="accent1"/>
+            </a:effectRef>
+            <a:fontRef idx="minor">
+              <a:schemeClr val="lt1"/>
+            </a:fontRef>
+          </p:style>
+          <p:txBody>
+            <a:bodyPr rtlCol="0" anchor="ctr"/>
+            <a:lstStyle/>
+            <a:p>
+              <a:pPr algn="ctr"/>
+              <a:endParaRPr lang="ko-KR" altLang="en-US"/>
+            </a:p>
+          </p:txBody>
+        </p:sp>
+        <p:sp>
+          <p:nvSpPr>
+            <p:cNvPr id="33" name="직사각형 32">
+              <a:extLst>
+                <a:ext uri="{FF2B5EF4-FFF2-40B4-BE49-F238E27FC236}">
+                  <a16:creationId xmlns:a16="http://schemas.microsoft.com/office/drawing/2014/main" id="{A0B1F1B2-9BB1-39D4-D4CD-4D49D8C6DBF1}"/>
+                </a:ext>
+              </a:extLst>
+            </p:cNvPr>
+            <p:cNvSpPr/>
+            <p:nvPr/>
+          </p:nvSpPr>
+          <p:spPr>
+            <a:xfrm>
+              <a:off x="1384167" y="1809145"/>
+              <a:ext cx="317875" cy="45719"/>
+            </a:xfrm>
+            <a:prstGeom prst="rect">
+              <a:avLst/>
+            </a:prstGeom>
+          </p:spPr>
+          <p:style>
+            <a:lnRef idx="2">
+              <a:schemeClr val="accent1">
+                <a:shade val="15000"/>
+              </a:schemeClr>
+            </a:lnRef>
+            <a:fillRef idx="1">
+              <a:schemeClr val="accent1"/>
+            </a:fillRef>
+            <a:effectRef idx="0">
+              <a:schemeClr val="accent1"/>
+            </a:effectRef>
+            <a:fontRef idx="minor">
+              <a:schemeClr val="lt1"/>
+            </a:fontRef>
+          </p:style>
+          <p:txBody>
+            <a:bodyPr rtlCol="0" anchor="ctr"/>
+            <a:lstStyle/>
+            <a:p>
+              <a:pPr algn="ctr"/>
+              <a:endParaRPr lang="ko-KR" altLang="en-US"/>
+            </a:p>
+          </p:txBody>
+        </p:sp>
+        <p:sp>
+          <p:nvSpPr>
+            <p:cNvPr id="34" name="타원 33">
+              <a:extLst>
+                <a:ext uri="{FF2B5EF4-FFF2-40B4-BE49-F238E27FC236}">
+                  <a16:creationId xmlns:a16="http://schemas.microsoft.com/office/drawing/2014/main" id="{C07DFC26-0691-0F81-A65A-499499A56A14}"/>
+                </a:ext>
+              </a:extLst>
+            </p:cNvPr>
+            <p:cNvSpPr/>
+            <p:nvPr/>
+          </p:nvSpPr>
+          <p:spPr>
+            <a:xfrm>
+              <a:off x="1596723" y="1763308"/>
+              <a:ext cx="137391" cy="137391"/>
+            </a:xfrm>
+            <a:prstGeom prst="ellipse">
+              <a:avLst/>
+            </a:prstGeom>
+            <a:solidFill>
+              <a:schemeClr val="bg1">
+                <a:lumMod val="95000"/>
+              </a:schemeClr>
+            </a:solidFill>
+          </p:spPr>
+          <p:style>
+            <a:lnRef idx="2">
+              <a:schemeClr val="accent1">
+                <a:shade val="15000"/>
+              </a:schemeClr>
+            </a:lnRef>
+            <a:fillRef idx="1">
+              <a:schemeClr val="accent1"/>
+            </a:fillRef>
+            <a:effectRef idx="0">
+              <a:schemeClr val="accent1"/>
+            </a:effectRef>
+            <a:fontRef idx="minor">
+              <a:schemeClr val="lt1"/>
+            </a:fontRef>
+          </p:style>
+          <p:txBody>
+            <a:bodyPr rtlCol="0" anchor="ctr"/>
+            <a:lstStyle/>
+            <a:p>
+              <a:pPr algn="ctr"/>
+              <a:endParaRPr lang="ko-KR" altLang="en-US"/>
+            </a:p>
+          </p:txBody>
+        </p:sp>
+        <p:sp>
+          <p:nvSpPr>
+            <p:cNvPr id="35" name="직사각형 34">
+              <a:extLst>
+                <a:ext uri="{FF2B5EF4-FFF2-40B4-BE49-F238E27FC236}">
+                  <a16:creationId xmlns:a16="http://schemas.microsoft.com/office/drawing/2014/main" id="{BBEBB610-A3CF-3FA3-9580-E75DE0BE4E08}"/>
+                </a:ext>
+              </a:extLst>
+            </p:cNvPr>
+            <p:cNvSpPr/>
+            <p:nvPr/>
+          </p:nvSpPr>
+          <p:spPr>
+            <a:xfrm>
+              <a:off x="1384167" y="1999732"/>
+              <a:ext cx="317875" cy="45719"/>
+            </a:xfrm>
+            <a:prstGeom prst="rect">
+              <a:avLst/>
+            </a:prstGeom>
+          </p:spPr>
+          <p:style>
+            <a:lnRef idx="2">
+              <a:schemeClr val="accent1">
+                <a:shade val="15000"/>
+              </a:schemeClr>
+            </a:lnRef>
+            <a:fillRef idx="1">
+              <a:schemeClr val="accent1"/>
+            </a:fillRef>
+            <a:effectRef idx="0">
+              <a:schemeClr val="accent1"/>
+            </a:effectRef>
+            <a:fontRef idx="minor">
+              <a:schemeClr val="lt1"/>
+            </a:fontRef>
+          </p:style>
+          <p:txBody>
+            <a:bodyPr rtlCol="0" anchor="ctr"/>
+            <a:lstStyle/>
+            <a:p>
+              <a:pPr algn="ctr"/>
+              <a:endParaRPr lang="ko-KR" altLang="en-US"/>
+            </a:p>
+          </p:txBody>
+        </p:sp>
+        <p:sp>
+          <p:nvSpPr>
+            <p:cNvPr id="40" name="타원 39">
+              <a:extLst>
+                <a:ext uri="{FF2B5EF4-FFF2-40B4-BE49-F238E27FC236}">
+                  <a16:creationId xmlns:a16="http://schemas.microsoft.com/office/drawing/2014/main" id="{C9B893C3-4A0A-A517-DAE7-257DFE1B84A2}"/>
+                </a:ext>
+              </a:extLst>
+            </p:cNvPr>
+            <p:cNvSpPr/>
+            <p:nvPr/>
+          </p:nvSpPr>
+          <p:spPr>
+            <a:xfrm>
+              <a:off x="1596723" y="1953895"/>
+              <a:ext cx="137391" cy="137391"/>
+            </a:xfrm>
+            <a:prstGeom prst="ellipse">
+              <a:avLst/>
+            </a:prstGeom>
+            <a:solidFill>
+              <a:schemeClr val="bg1">
+                <a:lumMod val="95000"/>
+              </a:schemeClr>
+            </a:solidFill>
+          </p:spPr>
+          <p:style>
+            <a:lnRef idx="2">
+              <a:schemeClr val="accent1">
+                <a:shade val="15000"/>
+              </a:schemeClr>
+            </a:lnRef>
+            <a:fillRef idx="1">
+              <a:schemeClr val="accent1"/>
+            </a:fillRef>
+            <a:effectRef idx="0">
+              <a:schemeClr val="accent1"/>
+            </a:effectRef>
+            <a:fontRef idx="minor">
+              <a:schemeClr val="lt1"/>
+            </a:fontRef>
+          </p:style>
+          <p:txBody>
+            <a:bodyPr rtlCol="0" anchor="ctr"/>
+            <a:lstStyle/>
+            <a:p>
+              <a:pPr algn="ctr"/>
+              <a:endParaRPr lang="ko-KR" altLang="en-US"/>
+            </a:p>
+          </p:txBody>
+        </p:sp>
+        <p:sp>
+          <p:nvSpPr>
+            <p:cNvPr id="45" name="직사각형 44">
+              <a:extLst>
+                <a:ext uri="{FF2B5EF4-FFF2-40B4-BE49-F238E27FC236}">
+                  <a16:creationId xmlns:a16="http://schemas.microsoft.com/office/drawing/2014/main" id="{DE87F1EF-8DC2-3400-A28E-45DADBBEAD40}"/>
+                </a:ext>
+              </a:extLst>
+            </p:cNvPr>
+            <p:cNvSpPr/>
+            <p:nvPr/>
+          </p:nvSpPr>
+          <p:spPr>
+            <a:xfrm>
+              <a:off x="1384167" y="2198890"/>
+              <a:ext cx="317875" cy="45719"/>
+            </a:xfrm>
+            <a:prstGeom prst="rect">
+              <a:avLst/>
+            </a:prstGeom>
+          </p:spPr>
+          <p:style>
+            <a:lnRef idx="2">
+              <a:schemeClr val="accent1">
+                <a:shade val="15000"/>
+              </a:schemeClr>
+            </a:lnRef>
+            <a:fillRef idx="1">
+              <a:schemeClr val="accent1"/>
+            </a:fillRef>
+            <a:effectRef idx="0">
+              <a:schemeClr val="accent1"/>
+            </a:effectRef>
+            <a:fontRef idx="minor">
+              <a:schemeClr val="lt1"/>
+            </a:fontRef>
+          </p:style>
+          <p:txBody>
+            <a:bodyPr rtlCol="0" anchor="ctr"/>
+            <a:lstStyle/>
+            <a:p>
+              <a:pPr algn="ctr"/>
+              <a:endParaRPr lang="ko-KR" altLang="en-US"/>
+            </a:p>
+          </p:txBody>
+        </p:sp>
+        <p:sp>
+          <p:nvSpPr>
+            <p:cNvPr id="48" name="타원 47">
+              <a:extLst>
+                <a:ext uri="{FF2B5EF4-FFF2-40B4-BE49-F238E27FC236}">
+                  <a16:creationId xmlns:a16="http://schemas.microsoft.com/office/drawing/2014/main" id="{A2FED550-C62B-51FD-F344-F0E63313F03B}"/>
+                </a:ext>
+              </a:extLst>
+            </p:cNvPr>
+            <p:cNvSpPr/>
+            <p:nvPr/>
+          </p:nvSpPr>
+          <p:spPr>
+            <a:xfrm>
+              <a:off x="1596723" y="2153053"/>
+              <a:ext cx="137391" cy="137391"/>
+            </a:xfrm>
+            <a:prstGeom prst="ellipse">
+              <a:avLst/>
+            </a:prstGeom>
+            <a:solidFill>
+              <a:schemeClr val="bg1">
+                <a:lumMod val="95000"/>
+              </a:schemeClr>
+            </a:solidFill>
+          </p:spPr>
+          <p:style>
+            <a:lnRef idx="2">
+              <a:schemeClr val="accent1">
+                <a:shade val="15000"/>
+              </a:schemeClr>
+            </a:lnRef>
+            <a:fillRef idx="1">
+              <a:schemeClr val="accent1"/>
+            </a:fillRef>
+            <a:effectRef idx="0">
+              <a:schemeClr val="accent1"/>
+            </a:effectRef>
+            <a:fontRef idx="minor">
+              <a:schemeClr val="lt1"/>
+            </a:fontRef>
+          </p:style>
+          <p:txBody>
+            <a:bodyPr rtlCol="0" anchor="ctr"/>
+            <a:lstStyle/>
+            <a:p>
+              <a:pPr algn="ctr"/>
+              <a:endParaRPr lang="ko-KR" altLang="en-US"/>
+            </a:p>
+          </p:txBody>
+        </p:sp>
+      </p:grpSp>
       <p:sp>
         <p:nvSpPr>
           <p:cNvPr id="49" name="직사각형 48">
@@ -7877,6 +7936,871 @@
           </a:p>
         </p:txBody>
       </p:sp>
+      <p:sp>
+        <p:nvSpPr>
+          <p:cNvPr id="53" name="직사각형 52">
+            <a:extLst>
+              <a:ext uri="{FF2B5EF4-FFF2-40B4-BE49-F238E27FC236}">
+                <a16:creationId xmlns:a16="http://schemas.microsoft.com/office/drawing/2014/main" id="{042FE6BC-EBD2-77AF-ACBD-E34A242D0A0F}"/>
+              </a:ext>
+            </a:extLst>
+          </p:cNvPr>
+          <p:cNvSpPr/>
+          <p:nvPr/>
+        </p:nvSpPr>
+        <p:spPr>
+          <a:xfrm>
+            <a:off x="90551" y="6343320"/>
+            <a:ext cx="1742762" cy="323850"/>
+          </a:xfrm>
+          <a:prstGeom prst="rect">
+            <a:avLst/>
+          </a:prstGeom>
+        </p:spPr>
+        <p:style>
+          <a:lnRef idx="2">
+            <a:schemeClr val="accent1">
+              <a:shade val="15000"/>
+            </a:schemeClr>
+          </a:lnRef>
+          <a:fillRef idx="1">
+            <a:schemeClr val="accent1"/>
+          </a:fillRef>
+          <a:effectRef idx="0">
+            <a:schemeClr val="accent1"/>
+          </a:effectRef>
+          <a:fontRef idx="minor">
+            <a:schemeClr val="lt1"/>
+          </a:fontRef>
+        </p:style>
+        <p:txBody>
+          <a:bodyPr rtlCol="0" anchor="ctr"/>
+          <a:lstStyle/>
+          <a:p>
+            <a:pPr algn="ctr"/>
+            <a:r>
+              <a:rPr lang="ko-KR" altLang="en-US" sz="1200" dirty="0"/>
+              <a:t>프로그램 정보</a:t>
+            </a:r>
+          </a:p>
+        </p:txBody>
+      </p:sp>
+      <p:sp>
+        <p:nvSpPr>
+          <p:cNvPr id="56" name="직사각형 55">
+            <a:extLst>
+              <a:ext uri="{FF2B5EF4-FFF2-40B4-BE49-F238E27FC236}">
+                <a16:creationId xmlns:a16="http://schemas.microsoft.com/office/drawing/2014/main" id="{0F5F7F2C-282E-3790-A693-DC32D271DC39}"/>
+              </a:ext>
+            </a:extLst>
+          </p:cNvPr>
+          <p:cNvSpPr/>
+          <p:nvPr/>
+        </p:nvSpPr>
+        <p:spPr>
+          <a:xfrm>
+            <a:off x="-3528780" y="-1552905"/>
+            <a:ext cx="914400" cy="914400"/>
+          </a:xfrm>
+          <a:prstGeom prst="rect">
+            <a:avLst/>
+          </a:prstGeom>
+          <a:noFill/>
+          <a:ln>
+            <a:noFill/>
+          </a:ln>
+        </p:spPr>
+        <p:style>
+          <a:lnRef idx="2">
+            <a:schemeClr val="accent1">
+              <a:shade val="15000"/>
+            </a:schemeClr>
+          </a:lnRef>
+          <a:fillRef idx="1">
+            <a:schemeClr val="accent1"/>
+          </a:fillRef>
+          <a:effectRef idx="0">
+            <a:schemeClr val="accent1"/>
+          </a:effectRef>
+          <a:fontRef idx="minor">
+            <a:schemeClr val="lt1"/>
+          </a:fontRef>
+        </p:style>
+        <p:txBody>
+          <a:bodyPr rtlCol="0" anchor="ctr"/>
+          <a:lstStyle/>
+          <a:p>
+            <a:pPr algn="ctr"/>
+            <a:r>
+              <a:rPr lang="en-US" altLang="ko-KR" sz="9600" dirty="0">
+                <a:solidFill>
+                  <a:srgbClr val="2CBE79"/>
+                </a:solidFill>
+                <a:latin typeface="ADLaM Display" panose="02010000000000000000" pitchFamily="2" charset="0"/>
+                <a:ea typeface="ADLaM Display" panose="02010000000000000000" pitchFamily="2" charset="0"/>
+                <a:cs typeface="ADLaM Display" panose="02010000000000000000" pitchFamily="2" charset="0"/>
+              </a:rPr>
+              <a:t>D</a:t>
+            </a:r>
+            <a:endParaRPr lang="ko-KR" altLang="en-US" sz="9600" dirty="0">
+              <a:solidFill>
+                <a:srgbClr val="2CBE79"/>
+              </a:solidFill>
+              <a:latin typeface="ADLaM Display" panose="02010000000000000000" pitchFamily="2" charset="0"/>
+              <a:cs typeface="ADLaM Display" panose="02010000000000000000" pitchFamily="2" charset="0"/>
+            </a:endParaRPr>
+          </a:p>
+        </p:txBody>
+      </p:sp>
+      <p:sp>
+        <p:nvSpPr>
+          <p:cNvPr id="59" name="직사각형 58">
+            <a:extLst>
+              <a:ext uri="{FF2B5EF4-FFF2-40B4-BE49-F238E27FC236}">
+                <a16:creationId xmlns:a16="http://schemas.microsoft.com/office/drawing/2014/main" id="{07FAABC9-0568-94A3-4A63-9C50AC95E1BA}"/>
+              </a:ext>
+            </a:extLst>
+          </p:cNvPr>
+          <p:cNvSpPr/>
+          <p:nvPr/>
+        </p:nvSpPr>
+        <p:spPr>
+          <a:xfrm>
+            <a:off x="-2957785" y="-1095705"/>
+            <a:ext cx="864133" cy="914400"/>
+          </a:xfrm>
+          <a:prstGeom prst="rect">
+            <a:avLst/>
+          </a:prstGeom>
+          <a:noFill/>
+          <a:ln>
+            <a:noFill/>
+          </a:ln>
+        </p:spPr>
+        <p:style>
+          <a:lnRef idx="2">
+            <a:schemeClr val="accent1">
+              <a:shade val="15000"/>
+            </a:schemeClr>
+          </a:lnRef>
+          <a:fillRef idx="1">
+            <a:schemeClr val="accent1"/>
+          </a:fillRef>
+          <a:effectRef idx="0">
+            <a:schemeClr val="accent1"/>
+          </a:effectRef>
+          <a:fontRef idx="minor">
+            <a:schemeClr val="lt1"/>
+          </a:fontRef>
+        </p:style>
+        <p:txBody>
+          <a:bodyPr rtlCol="0" anchor="ctr"/>
+          <a:lstStyle/>
+          <a:p>
+            <a:pPr algn="ctr"/>
+            <a:r>
+              <a:rPr lang="en-US" altLang="ko-KR" sz="9600" dirty="0">
+                <a:solidFill>
+                  <a:srgbClr val="2CBE79"/>
+                </a:solidFill>
+                <a:latin typeface="ADLaM Display" panose="02010000000000000000" pitchFamily="2" charset="0"/>
+                <a:ea typeface="ADLaM Display" panose="02010000000000000000" pitchFamily="2" charset="0"/>
+                <a:cs typeface="ADLaM Display" panose="02010000000000000000" pitchFamily="2" charset="0"/>
+              </a:rPr>
+              <a:t>P</a:t>
+            </a:r>
+            <a:endParaRPr lang="ko-KR" altLang="en-US" sz="9600" dirty="0">
+              <a:solidFill>
+                <a:srgbClr val="2CBE79"/>
+              </a:solidFill>
+              <a:latin typeface="ADLaM Display" panose="02010000000000000000" pitchFamily="2" charset="0"/>
+              <a:cs typeface="ADLaM Display" panose="02010000000000000000" pitchFamily="2" charset="0"/>
+            </a:endParaRPr>
+          </a:p>
+        </p:txBody>
+      </p:sp>
+      <p:sp>
+        <p:nvSpPr>
+          <p:cNvPr id="57" name="사각형: 둥근 모서리 56">
+            <a:extLst>
+              <a:ext uri="{FF2B5EF4-FFF2-40B4-BE49-F238E27FC236}">
+                <a16:creationId xmlns:a16="http://schemas.microsoft.com/office/drawing/2014/main" id="{CDBF286C-CF71-F50D-1209-513F44ADD9BD}"/>
+              </a:ext>
+            </a:extLst>
+          </p:cNvPr>
+          <p:cNvSpPr/>
+          <p:nvPr/>
+        </p:nvSpPr>
+        <p:spPr>
+          <a:xfrm rot="1939172">
+            <a:off x="-2928016" y="-1679657"/>
+            <a:ext cx="233600" cy="1568613"/>
+          </a:xfrm>
+          <a:prstGeom prst="roundRect">
+            <a:avLst>
+              <a:gd name="adj" fmla="val 50000"/>
+            </a:avLst>
+          </a:prstGeom>
+          <a:solidFill>
+            <a:srgbClr val="2CBE79"/>
+          </a:solidFill>
+          <a:ln w="76200">
+            <a:solidFill>
+              <a:srgbClr val="DBDBDB"/>
+            </a:solidFill>
+          </a:ln>
+        </p:spPr>
+        <p:style>
+          <a:lnRef idx="2">
+            <a:schemeClr val="accent1">
+              <a:shade val="15000"/>
+            </a:schemeClr>
+          </a:lnRef>
+          <a:fillRef idx="1">
+            <a:schemeClr val="accent1"/>
+          </a:fillRef>
+          <a:effectRef idx="0">
+            <a:schemeClr val="accent1"/>
+          </a:effectRef>
+          <a:fontRef idx="minor">
+            <a:schemeClr val="lt1"/>
+          </a:fontRef>
+        </p:style>
+        <p:txBody>
+          <a:bodyPr rtlCol="0" anchor="ctr"/>
+          <a:lstStyle/>
+          <a:p>
+            <a:pPr algn="ctr"/>
+            <a:endParaRPr lang="ko-KR" altLang="en-US">
+              <a:solidFill>
+                <a:srgbClr val="2CBE79"/>
+              </a:solidFill>
+            </a:endParaRPr>
+          </a:p>
+        </p:txBody>
+      </p:sp>
+      <p:sp>
+        <p:nvSpPr>
+          <p:cNvPr id="60" name="직사각형 59">
+            <a:extLst>
+              <a:ext uri="{FF2B5EF4-FFF2-40B4-BE49-F238E27FC236}">
+                <a16:creationId xmlns:a16="http://schemas.microsoft.com/office/drawing/2014/main" id="{CA3E2EF6-B2E7-B5E0-F183-D27A4E51D6C6}"/>
+              </a:ext>
+            </a:extLst>
+          </p:cNvPr>
+          <p:cNvSpPr/>
+          <p:nvPr/>
+        </p:nvSpPr>
+        <p:spPr>
+          <a:xfrm>
+            <a:off x="-1705209" y="-1668736"/>
+            <a:ext cx="1546772" cy="1546772"/>
+          </a:xfrm>
+          <a:prstGeom prst="rect">
+            <a:avLst/>
+          </a:prstGeom>
+          <a:solidFill>
+            <a:srgbClr val="2B2B2B"/>
+          </a:solidFill>
+          <a:ln>
+            <a:noFill/>
+          </a:ln>
+        </p:spPr>
+        <p:style>
+          <a:lnRef idx="2">
+            <a:schemeClr val="accent1">
+              <a:shade val="15000"/>
+            </a:schemeClr>
+          </a:lnRef>
+          <a:fillRef idx="1">
+            <a:schemeClr val="accent1"/>
+          </a:fillRef>
+          <a:effectRef idx="0">
+            <a:schemeClr val="accent1"/>
+          </a:effectRef>
+          <a:fontRef idx="minor">
+            <a:schemeClr val="lt1"/>
+          </a:fontRef>
+        </p:style>
+        <p:txBody>
+          <a:bodyPr rtlCol="0" anchor="ctr"/>
+          <a:lstStyle/>
+          <a:p>
+            <a:pPr algn="ctr"/>
+            <a:endParaRPr lang="ko-KR" altLang="en-US"/>
+          </a:p>
+        </p:txBody>
+      </p:sp>
+      <p:sp>
+        <p:nvSpPr>
+          <p:cNvPr id="61" name="직사각형 60">
+            <a:extLst>
+              <a:ext uri="{FF2B5EF4-FFF2-40B4-BE49-F238E27FC236}">
+                <a16:creationId xmlns:a16="http://schemas.microsoft.com/office/drawing/2014/main" id="{01C8754A-4351-91B6-E997-B2F56916C592}"/>
+              </a:ext>
+            </a:extLst>
+          </p:cNvPr>
+          <p:cNvSpPr/>
+          <p:nvPr/>
+        </p:nvSpPr>
+        <p:spPr>
+          <a:xfrm>
+            <a:off x="-1613539" y="-1552905"/>
+            <a:ext cx="914400" cy="914400"/>
+          </a:xfrm>
+          <a:prstGeom prst="rect">
+            <a:avLst/>
+          </a:prstGeom>
+          <a:noFill/>
+          <a:ln>
+            <a:noFill/>
+          </a:ln>
+        </p:spPr>
+        <p:style>
+          <a:lnRef idx="2">
+            <a:schemeClr val="accent1">
+              <a:shade val="15000"/>
+            </a:schemeClr>
+          </a:lnRef>
+          <a:fillRef idx="1">
+            <a:schemeClr val="accent1"/>
+          </a:fillRef>
+          <a:effectRef idx="0">
+            <a:schemeClr val="accent1"/>
+          </a:effectRef>
+          <a:fontRef idx="minor">
+            <a:schemeClr val="lt1"/>
+          </a:fontRef>
+        </p:style>
+        <p:txBody>
+          <a:bodyPr rtlCol="0" anchor="ctr"/>
+          <a:lstStyle/>
+          <a:p>
+            <a:pPr algn="ctr"/>
+            <a:r>
+              <a:rPr lang="en-US" altLang="ko-KR" sz="9600" dirty="0">
+                <a:solidFill>
+                  <a:srgbClr val="2FA572"/>
+                </a:solidFill>
+                <a:latin typeface="ADLaM Display" panose="02010000000000000000" pitchFamily="2" charset="0"/>
+                <a:ea typeface="ADLaM Display" panose="02010000000000000000" pitchFamily="2" charset="0"/>
+                <a:cs typeface="ADLaM Display" panose="02010000000000000000" pitchFamily="2" charset="0"/>
+              </a:rPr>
+              <a:t>D</a:t>
+            </a:r>
+            <a:endParaRPr lang="ko-KR" altLang="en-US" sz="9600" dirty="0">
+              <a:solidFill>
+                <a:srgbClr val="2FA572"/>
+              </a:solidFill>
+              <a:latin typeface="ADLaM Display" panose="02010000000000000000" pitchFamily="2" charset="0"/>
+              <a:cs typeface="ADLaM Display" panose="02010000000000000000" pitchFamily="2" charset="0"/>
+            </a:endParaRPr>
+          </a:p>
+        </p:txBody>
+      </p:sp>
+      <p:sp>
+        <p:nvSpPr>
+          <p:cNvPr id="62" name="직사각형 61">
+            <a:extLst>
+              <a:ext uri="{FF2B5EF4-FFF2-40B4-BE49-F238E27FC236}">
+                <a16:creationId xmlns:a16="http://schemas.microsoft.com/office/drawing/2014/main" id="{36200B02-FD07-C0DB-7C6F-F39FD292BA84}"/>
+              </a:ext>
+            </a:extLst>
+          </p:cNvPr>
+          <p:cNvSpPr/>
+          <p:nvPr/>
+        </p:nvSpPr>
+        <p:spPr>
+          <a:xfrm>
+            <a:off x="-1042544" y="-1095705"/>
+            <a:ext cx="864133" cy="914400"/>
+          </a:xfrm>
+          <a:prstGeom prst="rect">
+            <a:avLst/>
+          </a:prstGeom>
+          <a:noFill/>
+          <a:ln>
+            <a:noFill/>
+          </a:ln>
+        </p:spPr>
+        <p:style>
+          <a:lnRef idx="2">
+            <a:schemeClr val="accent1">
+              <a:shade val="15000"/>
+            </a:schemeClr>
+          </a:lnRef>
+          <a:fillRef idx="1">
+            <a:schemeClr val="accent1"/>
+          </a:fillRef>
+          <a:effectRef idx="0">
+            <a:schemeClr val="accent1"/>
+          </a:effectRef>
+          <a:fontRef idx="minor">
+            <a:schemeClr val="lt1"/>
+          </a:fontRef>
+        </p:style>
+        <p:txBody>
+          <a:bodyPr rtlCol="0" anchor="ctr"/>
+          <a:lstStyle/>
+          <a:p>
+            <a:pPr algn="ctr"/>
+            <a:r>
+              <a:rPr lang="en-US" altLang="ko-KR" sz="9600" dirty="0">
+                <a:solidFill>
+                  <a:srgbClr val="2FA572"/>
+                </a:solidFill>
+                <a:latin typeface="ADLaM Display" panose="02010000000000000000" pitchFamily="2" charset="0"/>
+                <a:ea typeface="ADLaM Display" panose="02010000000000000000" pitchFamily="2" charset="0"/>
+                <a:cs typeface="ADLaM Display" panose="02010000000000000000" pitchFamily="2" charset="0"/>
+              </a:rPr>
+              <a:t>P</a:t>
+            </a:r>
+            <a:endParaRPr lang="ko-KR" altLang="en-US" sz="9600" dirty="0">
+              <a:solidFill>
+                <a:srgbClr val="2FA572"/>
+              </a:solidFill>
+              <a:latin typeface="ADLaM Display" panose="02010000000000000000" pitchFamily="2" charset="0"/>
+              <a:cs typeface="ADLaM Display" panose="02010000000000000000" pitchFamily="2" charset="0"/>
+            </a:endParaRPr>
+          </a:p>
+        </p:txBody>
+      </p:sp>
+      <p:sp>
+        <p:nvSpPr>
+          <p:cNvPr id="63" name="사각형: 둥근 모서리 62">
+            <a:extLst>
+              <a:ext uri="{FF2B5EF4-FFF2-40B4-BE49-F238E27FC236}">
+                <a16:creationId xmlns:a16="http://schemas.microsoft.com/office/drawing/2014/main" id="{C10F0A38-E976-DD91-6F71-0E5B28C12482}"/>
+              </a:ext>
+            </a:extLst>
+          </p:cNvPr>
+          <p:cNvSpPr/>
+          <p:nvPr/>
+        </p:nvSpPr>
+        <p:spPr>
+          <a:xfrm rot="1939172">
+            <a:off x="-1012775" y="-1679657"/>
+            <a:ext cx="233600" cy="1568613"/>
+          </a:xfrm>
+          <a:prstGeom prst="roundRect">
+            <a:avLst>
+              <a:gd name="adj" fmla="val 50000"/>
+            </a:avLst>
+          </a:prstGeom>
+          <a:solidFill>
+            <a:srgbClr val="2FA572"/>
+          </a:solidFill>
+          <a:ln w="76200">
+            <a:solidFill>
+              <a:srgbClr val="2B2B2B"/>
+            </a:solidFill>
+          </a:ln>
+        </p:spPr>
+        <p:style>
+          <a:lnRef idx="2">
+            <a:schemeClr val="accent1">
+              <a:shade val="15000"/>
+            </a:schemeClr>
+          </a:lnRef>
+          <a:fillRef idx="1">
+            <a:schemeClr val="accent1"/>
+          </a:fillRef>
+          <a:effectRef idx="0">
+            <a:schemeClr val="accent1"/>
+          </a:effectRef>
+          <a:fontRef idx="minor">
+            <a:schemeClr val="lt1"/>
+          </a:fontRef>
+        </p:style>
+        <p:txBody>
+          <a:bodyPr rtlCol="0" anchor="ctr"/>
+          <a:lstStyle/>
+          <a:p>
+            <a:pPr algn="ctr"/>
+            <a:endParaRPr lang="ko-KR" altLang="en-US">
+              <a:solidFill>
+                <a:srgbClr val="2CBE79"/>
+              </a:solidFill>
+            </a:endParaRPr>
+          </a:p>
+        </p:txBody>
+      </p:sp>
+      <p:sp>
+        <p:nvSpPr>
+          <p:cNvPr id="68" name="직사각형 67">
+            <a:extLst>
+              <a:ext uri="{FF2B5EF4-FFF2-40B4-BE49-F238E27FC236}">
+                <a16:creationId xmlns:a16="http://schemas.microsoft.com/office/drawing/2014/main" id="{FAFF3C13-553B-2D18-3652-1C89E3CD8D28}"/>
+              </a:ext>
+            </a:extLst>
+          </p:cNvPr>
+          <p:cNvSpPr/>
+          <p:nvPr/>
+        </p:nvSpPr>
+        <p:spPr>
+          <a:xfrm>
+            <a:off x="-5325552" y="-1668736"/>
+            <a:ext cx="1546772" cy="1546772"/>
+          </a:xfrm>
+          <a:prstGeom prst="rect">
+            <a:avLst/>
+          </a:prstGeom>
+          <a:solidFill>
+            <a:schemeClr val="bg1"/>
+          </a:solidFill>
+          <a:ln>
+            <a:noFill/>
+          </a:ln>
+        </p:spPr>
+        <p:style>
+          <a:lnRef idx="2">
+            <a:schemeClr val="accent1">
+              <a:shade val="15000"/>
+            </a:schemeClr>
+          </a:lnRef>
+          <a:fillRef idx="1">
+            <a:schemeClr val="accent1"/>
+          </a:fillRef>
+          <a:effectRef idx="0">
+            <a:schemeClr val="accent1"/>
+          </a:effectRef>
+          <a:fontRef idx="minor">
+            <a:schemeClr val="lt1"/>
+          </a:fontRef>
+        </p:style>
+        <p:txBody>
+          <a:bodyPr rtlCol="0" anchor="ctr"/>
+          <a:lstStyle/>
+          <a:p>
+            <a:pPr algn="ctr"/>
+            <a:endParaRPr lang="ko-KR" altLang="en-US"/>
+          </a:p>
+        </p:txBody>
+      </p:sp>
+      <p:sp>
+        <p:nvSpPr>
+          <p:cNvPr id="69" name="직사각형 68">
+            <a:extLst>
+              <a:ext uri="{FF2B5EF4-FFF2-40B4-BE49-F238E27FC236}">
+                <a16:creationId xmlns:a16="http://schemas.microsoft.com/office/drawing/2014/main" id="{465712A2-F1B4-7F4F-8E14-370CF7BA7349}"/>
+              </a:ext>
+            </a:extLst>
+          </p:cNvPr>
+          <p:cNvSpPr/>
+          <p:nvPr/>
+        </p:nvSpPr>
+        <p:spPr>
+          <a:xfrm>
+            <a:off x="-5233882" y="-1552905"/>
+            <a:ext cx="914400" cy="914400"/>
+          </a:xfrm>
+          <a:prstGeom prst="rect">
+            <a:avLst/>
+          </a:prstGeom>
+          <a:noFill/>
+          <a:ln>
+            <a:noFill/>
+          </a:ln>
+        </p:spPr>
+        <p:style>
+          <a:lnRef idx="2">
+            <a:schemeClr val="accent1">
+              <a:shade val="15000"/>
+            </a:schemeClr>
+          </a:lnRef>
+          <a:fillRef idx="1">
+            <a:schemeClr val="accent1"/>
+          </a:fillRef>
+          <a:effectRef idx="0">
+            <a:schemeClr val="accent1"/>
+          </a:effectRef>
+          <a:fontRef idx="minor">
+            <a:schemeClr val="lt1"/>
+          </a:fontRef>
+        </p:style>
+        <p:txBody>
+          <a:bodyPr rtlCol="0" anchor="ctr"/>
+          <a:lstStyle/>
+          <a:p>
+            <a:pPr algn="ctr"/>
+            <a:r>
+              <a:rPr lang="en-US" altLang="ko-KR" sz="9600" dirty="0">
+                <a:solidFill>
+                  <a:schemeClr val="accent3">
+                    <a:lumMod val="60000"/>
+                    <a:lumOff val="40000"/>
+                  </a:schemeClr>
+                </a:solidFill>
+                <a:latin typeface="ADLaM Display" panose="02010000000000000000" pitchFamily="2" charset="0"/>
+                <a:ea typeface="ADLaM Display" panose="02010000000000000000" pitchFamily="2" charset="0"/>
+                <a:cs typeface="ADLaM Display" panose="02010000000000000000" pitchFamily="2" charset="0"/>
+              </a:rPr>
+              <a:t>D</a:t>
+            </a:r>
+            <a:endParaRPr lang="ko-KR" altLang="en-US" sz="9600" dirty="0">
+              <a:solidFill>
+                <a:schemeClr val="accent3">
+                  <a:lumMod val="60000"/>
+                  <a:lumOff val="40000"/>
+                </a:schemeClr>
+              </a:solidFill>
+              <a:latin typeface="ADLaM Display" panose="02010000000000000000" pitchFamily="2" charset="0"/>
+              <a:cs typeface="ADLaM Display" panose="02010000000000000000" pitchFamily="2" charset="0"/>
+            </a:endParaRPr>
+          </a:p>
+        </p:txBody>
+      </p:sp>
+      <p:sp>
+        <p:nvSpPr>
+          <p:cNvPr id="70" name="직사각형 69">
+            <a:extLst>
+              <a:ext uri="{FF2B5EF4-FFF2-40B4-BE49-F238E27FC236}">
+                <a16:creationId xmlns:a16="http://schemas.microsoft.com/office/drawing/2014/main" id="{E108FC3D-F535-4F0A-9A1F-D5B9B46A044F}"/>
+              </a:ext>
+            </a:extLst>
+          </p:cNvPr>
+          <p:cNvSpPr/>
+          <p:nvPr/>
+        </p:nvSpPr>
+        <p:spPr>
+          <a:xfrm>
+            <a:off x="-4662887" y="-1095705"/>
+            <a:ext cx="864133" cy="914400"/>
+          </a:xfrm>
+          <a:prstGeom prst="rect">
+            <a:avLst/>
+          </a:prstGeom>
+          <a:noFill/>
+          <a:ln>
+            <a:noFill/>
+          </a:ln>
+        </p:spPr>
+        <p:style>
+          <a:lnRef idx="2">
+            <a:schemeClr val="accent1">
+              <a:shade val="15000"/>
+            </a:schemeClr>
+          </a:lnRef>
+          <a:fillRef idx="1">
+            <a:schemeClr val="accent1"/>
+          </a:fillRef>
+          <a:effectRef idx="0">
+            <a:schemeClr val="accent1"/>
+          </a:effectRef>
+          <a:fontRef idx="minor">
+            <a:schemeClr val="lt1"/>
+          </a:fontRef>
+        </p:style>
+        <p:txBody>
+          <a:bodyPr rtlCol="0" anchor="ctr"/>
+          <a:lstStyle/>
+          <a:p>
+            <a:pPr algn="ctr"/>
+            <a:r>
+              <a:rPr lang="en-US" altLang="ko-KR" sz="9600" dirty="0">
+                <a:solidFill>
+                  <a:schemeClr val="accent3">
+                    <a:lumMod val="60000"/>
+                    <a:lumOff val="40000"/>
+                  </a:schemeClr>
+                </a:solidFill>
+                <a:latin typeface="ADLaM Display" panose="02010000000000000000" pitchFamily="2" charset="0"/>
+                <a:ea typeface="ADLaM Display" panose="02010000000000000000" pitchFamily="2" charset="0"/>
+                <a:cs typeface="ADLaM Display" panose="02010000000000000000" pitchFamily="2" charset="0"/>
+              </a:rPr>
+              <a:t>P</a:t>
+            </a:r>
+            <a:endParaRPr lang="ko-KR" altLang="en-US" sz="9600" dirty="0">
+              <a:solidFill>
+                <a:schemeClr val="accent3">
+                  <a:lumMod val="60000"/>
+                  <a:lumOff val="40000"/>
+                </a:schemeClr>
+              </a:solidFill>
+              <a:latin typeface="ADLaM Display" panose="02010000000000000000" pitchFamily="2" charset="0"/>
+              <a:cs typeface="ADLaM Display" panose="02010000000000000000" pitchFamily="2" charset="0"/>
+            </a:endParaRPr>
+          </a:p>
+        </p:txBody>
+      </p:sp>
+      <p:sp>
+        <p:nvSpPr>
+          <p:cNvPr id="71" name="사각형: 둥근 모서리 70">
+            <a:extLst>
+              <a:ext uri="{FF2B5EF4-FFF2-40B4-BE49-F238E27FC236}">
+                <a16:creationId xmlns:a16="http://schemas.microsoft.com/office/drawing/2014/main" id="{FA745C5E-B4B3-D21F-1A16-AE00BE94FDC1}"/>
+              </a:ext>
+            </a:extLst>
+          </p:cNvPr>
+          <p:cNvSpPr/>
+          <p:nvPr/>
+        </p:nvSpPr>
+        <p:spPr>
+          <a:xfrm rot="1939172">
+            <a:off x="-4633118" y="-1679657"/>
+            <a:ext cx="233600" cy="1568613"/>
+          </a:xfrm>
+          <a:prstGeom prst="roundRect">
+            <a:avLst>
+              <a:gd name="adj" fmla="val 50000"/>
+            </a:avLst>
+          </a:prstGeom>
+          <a:solidFill>
+            <a:schemeClr val="accent3">
+              <a:lumMod val="40000"/>
+              <a:lumOff val="60000"/>
+            </a:schemeClr>
+          </a:solidFill>
+          <a:ln w="76200">
+            <a:solidFill>
+              <a:schemeClr val="bg1"/>
+            </a:solidFill>
+          </a:ln>
+        </p:spPr>
+        <p:style>
+          <a:lnRef idx="2">
+            <a:schemeClr val="accent1">
+              <a:shade val="15000"/>
+            </a:schemeClr>
+          </a:lnRef>
+          <a:fillRef idx="1">
+            <a:schemeClr val="accent1"/>
+          </a:fillRef>
+          <a:effectRef idx="0">
+            <a:schemeClr val="accent1"/>
+          </a:effectRef>
+          <a:fontRef idx="minor">
+            <a:schemeClr val="lt1"/>
+          </a:fontRef>
+        </p:style>
+        <p:txBody>
+          <a:bodyPr rtlCol="0" anchor="ctr"/>
+          <a:lstStyle/>
+          <a:p>
+            <a:pPr algn="ctr"/>
+            <a:endParaRPr lang="ko-KR" altLang="en-US">
+              <a:solidFill>
+                <a:srgbClr val="2CBE79"/>
+              </a:solidFill>
+            </a:endParaRPr>
+          </a:p>
+        </p:txBody>
+      </p:sp>
+      <p:pic>
+        <p:nvPicPr>
+          <p:cNvPr id="79" name="그림 78" descr="그래픽, 폰트, 로고, 그래픽 디자인이(가) 표시된 사진&#10;&#10;자동 생성된 설명">
+            <a:extLst>
+              <a:ext uri="{FF2B5EF4-FFF2-40B4-BE49-F238E27FC236}">
+                <a16:creationId xmlns:a16="http://schemas.microsoft.com/office/drawing/2014/main" id="{3F605795-6304-FD7A-1CF6-9AA1C59CABC1}"/>
+              </a:ext>
+            </a:extLst>
+          </p:cNvPr>
+          <p:cNvPicPr>
+            <a:picLocks noChangeAspect="1"/>
+          </p:cNvPicPr>
+          <p:nvPr/>
+        </p:nvPicPr>
+        <p:blipFill rotWithShape="1">
+          <a:blip r:embed="rId4">
+            <a:clrChange>
+              <a:clrFrom>
+                <a:srgbClr val="FFFFFF"/>
+              </a:clrFrom>
+              <a:clrTo>
+                <a:srgbClr val="FFFFFF">
+                  <a:alpha val="0"/>
+                </a:srgbClr>
+              </a:clrTo>
+            </a:clrChange>
+            <a:extLst>
+              <a:ext uri="{28A0092B-C50C-407E-A947-70E740481C1C}">
+                <a14:useLocalDpi xmlns:a14="http://schemas.microsoft.com/office/drawing/2010/main" val="0"/>
+              </a:ext>
+            </a:extLst>
+          </a:blip>
+          <a:srcRect l="22274" t="17311" r="23319" b="31049"/>
+          <a:stretch/>
+        </p:blipFill>
+        <p:spPr>
+          <a:xfrm>
+            <a:off x="-5345526" y="-16664"/>
+            <a:ext cx="1546772" cy="1559714"/>
+          </a:xfrm>
+          <a:prstGeom prst="rect">
+            <a:avLst/>
+          </a:prstGeom>
+        </p:spPr>
+      </p:pic>
+      <p:pic>
+        <p:nvPicPr>
+          <p:cNvPr id="83" name="그림 82" descr="그래픽, 폰트, 스크린샷, 그래픽 디자인이(가) 표시된 사진&#10;&#10;자동 생성된 설명">
+            <a:extLst>
+              <a:ext uri="{FF2B5EF4-FFF2-40B4-BE49-F238E27FC236}">
+                <a16:creationId xmlns:a16="http://schemas.microsoft.com/office/drawing/2014/main" id="{58B412CE-255E-8C34-F179-EED6BADE1CC1}"/>
+              </a:ext>
+            </a:extLst>
+          </p:cNvPr>
+          <p:cNvPicPr>
+            <a:picLocks noChangeAspect="1"/>
+          </p:cNvPicPr>
+          <p:nvPr/>
+        </p:nvPicPr>
+        <p:blipFill rotWithShape="1">
+          <a:blip r:embed="rId5">
+            <a:extLst>
+              <a:ext uri="{28A0092B-C50C-407E-A947-70E740481C1C}">
+                <a14:useLocalDpi xmlns:a14="http://schemas.microsoft.com/office/drawing/2010/main" val="0"/>
+              </a:ext>
+            </a:extLst>
+          </a:blip>
+          <a:srcRect l="22467" t="17631" r="23127" b="31506"/>
+          <a:stretch/>
+        </p:blipFill>
+        <p:spPr>
+          <a:xfrm>
+            <a:off x="-1678781" y="0"/>
+            <a:ext cx="1546772" cy="1536257"/>
+          </a:xfrm>
+          <a:prstGeom prst="rect">
+            <a:avLst/>
+          </a:prstGeom>
+        </p:spPr>
+      </p:pic>
+      <p:pic>
+        <p:nvPicPr>
+          <p:cNvPr id="85" name="그림 84" descr="그래픽, 폰트, 로고, 그래픽 디자인이(가) 표시된 사진&#10;&#10;자동 생성된 설명">
+            <a:extLst>
+              <a:ext uri="{FF2B5EF4-FFF2-40B4-BE49-F238E27FC236}">
+                <a16:creationId xmlns:a16="http://schemas.microsoft.com/office/drawing/2014/main" id="{5B0E7DEC-44F5-E733-A77C-97DF8F593B0C}"/>
+              </a:ext>
+            </a:extLst>
+          </p:cNvPr>
+          <p:cNvPicPr>
+            <a:picLocks noChangeAspect="1"/>
+          </p:cNvPicPr>
+          <p:nvPr/>
+        </p:nvPicPr>
+        <p:blipFill rotWithShape="1">
+          <a:blip r:embed="rId6">
+            <a:extLst>
+              <a:ext uri="{28A0092B-C50C-407E-A947-70E740481C1C}">
+                <a14:useLocalDpi xmlns:a14="http://schemas.microsoft.com/office/drawing/2010/main" val="0"/>
+              </a:ext>
+            </a:extLst>
+          </a:blip>
+          <a:srcRect l="22411" t="17507" r="23182" b="31505"/>
+          <a:stretch/>
+        </p:blipFill>
+        <p:spPr>
+          <a:xfrm>
+            <a:off x="-3620450" y="-3722"/>
+            <a:ext cx="1546772" cy="1539979"/>
+          </a:xfrm>
+          <a:prstGeom prst="rect">
+            <a:avLst/>
+          </a:prstGeom>
+        </p:spPr>
+      </p:pic>
     </p:spTree>
     <p:extLst>
       <p:ext uri="{BB962C8B-B14F-4D97-AF65-F5344CB8AC3E}">

--- a/document/GUI.pptx
+++ b/document/GUI.pptx
@@ -8753,13 +8753,13 @@
               </a:ext>
             </a:extLst>
           </a:blip>
-          <a:srcRect l="22467" t="17631" r="23127" b="31506"/>
+          <a:srcRect l="22466" t="17631" r="23763" b="31506"/>
           <a:stretch/>
         </p:blipFill>
         <p:spPr>
           <a:xfrm>
             <a:off x="-1678781" y="0"/>
-            <a:ext cx="1546772" cy="1536257"/>
+            <a:ext cx="1528687" cy="1536257"/>
           </a:xfrm>
           <a:prstGeom prst="rect">
             <a:avLst/>

--- a/document/GUI.pptx
+++ b/document/GUI.pptx
@@ -5,10 +5,11 @@
     <p:sldMasterId id="2147483648" r:id="rId1"/>
   </p:sldMasterIdLst>
   <p:notesMasterIdLst>
-    <p:notesMasterId r:id="rId3"/>
+    <p:notesMasterId r:id="rId4"/>
   </p:notesMasterIdLst>
   <p:sldIdLst>
     <p:sldId id="256" r:id="rId2"/>
+    <p:sldId id="257" r:id="rId3"/>
   </p:sldIdLst>
   <p:sldSz cx="12192000" cy="6858000"/>
   <p:notesSz cx="6858000" cy="9144000"/>
@@ -1210,7 +1211,7 @@
           <a:p>
             <a:fld id="{2D889B33-547E-4CB2-A1D1-89AE612656EA}" type="datetimeFigureOut">
               <a:rPr lang="ko-KR" altLang="en-US" smtClean="0"/>
-              <a:t>2024-06-01</a:t>
+              <a:t>2024-06-06</a:t>
             </a:fld>
             <a:endParaRPr lang="ko-KR" altLang="en-US"/>
           </a:p>
@@ -1708,7 +1709,7 @@
           <a:p>
             <a:fld id="{852C94DB-1888-49EE-8D15-3B610317B9B9}" type="datetimeFigureOut">
               <a:rPr lang="ko-KR" altLang="en-US" smtClean="0"/>
-              <a:t>2024-06-01</a:t>
+              <a:t>2024-06-06</a:t>
             </a:fld>
             <a:endParaRPr lang="ko-KR" altLang="en-US"/>
           </a:p>
@@ -1906,7 +1907,7 @@
           <a:p>
             <a:fld id="{852C94DB-1888-49EE-8D15-3B610317B9B9}" type="datetimeFigureOut">
               <a:rPr lang="ko-KR" altLang="en-US" smtClean="0"/>
-              <a:t>2024-06-01</a:t>
+              <a:t>2024-06-06</a:t>
             </a:fld>
             <a:endParaRPr lang="ko-KR" altLang="en-US"/>
           </a:p>
@@ -2114,7 +2115,7 @@
           <a:p>
             <a:fld id="{852C94DB-1888-49EE-8D15-3B610317B9B9}" type="datetimeFigureOut">
               <a:rPr lang="ko-KR" altLang="en-US" smtClean="0"/>
-              <a:t>2024-06-01</a:t>
+              <a:t>2024-06-06</a:t>
             </a:fld>
             <a:endParaRPr lang="ko-KR" altLang="en-US"/>
           </a:p>
@@ -2312,7 +2313,7 @@
           <a:p>
             <a:fld id="{852C94DB-1888-49EE-8D15-3B610317B9B9}" type="datetimeFigureOut">
               <a:rPr lang="ko-KR" altLang="en-US" smtClean="0"/>
-              <a:t>2024-06-01</a:t>
+              <a:t>2024-06-06</a:t>
             </a:fld>
             <a:endParaRPr lang="ko-KR" altLang="en-US"/>
           </a:p>
@@ -2587,7 +2588,7 @@
           <a:p>
             <a:fld id="{852C94DB-1888-49EE-8D15-3B610317B9B9}" type="datetimeFigureOut">
               <a:rPr lang="ko-KR" altLang="en-US" smtClean="0"/>
-              <a:t>2024-06-01</a:t>
+              <a:t>2024-06-06</a:t>
             </a:fld>
             <a:endParaRPr lang="ko-KR" altLang="en-US"/>
           </a:p>
@@ -2852,7 +2853,7 @@
           <a:p>
             <a:fld id="{852C94DB-1888-49EE-8D15-3B610317B9B9}" type="datetimeFigureOut">
               <a:rPr lang="ko-KR" altLang="en-US" smtClean="0"/>
-              <a:t>2024-06-01</a:t>
+              <a:t>2024-06-06</a:t>
             </a:fld>
             <a:endParaRPr lang="ko-KR" altLang="en-US"/>
           </a:p>
@@ -3264,7 +3265,7 @@
           <a:p>
             <a:fld id="{852C94DB-1888-49EE-8D15-3B610317B9B9}" type="datetimeFigureOut">
               <a:rPr lang="ko-KR" altLang="en-US" smtClean="0"/>
-              <a:t>2024-06-01</a:t>
+              <a:t>2024-06-06</a:t>
             </a:fld>
             <a:endParaRPr lang="ko-KR" altLang="en-US"/>
           </a:p>
@@ -3405,7 +3406,7 @@
           <a:p>
             <a:fld id="{852C94DB-1888-49EE-8D15-3B610317B9B9}" type="datetimeFigureOut">
               <a:rPr lang="ko-KR" altLang="en-US" smtClean="0"/>
-              <a:t>2024-06-01</a:t>
+              <a:t>2024-06-06</a:t>
             </a:fld>
             <a:endParaRPr lang="ko-KR" altLang="en-US"/>
           </a:p>
@@ -3518,7 +3519,7 @@
           <a:p>
             <a:fld id="{852C94DB-1888-49EE-8D15-3B610317B9B9}" type="datetimeFigureOut">
               <a:rPr lang="ko-KR" altLang="en-US" smtClean="0"/>
-              <a:t>2024-06-01</a:t>
+              <a:t>2024-06-06</a:t>
             </a:fld>
             <a:endParaRPr lang="ko-KR" altLang="en-US"/>
           </a:p>
@@ -3829,7 +3830,7 @@
           <a:p>
             <a:fld id="{852C94DB-1888-49EE-8D15-3B610317B9B9}" type="datetimeFigureOut">
               <a:rPr lang="ko-KR" altLang="en-US" smtClean="0"/>
-              <a:t>2024-06-01</a:t>
+              <a:t>2024-06-06</a:t>
             </a:fld>
             <a:endParaRPr lang="ko-KR" altLang="en-US"/>
           </a:p>
@@ -4117,7 +4118,7 @@
           <a:p>
             <a:fld id="{852C94DB-1888-49EE-8D15-3B610317B9B9}" type="datetimeFigureOut">
               <a:rPr lang="ko-KR" altLang="en-US" smtClean="0"/>
-              <a:t>2024-06-01</a:t>
+              <a:t>2024-06-06</a:t>
             </a:fld>
             <a:endParaRPr lang="ko-KR" altLang="en-US"/>
           </a:p>
@@ -4358,7 +4359,7 @@
           <a:p>
             <a:fld id="{852C94DB-1888-49EE-8D15-3B610317B9B9}" type="datetimeFigureOut">
               <a:rPr lang="ko-KR" altLang="en-US" smtClean="0"/>
-              <a:t>2024-06-01</a:t>
+              <a:t>2024-06-06</a:t>
             </a:fld>
             <a:endParaRPr lang="ko-KR" altLang="en-US"/>
           </a:p>
@@ -4777,58 +4778,6 @@
       </p:grpSpPr>
       <p:sp>
         <p:nvSpPr>
-          <p:cNvPr id="58" name="직사각형 57">
-            <a:extLst>
-              <a:ext uri="{FF2B5EF4-FFF2-40B4-BE49-F238E27FC236}">
-                <a16:creationId xmlns:a16="http://schemas.microsoft.com/office/drawing/2014/main" id="{C0274777-0C33-0070-6BDC-207754A58E96}"/>
-              </a:ext>
-            </a:extLst>
-          </p:cNvPr>
-          <p:cNvSpPr/>
-          <p:nvPr/>
-        </p:nvSpPr>
-        <p:spPr>
-          <a:xfrm>
-            <a:off x="-3620450" y="-1668736"/>
-            <a:ext cx="1546772" cy="1546772"/>
-          </a:xfrm>
-          <a:prstGeom prst="rect">
-            <a:avLst/>
-          </a:prstGeom>
-          <a:solidFill>
-            <a:srgbClr val="DBDBDB"/>
-          </a:solidFill>
-          <a:ln>
-            <a:noFill/>
-          </a:ln>
-        </p:spPr>
-        <p:style>
-          <a:lnRef idx="2">
-            <a:schemeClr val="accent1">
-              <a:shade val="15000"/>
-            </a:schemeClr>
-          </a:lnRef>
-          <a:fillRef idx="1">
-            <a:schemeClr val="accent1"/>
-          </a:fillRef>
-          <a:effectRef idx="0">
-            <a:schemeClr val="accent1"/>
-          </a:effectRef>
-          <a:fontRef idx="minor">
-            <a:schemeClr val="lt1"/>
-          </a:fontRef>
-        </p:style>
-        <p:txBody>
-          <a:bodyPr rtlCol="0" anchor="ctr"/>
-          <a:lstStyle/>
-          <a:p>
-            <a:pPr algn="ctr"/>
-            <a:endParaRPr lang="ko-KR" altLang="en-US"/>
-          </a:p>
-        </p:txBody>
-      </p:sp>
-      <p:sp>
-        <p:nvSpPr>
           <p:cNvPr id="5" name="직사각형 4">
             <a:extLst>
               <a:ext uri="{FF2B5EF4-FFF2-40B4-BE49-F238E27FC236}">
@@ -5384,6 +5333,1843 @@
           </a:p>
         </p:txBody>
       </p:sp>
+      <p:sp>
+        <p:nvSpPr>
+          <p:cNvPr id="23" name="직사각형 22">
+            <a:extLst>
+              <a:ext uri="{FF2B5EF4-FFF2-40B4-BE49-F238E27FC236}">
+                <a16:creationId xmlns:a16="http://schemas.microsoft.com/office/drawing/2014/main" id="{401E1BDD-7B18-5ACC-09FC-792FF5DD5801}"/>
+              </a:ext>
+            </a:extLst>
+          </p:cNvPr>
+          <p:cNvSpPr/>
+          <p:nvPr/>
+        </p:nvSpPr>
+        <p:spPr>
+          <a:xfrm>
+            <a:off x="2105896" y="90054"/>
+            <a:ext cx="4430748" cy="2626371"/>
+          </a:xfrm>
+          <a:prstGeom prst="rect">
+            <a:avLst/>
+          </a:prstGeom>
+          <a:solidFill>
+            <a:schemeClr val="tx2">
+              <a:lumMod val="10000"/>
+              <a:lumOff val="90000"/>
+            </a:schemeClr>
+          </a:solidFill>
+        </p:spPr>
+        <p:style>
+          <a:lnRef idx="2">
+            <a:schemeClr val="accent1">
+              <a:shade val="15000"/>
+            </a:schemeClr>
+          </a:lnRef>
+          <a:fillRef idx="1">
+            <a:schemeClr val="accent1"/>
+          </a:fillRef>
+          <a:effectRef idx="0">
+            <a:schemeClr val="accent1"/>
+          </a:effectRef>
+          <a:fontRef idx="minor">
+            <a:schemeClr val="lt1"/>
+          </a:fontRef>
+        </p:style>
+        <p:txBody>
+          <a:bodyPr rtlCol="0" anchor="t"/>
+          <a:lstStyle/>
+          <a:p>
+            <a:r>
+              <a:rPr lang="ko-KR" altLang="en-US" dirty="0">
+                <a:solidFill>
+                  <a:schemeClr val="tx1"/>
+                </a:solidFill>
+              </a:rPr>
+              <a:t>수평적 패턴이란</a:t>
+            </a:r>
+            <a:r>
+              <a:rPr lang="en-US" altLang="ko-KR" dirty="0">
+                <a:solidFill>
+                  <a:schemeClr val="tx1"/>
+                </a:solidFill>
+              </a:rPr>
+              <a:t>….</a:t>
+            </a:r>
+          </a:p>
+          <a:p>
+            <a:r>
+              <a:rPr lang="en-US" altLang="ko-KR" dirty="0">
+                <a:solidFill>
+                  <a:schemeClr val="tx1"/>
+                </a:solidFill>
+              </a:rPr>
+              <a:t>…</a:t>
+            </a:r>
+          </a:p>
+          <a:p>
+            <a:r>
+              <a:rPr lang="en-US" altLang="ko-KR" dirty="0">
+                <a:solidFill>
+                  <a:schemeClr val="tx1"/>
+                </a:solidFill>
+              </a:rPr>
+              <a:t>…</a:t>
+            </a:r>
+          </a:p>
+          <a:p>
+            <a:r>
+              <a:rPr lang="en-US" altLang="ko-KR" dirty="0">
+                <a:solidFill>
+                  <a:schemeClr val="tx1"/>
+                </a:solidFill>
+              </a:rPr>
+              <a:t>…</a:t>
+            </a:r>
+          </a:p>
+          <a:p>
+            <a:endParaRPr lang="en-US" altLang="ko-KR" dirty="0">
+              <a:solidFill>
+                <a:schemeClr val="tx1"/>
+              </a:solidFill>
+            </a:endParaRPr>
+          </a:p>
+          <a:p>
+            <a:endParaRPr lang="en-US" altLang="ko-KR" dirty="0">
+              <a:solidFill>
+                <a:schemeClr val="tx1"/>
+              </a:solidFill>
+            </a:endParaRPr>
+          </a:p>
+          <a:p>
+            <a:r>
+              <a:rPr lang="ko-KR" altLang="en-US" dirty="0">
+                <a:solidFill>
+                  <a:schemeClr val="tx1"/>
+                </a:solidFill>
+              </a:rPr>
+              <a:t>이하 설명</a:t>
+            </a:r>
+            <a:endParaRPr lang="en-US" altLang="ko-KR" dirty="0">
+              <a:solidFill>
+                <a:schemeClr val="tx1"/>
+              </a:solidFill>
+            </a:endParaRPr>
+          </a:p>
+        </p:txBody>
+      </p:sp>
+      <p:sp>
+        <p:nvSpPr>
+          <p:cNvPr id="24" name="직사각형 23">
+            <a:extLst>
+              <a:ext uri="{FF2B5EF4-FFF2-40B4-BE49-F238E27FC236}">
+                <a16:creationId xmlns:a16="http://schemas.microsoft.com/office/drawing/2014/main" id="{1BDAC077-18D5-EEAF-7AD3-DDE6D0BF0BEE}"/>
+              </a:ext>
+            </a:extLst>
+          </p:cNvPr>
+          <p:cNvSpPr/>
+          <p:nvPr/>
+        </p:nvSpPr>
+        <p:spPr>
+          <a:xfrm>
+            <a:off x="2105895" y="2807852"/>
+            <a:ext cx="4475000" cy="1877051"/>
+          </a:xfrm>
+          <a:prstGeom prst="rect">
+            <a:avLst/>
+          </a:prstGeom>
+          <a:solidFill>
+            <a:schemeClr val="tx2">
+              <a:lumMod val="10000"/>
+              <a:lumOff val="90000"/>
+            </a:schemeClr>
+          </a:solidFill>
+        </p:spPr>
+        <p:style>
+          <a:lnRef idx="2">
+            <a:schemeClr val="accent1">
+              <a:shade val="15000"/>
+            </a:schemeClr>
+          </a:lnRef>
+          <a:fillRef idx="1">
+            <a:schemeClr val="accent1"/>
+          </a:fillRef>
+          <a:effectRef idx="0">
+            <a:schemeClr val="accent1"/>
+          </a:effectRef>
+          <a:fontRef idx="minor">
+            <a:schemeClr val="lt1"/>
+          </a:fontRef>
+        </p:style>
+        <p:txBody>
+          <a:bodyPr rtlCol="0" anchor="t"/>
+          <a:lstStyle/>
+          <a:p>
+            <a:pPr algn="ctr"/>
+            <a:r>
+              <a:rPr lang="ko-KR" altLang="en-US" dirty="0">
+                <a:solidFill>
+                  <a:schemeClr val="tx1"/>
+                </a:solidFill>
+              </a:rPr>
+              <a:t>월별 값 입력</a:t>
+            </a:r>
+            <a:endParaRPr lang="en-US" altLang="ko-KR" dirty="0">
+              <a:solidFill>
+                <a:schemeClr val="tx1"/>
+              </a:solidFill>
+            </a:endParaRPr>
+          </a:p>
+          <a:p>
+            <a:r>
+              <a:rPr lang="en-US" altLang="ko-KR" dirty="0">
+                <a:solidFill>
+                  <a:schemeClr val="tx1"/>
+                </a:solidFill>
+              </a:rPr>
+              <a:t>01</a:t>
+            </a:r>
+            <a:r>
+              <a:rPr lang="ko-KR" altLang="en-US" dirty="0">
+                <a:solidFill>
+                  <a:schemeClr val="tx1"/>
+                </a:solidFill>
+              </a:rPr>
+              <a:t>번째 달</a:t>
+            </a:r>
+            <a:endParaRPr lang="en-US" altLang="ko-KR" dirty="0">
+              <a:solidFill>
+                <a:schemeClr val="tx1"/>
+              </a:solidFill>
+            </a:endParaRPr>
+          </a:p>
+          <a:p>
+            <a:r>
+              <a:rPr lang="en-US" altLang="ko-KR" dirty="0">
+                <a:solidFill>
+                  <a:schemeClr val="tx1"/>
+                </a:solidFill>
+              </a:rPr>
+              <a:t>02</a:t>
+            </a:r>
+            <a:r>
+              <a:rPr lang="ko-KR" altLang="en-US" dirty="0">
+                <a:solidFill>
+                  <a:schemeClr val="tx1"/>
+                </a:solidFill>
+              </a:rPr>
+              <a:t>번째 달</a:t>
+            </a:r>
+            <a:endParaRPr lang="en-US" altLang="ko-KR" dirty="0">
+              <a:solidFill>
+                <a:schemeClr val="tx1"/>
+              </a:solidFill>
+            </a:endParaRPr>
+          </a:p>
+          <a:p>
+            <a:r>
+              <a:rPr lang="en-US" altLang="ko-KR" dirty="0">
+                <a:solidFill>
+                  <a:schemeClr val="tx1"/>
+                </a:solidFill>
+              </a:rPr>
+              <a:t>03</a:t>
+            </a:r>
+            <a:r>
+              <a:rPr lang="ko-KR" altLang="en-US" dirty="0">
+                <a:solidFill>
+                  <a:schemeClr val="tx1"/>
+                </a:solidFill>
+              </a:rPr>
+              <a:t>번째 달</a:t>
+            </a:r>
+            <a:endParaRPr lang="en-US" altLang="ko-KR" dirty="0">
+              <a:solidFill>
+                <a:schemeClr val="tx1"/>
+              </a:solidFill>
+            </a:endParaRPr>
+          </a:p>
+          <a:p>
+            <a:r>
+              <a:rPr lang="en-US" altLang="ko-KR" dirty="0">
+                <a:solidFill>
+                  <a:schemeClr val="tx1"/>
+                </a:solidFill>
+              </a:rPr>
+              <a:t>04</a:t>
+            </a:r>
+            <a:r>
+              <a:rPr lang="ko-KR" altLang="en-US" dirty="0">
+                <a:solidFill>
+                  <a:schemeClr val="tx1"/>
+                </a:solidFill>
+              </a:rPr>
+              <a:t>번째 달</a:t>
+            </a:r>
+            <a:endParaRPr lang="en-US" altLang="ko-KR" dirty="0">
+              <a:solidFill>
+                <a:schemeClr val="tx1"/>
+              </a:solidFill>
+            </a:endParaRPr>
+          </a:p>
+          <a:p>
+            <a:endParaRPr lang="en-US" altLang="ko-KR" dirty="0">
+              <a:solidFill>
+                <a:schemeClr val="tx1"/>
+              </a:solidFill>
+            </a:endParaRPr>
+          </a:p>
+        </p:txBody>
+      </p:sp>
+      <p:sp>
+        <p:nvSpPr>
+          <p:cNvPr id="25" name="직사각형 24">
+            <a:extLst>
+              <a:ext uri="{FF2B5EF4-FFF2-40B4-BE49-F238E27FC236}">
+                <a16:creationId xmlns:a16="http://schemas.microsoft.com/office/drawing/2014/main" id="{2D668784-49B7-88CE-04F5-D7A7CAA5C686}"/>
+              </a:ext>
+            </a:extLst>
+          </p:cNvPr>
+          <p:cNvSpPr/>
+          <p:nvPr/>
+        </p:nvSpPr>
+        <p:spPr>
+          <a:xfrm>
+            <a:off x="6295432" y="212435"/>
+            <a:ext cx="184727" cy="1948873"/>
+          </a:xfrm>
+          <a:prstGeom prst="rect">
+            <a:avLst/>
+          </a:prstGeom>
+          <a:solidFill>
+            <a:schemeClr val="bg2">
+              <a:lumMod val="90000"/>
+            </a:schemeClr>
+          </a:solidFill>
+          <a:ln>
+            <a:noFill/>
+          </a:ln>
+        </p:spPr>
+        <p:style>
+          <a:lnRef idx="2">
+            <a:schemeClr val="accent1">
+              <a:shade val="15000"/>
+            </a:schemeClr>
+          </a:lnRef>
+          <a:fillRef idx="1">
+            <a:schemeClr val="accent1"/>
+          </a:fillRef>
+          <a:effectRef idx="0">
+            <a:schemeClr val="accent1"/>
+          </a:effectRef>
+          <a:fontRef idx="minor">
+            <a:schemeClr val="lt1"/>
+          </a:fontRef>
+        </p:style>
+        <p:txBody>
+          <a:bodyPr rtlCol="0" anchor="ctr"/>
+          <a:lstStyle/>
+          <a:p>
+            <a:pPr algn="ctr"/>
+            <a:endParaRPr lang="ko-KR" altLang="en-US"/>
+          </a:p>
+        </p:txBody>
+      </p:sp>
+      <p:sp>
+        <p:nvSpPr>
+          <p:cNvPr id="26" name="직사각형 25">
+            <a:extLst>
+              <a:ext uri="{FF2B5EF4-FFF2-40B4-BE49-F238E27FC236}">
+                <a16:creationId xmlns:a16="http://schemas.microsoft.com/office/drawing/2014/main" id="{E276FEA6-0C24-6F73-ABBF-55095855EC83}"/>
+              </a:ext>
+            </a:extLst>
+          </p:cNvPr>
+          <p:cNvSpPr/>
+          <p:nvPr/>
+        </p:nvSpPr>
+        <p:spPr>
+          <a:xfrm>
+            <a:off x="2534493" y="4294041"/>
+            <a:ext cx="1247775" cy="323850"/>
+          </a:xfrm>
+          <a:prstGeom prst="rect">
+            <a:avLst/>
+          </a:prstGeom>
+        </p:spPr>
+        <p:style>
+          <a:lnRef idx="2">
+            <a:schemeClr val="accent1">
+              <a:shade val="15000"/>
+            </a:schemeClr>
+          </a:lnRef>
+          <a:fillRef idx="1">
+            <a:schemeClr val="accent1"/>
+          </a:fillRef>
+          <a:effectRef idx="0">
+            <a:schemeClr val="accent1"/>
+          </a:effectRef>
+          <a:fontRef idx="minor">
+            <a:schemeClr val="lt1"/>
+          </a:fontRef>
+        </p:style>
+        <p:txBody>
+          <a:bodyPr rtlCol="0" anchor="ctr"/>
+          <a:lstStyle/>
+          <a:p>
+            <a:pPr algn="ctr"/>
+            <a:r>
+              <a:rPr lang="ko-KR" altLang="en-US" dirty="0"/>
+              <a:t>값 추가</a:t>
+            </a:r>
+          </a:p>
+        </p:txBody>
+      </p:sp>
+      <p:sp>
+        <p:nvSpPr>
+          <p:cNvPr id="27" name="직사각형 26">
+            <a:extLst>
+              <a:ext uri="{FF2B5EF4-FFF2-40B4-BE49-F238E27FC236}">
+                <a16:creationId xmlns:a16="http://schemas.microsoft.com/office/drawing/2014/main" id="{D5930669-E038-DB09-AF8B-A678DF4BE849}"/>
+              </a:ext>
+            </a:extLst>
+          </p:cNvPr>
+          <p:cNvSpPr/>
+          <p:nvPr/>
+        </p:nvSpPr>
+        <p:spPr>
+          <a:xfrm>
+            <a:off x="3850327" y="4294041"/>
+            <a:ext cx="1247775" cy="323850"/>
+          </a:xfrm>
+          <a:prstGeom prst="rect">
+            <a:avLst/>
+          </a:prstGeom>
+        </p:spPr>
+        <p:style>
+          <a:lnRef idx="2">
+            <a:schemeClr val="accent1">
+              <a:shade val="15000"/>
+            </a:schemeClr>
+          </a:lnRef>
+          <a:fillRef idx="1">
+            <a:schemeClr val="accent1"/>
+          </a:fillRef>
+          <a:effectRef idx="0">
+            <a:schemeClr val="accent1"/>
+          </a:effectRef>
+          <a:fontRef idx="minor">
+            <a:schemeClr val="lt1"/>
+          </a:fontRef>
+        </p:style>
+        <p:txBody>
+          <a:bodyPr rtlCol="0" anchor="ctr"/>
+          <a:lstStyle/>
+          <a:p>
+            <a:pPr algn="ctr"/>
+            <a:r>
+              <a:rPr lang="ko-KR" altLang="en-US" dirty="0"/>
+              <a:t>값 제거</a:t>
+            </a:r>
+          </a:p>
+        </p:txBody>
+      </p:sp>
+      <p:sp>
+        <p:nvSpPr>
+          <p:cNvPr id="28" name="직사각형 27">
+            <a:extLst>
+              <a:ext uri="{FF2B5EF4-FFF2-40B4-BE49-F238E27FC236}">
+                <a16:creationId xmlns:a16="http://schemas.microsoft.com/office/drawing/2014/main" id="{1B96940D-BEC4-65FC-18DC-1558DF628CDF}"/>
+              </a:ext>
+            </a:extLst>
+          </p:cNvPr>
+          <p:cNvSpPr/>
+          <p:nvPr/>
+        </p:nvSpPr>
+        <p:spPr>
+          <a:xfrm>
+            <a:off x="3448044" y="3144548"/>
+            <a:ext cx="2520000" cy="208252"/>
+          </a:xfrm>
+          <a:prstGeom prst="rect">
+            <a:avLst/>
+          </a:prstGeom>
+          <a:solidFill>
+            <a:schemeClr val="bg1"/>
+          </a:solidFill>
+        </p:spPr>
+        <p:style>
+          <a:lnRef idx="2">
+            <a:schemeClr val="accent1">
+              <a:shade val="15000"/>
+            </a:schemeClr>
+          </a:lnRef>
+          <a:fillRef idx="1">
+            <a:schemeClr val="accent1"/>
+          </a:fillRef>
+          <a:effectRef idx="0">
+            <a:schemeClr val="accent1"/>
+          </a:effectRef>
+          <a:fontRef idx="minor">
+            <a:schemeClr val="lt1"/>
+          </a:fontRef>
+        </p:style>
+        <p:txBody>
+          <a:bodyPr rtlCol="0" anchor="ctr"/>
+          <a:lstStyle/>
+          <a:p>
+            <a:r>
+              <a:rPr lang="en-US" altLang="ko-KR" sz="1600" dirty="0">
+                <a:solidFill>
+                  <a:schemeClr val="tx1"/>
+                </a:solidFill>
+              </a:rPr>
+              <a:t>100000000</a:t>
+            </a:r>
+            <a:endParaRPr lang="ko-KR" altLang="en-US" sz="1600" dirty="0">
+              <a:solidFill>
+                <a:schemeClr val="tx1"/>
+              </a:solidFill>
+            </a:endParaRPr>
+          </a:p>
+        </p:txBody>
+      </p:sp>
+      <p:sp>
+        <p:nvSpPr>
+          <p:cNvPr id="30" name="직사각형 29">
+            <a:extLst>
+              <a:ext uri="{FF2B5EF4-FFF2-40B4-BE49-F238E27FC236}">
+                <a16:creationId xmlns:a16="http://schemas.microsoft.com/office/drawing/2014/main" id="{B523F452-B211-E30F-548F-6A05F46D8E80}"/>
+              </a:ext>
+            </a:extLst>
+          </p:cNvPr>
+          <p:cNvSpPr/>
+          <p:nvPr/>
+        </p:nvSpPr>
+        <p:spPr>
+          <a:xfrm>
+            <a:off x="3448044" y="3417237"/>
+            <a:ext cx="2520000" cy="208252"/>
+          </a:xfrm>
+          <a:prstGeom prst="rect">
+            <a:avLst/>
+          </a:prstGeom>
+          <a:solidFill>
+            <a:schemeClr val="bg1"/>
+          </a:solidFill>
+        </p:spPr>
+        <p:style>
+          <a:lnRef idx="2">
+            <a:schemeClr val="accent1">
+              <a:shade val="15000"/>
+            </a:schemeClr>
+          </a:lnRef>
+          <a:fillRef idx="1">
+            <a:schemeClr val="accent1"/>
+          </a:fillRef>
+          <a:effectRef idx="0">
+            <a:schemeClr val="accent1"/>
+          </a:effectRef>
+          <a:fontRef idx="minor">
+            <a:schemeClr val="lt1"/>
+          </a:fontRef>
+        </p:style>
+        <p:txBody>
+          <a:bodyPr rtlCol="0" anchor="ctr"/>
+          <a:lstStyle/>
+          <a:p>
+            <a:r>
+              <a:rPr lang="en-US" altLang="ko-KR" sz="1600" dirty="0">
+                <a:solidFill>
+                  <a:schemeClr val="tx1"/>
+                </a:solidFill>
+              </a:rPr>
+              <a:t>140000000</a:t>
+            </a:r>
+            <a:endParaRPr lang="ko-KR" altLang="en-US" sz="1600" dirty="0">
+              <a:solidFill>
+                <a:schemeClr val="tx1"/>
+              </a:solidFill>
+            </a:endParaRPr>
+          </a:p>
+        </p:txBody>
+      </p:sp>
+      <p:sp>
+        <p:nvSpPr>
+          <p:cNvPr id="31" name="직사각형 30">
+            <a:extLst>
+              <a:ext uri="{FF2B5EF4-FFF2-40B4-BE49-F238E27FC236}">
+                <a16:creationId xmlns:a16="http://schemas.microsoft.com/office/drawing/2014/main" id="{5891DB0F-E55D-62C1-5B86-9DAADB26375D}"/>
+              </a:ext>
+            </a:extLst>
+          </p:cNvPr>
+          <p:cNvSpPr/>
+          <p:nvPr/>
+        </p:nvSpPr>
+        <p:spPr>
+          <a:xfrm>
+            <a:off x="3448044" y="3711354"/>
+            <a:ext cx="2520000" cy="208252"/>
+          </a:xfrm>
+          <a:prstGeom prst="rect">
+            <a:avLst/>
+          </a:prstGeom>
+          <a:solidFill>
+            <a:schemeClr val="bg1"/>
+          </a:solidFill>
+        </p:spPr>
+        <p:style>
+          <a:lnRef idx="2">
+            <a:schemeClr val="accent1">
+              <a:shade val="15000"/>
+            </a:schemeClr>
+          </a:lnRef>
+          <a:fillRef idx="1">
+            <a:schemeClr val="accent1"/>
+          </a:fillRef>
+          <a:effectRef idx="0">
+            <a:schemeClr val="accent1"/>
+          </a:effectRef>
+          <a:fontRef idx="minor">
+            <a:schemeClr val="lt1"/>
+          </a:fontRef>
+        </p:style>
+        <p:txBody>
+          <a:bodyPr rtlCol="0" anchor="ctr"/>
+          <a:lstStyle/>
+          <a:p>
+            <a:r>
+              <a:rPr lang="en-US" altLang="ko-KR" sz="1600" dirty="0">
+                <a:solidFill>
+                  <a:schemeClr val="tx1"/>
+                </a:solidFill>
+              </a:rPr>
+              <a:t>200000000</a:t>
+            </a:r>
+            <a:endParaRPr lang="ko-KR" altLang="en-US" sz="1600" dirty="0">
+              <a:solidFill>
+                <a:schemeClr val="tx1"/>
+              </a:solidFill>
+            </a:endParaRPr>
+          </a:p>
+        </p:txBody>
+      </p:sp>
+      <p:sp>
+        <p:nvSpPr>
+          <p:cNvPr id="36" name="직사각형 35">
+            <a:extLst>
+              <a:ext uri="{FF2B5EF4-FFF2-40B4-BE49-F238E27FC236}">
+                <a16:creationId xmlns:a16="http://schemas.microsoft.com/office/drawing/2014/main" id="{AEE2F5B8-3654-DC88-9137-6EB3A0B62CC1}"/>
+              </a:ext>
+            </a:extLst>
+          </p:cNvPr>
+          <p:cNvSpPr/>
+          <p:nvPr/>
+        </p:nvSpPr>
+        <p:spPr>
+          <a:xfrm>
+            <a:off x="3448044" y="3994362"/>
+            <a:ext cx="2520000" cy="208252"/>
+          </a:xfrm>
+          <a:prstGeom prst="rect">
+            <a:avLst/>
+          </a:prstGeom>
+          <a:solidFill>
+            <a:schemeClr val="bg1"/>
+          </a:solidFill>
+        </p:spPr>
+        <p:style>
+          <a:lnRef idx="2">
+            <a:schemeClr val="accent1">
+              <a:shade val="15000"/>
+            </a:schemeClr>
+          </a:lnRef>
+          <a:fillRef idx="1">
+            <a:schemeClr val="accent1"/>
+          </a:fillRef>
+          <a:effectRef idx="0">
+            <a:schemeClr val="accent1"/>
+          </a:effectRef>
+          <a:fontRef idx="minor">
+            <a:schemeClr val="lt1"/>
+          </a:fontRef>
+        </p:style>
+        <p:txBody>
+          <a:bodyPr rtlCol="0" anchor="ctr"/>
+          <a:lstStyle/>
+          <a:p>
+            <a:endParaRPr lang="ko-KR" altLang="en-US" sz="1600" dirty="0">
+              <a:solidFill>
+                <a:schemeClr val="tx1"/>
+              </a:solidFill>
+            </a:endParaRPr>
+          </a:p>
+        </p:txBody>
+      </p:sp>
+      <p:sp>
+        <p:nvSpPr>
+          <p:cNvPr id="37" name="직사각형 36">
+            <a:extLst>
+              <a:ext uri="{FF2B5EF4-FFF2-40B4-BE49-F238E27FC236}">
+                <a16:creationId xmlns:a16="http://schemas.microsoft.com/office/drawing/2014/main" id="{208445AB-E913-C563-A646-93EC8B0DCBA2}"/>
+              </a:ext>
+            </a:extLst>
+          </p:cNvPr>
+          <p:cNvSpPr/>
+          <p:nvPr/>
+        </p:nvSpPr>
+        <p:spPr>
+          <a:xfrm>
+            <a:off x="6351917" y="2981363"/>
+            <a:ext cx="184727" cy="1080000"/>
+          </a:xfrm>
+          <a:prstGeom prst="rect">
+            <a:avLst/>
+          </a:prstGeom>
+          <a:solidFill>
+            <a:schemeClr val="bg2">
+              <a:lumMod val="90000"/>
+            </a:schemeClr>
+          </a:solidFill>
+          <a:ln>
+            <a:noFill/>
+          </a:ln>
+        </p:spPr>
+        <p:style>
+          <a:lnRef idx="2">
+            <a:schemeClr val="accent1">
+              <a:shade val="15000"/>
+            </a:schemeClr>
+          </a:lnRef>
+          <a:fillRef idx="1">
+            <a:schemeClr val="accent1"/>
+          </a:fillRef>
+          <a:effectRef idx="0">
+            <a:schemeClr val="accent1"/>
+          </a:effectRef>
+          <a:fontRef idx="minor">
+            <a:schemeClr val="lt1"/>
+          </a:fontRef>
+        </p:style>
+        <p:txBody>
+          <a:bodyPr rtlCol="0" anchor="ctr"/>
+          <a:lstStyle/>
+          <a:p>
+            <a:pPr algn="ctr"/>
+            <a:endParaRPr lang="ko-KR" altLang="en-US"/>
+          </a:p>
+        </p:txBody>
+      </p:sp>
+      <p:sp>
+        <p:nvSpPr>
+          <p:cNvPr id="38" name="직사각형 37">
+            <a:extLst>
+              <a:ext uri="{FF2B5EF4-FFF2-40B4-BE49-F238E27FC236}">
+                <a16:creationId xmlns:a16="http://schemas.microsoft.com/office/drawing/2014/main" id="{D506AE36-880A-D6F5-526E-3CCD68E01BF2}"/>
+              </a:ext>
+            </a:extLst>
+          </p:cNvPr>
+          <p:cNvSpPr/>
+          <p:nvPr/>
+        </p:nvSpPr>
+        <p:spPr>
+          <a:xfrm>
+            <a:off x="90551" y="5890940"/>
+            <a:ext cx="1742762" cy="323850"/>
+          </a:xfrm>
+          <a:prstGeom prst="rect">
+            <a:avLst/>
+          </a:prstGeom>
+        </p:spPr>
+        <p:style>
+          <a:lnRef idx="2">
+            <a:schemeClr val="accent1">
+              <a:shade val="15000"/>
+            </a:schemeClr>
+          </a:lnRef>
+          <a:fillRef idx="1">
+            <a:schemeClr val="accent1"/>
+          </a:fillRef>
+          <a:effectRef idx="0">
+            <a:schemeClr val="accent1"/>
+          </a:effectRef>
+          <a:fontRef idx="minor">
+            <a:schemeClr val="lt1"/>
+          </a:fontRef>
+        </p:style>
+        <p:txBody>
+          <a:bodyPr rtlCol="0" anchor="ctr"/>
+          <a:lstStyle/>
+          <a:p>
+            <a:pPr algn="ctr"/>
+            <a:r>
+              <a:rPr lang="ko-KR" altLang="en-US" sz="1200" dirty="0"/>
+              <a:t>프로그램 설정</a:t>
+            </a:r>
+          </a:p>
+        </p:txBody>
+      </p:sp>
+      <p:sp>
+        <p:nvSpPr>
+          <p:cNvPr id="41" name="직사각형 40">
+            <a:extLst>
+              <a:ext uri="{FF2B5EF4-FFF2-40B4-BE49-F238E27FC236}">
+                <a16:creationId xmlns:a16="http://schemas.microsoft.com/office/drawing/2014/main" id="{E2E2B171-BBEE-41DE-ACBF-FB3ADA96D439}"/>
+              </a:ext>
+            </a:extLst>
+          </p:cNvPr>
+          <p:cNvSpPr/>
+          <p:nvPr/>
+        </p:nvSpPr>
+        <p:spPr>
+          <a:xfrm>
+            <a:off x="2105895" y="6410900"/>
+            <a:ext cx="4475000" cy="357046"/>
+          </a:xfrm>
+          <a:prstGeom prst="rect">
+            <a:avLst/>
+          </a:prstGeom>
+          <a:solidFill>
+            <a:schemeClr val="tx2">
+              <a:lumMod val="10000"/>
+              <a:lumOff val="90000"/>
+            </a:schemeClr>
+          </a:solidFill>
+        </p:spPr>
+        <p:style>
+          <a:lnRef idx="2">
+            <a:schemeClr val="accent1">
+              <a:shade val="15000"/>
+            </a:schemeClr>
+          </a:lnRef>
+          <a:fillRef idx="1">
+            <a:schemeClr val="accent1"/>
+          </a:fillRef>
+          <a:effectRef idx="0">
+            <a:schemeClr val="accent1"/>
+          </a:effectRef>
+          <a:fontRef idx="minor">
+            <a:schemeClr val="lt1"/>
+          </a:fontRef>
+        </p:style>
+        <p:txBody>
+          <a:bodyPr rtlCol="0" anchor="t"/>
+          <a:lstStyle/>
+          <a:p>
+            <a:r>
+              <a:rPr lang="ko-KR" altLang="en-US" sz="1600" dirty="0" err="1">
+                <a:solidFill>
+                  <a:schemeClr val="tx1"/>
+                </a:solidFill>
+              </a:rPr>
+              <a:t>텐서플로우</a:t>
+            </a:r>
+            <a:r>
+              <a:rPr lang="ko-KR" altLang="en-US" sz="1600" dirty="0">
+                <a:solidFill>
+                  <a:schemeClr val="tx1"/>
+                </a:solidFill>
+              </a:rPr>
+              <a:t> 로딩</a:t>
+            </a:r>
+            <a:r>
+              <a:rPr lang="en-US" altLang="ko-KR" sz="1600" dirty="0">
+                <a:solidFill>
+                  <a:schemeClr val="tx1"/>
+                </a:solidFill>
+              </a:rPr>
+              <a:t> </a:t>
+            </a:r>
+            <a:r>
+              <a:rPr lang="ko-KR" altLang="en-US" sz="1600" dirty="0">
+                <a:solidFill>
+                  <a:schemeClr val="tx1"/>
+                </a:solidFill>
+              </a:rPr>
+              <a:t>중 </a:t>
+            </a:r>
+            <a:r>
+              <a:rPr lang="en-US" altLang="ko-KR" sz="1600" dirty="0">
+                <a:solidFill>
+                  <a:schemeClr val="tx1"/>
+                </a:solidFill>
+              </a:rPr>
+              <a:t>80%</a:t>
+            </a:r>
+          </a:p>
+        </p:txBody>
+      </p:sp>
+      <p:sp>
+        <p:nvSpPr>
+          <p:cNvPr id="42" name="직사각형 41">
+            <a:extLst>
+              <a:ext uri="{FF2B5EF4-FFF2-40B4-BE49-F238E27FC236}">
+                <a16:creationId xmlns:a16="http://schemas.microsoft.com/office/drawing/2014/main" id="{3A74FDAB-848A-7A9C-CAA3-2E4585F13887}"/>
+              </a:ext>
+            </a:extLst>
+          </p:cNvPr>
+          <p:cNvSpPr/>
+          <p:nvPr/>
+        </p:nvSpPr>
+        <p:spPr>
+          <a:xfrm>
+            <a:off x="4477257" y="6454916"/>
+            <a:ext cx="1936680" cy="269156"/>
+          </a:xfrm>
+          <a:prstGeom prst="rect">
+            <a:avLst/>
+          </a:prstGeom>
+        </p:spPr>
+        <p:style>
+          <a:lnRef idx="2">
+            <a:schemeClr val="accent1">
+              <a:shade val="15000"/>
+            </a:schemeClr>
+          </a:lnRef>
+          <a:fillRef idx="1">
+            <a:schemeClr val="accent1"/>
+          </a:fillRef>
+          <a:effectRef idx="0">
+            <a:schemeClr val="accent1"/>
+          </a:effectRef>
+          <a:fontRef idx="minor">
+            <a:schemeClr val="lt1"/>
+          </a:fontRef>
+        </p:style>
+        <p:txBody>
+          <a:bodyPr rtlCol="0" anchor="ctr"/>
+          <a:lstStyle/>
+          <a:p>
+            <a:pPr algn="ctr"/>
+            <a:endParaRPr lang="ko-KR" altLang="en-US" dirty="0"/>
+          </a:p>
+        </p:txBody>
+      </p:sp>
+      <p:sp>
+        <p:nvSpPr>
+          <p:cNvPr id="43" name="직사각형 42">
+            <a:extLst>
+              <a:ext uri="{FF2B5EF4-FFF2-40B4-BE49-F238E27FC236}">
+                <a16:creationId xmlns:a16="http://schemas.microsoft.com/office/drawing/2014/main" id="{C8BAD22C-6A9C-225E-8EBF-0D1B0C613FC2}"/>
+              </a:ext>
+            </a:extLst>
+          </p:cNvPr>
+          <p:cNvSpPr/>
+          <p:nvPr/>
+        </p:nvSpPr>
+        <p:spPr>
+          <a:xfrm>
+            <a:off x="6008188" y="6454916"/>
+            <a:ext cx="472715" cy="269156"/>
+          </a:xfrm>
+          <a:prstGeom prst="rect">
+            <a:avLst/>
+          </a:prstGeom>
+          <a:solidFill>
+            <a:schemeClr val="accent1">
+              <a:lumMod val="20000"/>
+              <a:lumOff val="80000"/>
+            </a:schemeClr>
+          </a:solidFill>
+        </p:spPr>
+        <p:style>
+          <a:lnRef idx="2">
+            <a:schemeClr val="accent1">
+              <a:shade val="15000"/>
+            </a:schemeClr>
+          </a:lnRef>
+          <a:fillRef idx="1">
+            <a:schemeClr val="accent1"/>
+          </a:fillRef>
+          <a:effectRef idx="0">
+            <a:schemeClr val="accent1"/>
+          </a:effectRef>
+          <a:fontRef idx="minor">
+            <a:schemeClr val="lt1"/>
+          </a:fontRef>
+        </p:style>
+        <p:txBody>
+          <a:bodyPr rtlCol="0" anchor="ctr"/>
+          <a:lstStyle/>
+          <a:p>
+            <a:pPr algn="ctr"/>
+            <a:endParaRPr lang="ko-KR" altLang="en-US" dirty="0"/>
+          </a:p>
+        </p:txBody>
+      </p:sp>
+      <p:sp>
+        <p:nvSpPr>
+          <p:cNvPr id="44" name="직사각형 43">
+            <a:extLst>
+              <a:ext uri="{FF2B5EF4-FFF2-40B4-BE49-F238E27FC236}">
+                <a16:creationId xmlns:a16="http://schemas.microsoft.com/office/drawing/2014/main" id="{3CD9EE5E-1CDD-96D1-3846-A97A5FF17CD2}"/>
+              </a:ext>
+            </a:extLst>
+          </p:cNvPr>
+          <p:cNvSpPr/>
+          <p:nvPr/>
+        </p:nvSpPr>
+        <p:spPr>
+          <a:xfrm>
+            <a:off x="2105895" y="4770768"/>
+            <a:ext cx="4475000" cy="1521859"/>
+          </a:xfrm>
+          <a:prstGeom prst="rect">
+            <a:avLst/>
+          </a:prstGeom>
+          <a:solidFill>
+            <a:schemeClr val="tx2">
+              <a:lumMod val="10000"/>
+              <a:lumOff val="90000"/>
+            </a:schemeClr>
+          </a:solidFill>
+        </p:spPr>
+        <p:style>
+          <a:lnRef idx="2">
+            <a:schemeClr val="accent1">
+              <a:shade val="15000"/>
+            </a:schemeClr>
+          </a:lnRef>
+          <a:fillRef idx="1">
+            <a:schemeClr val="accent1"/>
+          </a:fillRef>
+          <a:effectRef idx="0">
+            <a:schemeClr val="accent1"/>
+          </a:effectRef>
+          <a:fontRef idx="minor">
+            <a:schemeClr val="lt1"/>
+          </a:fontRef>
+        </p:style>
+        <p:txBody>
+          <a:bodyPr rtlCol="0" anchor="t"/>
+          <a:lstStyle/>
+          <a:p>
+            <a:pPr algn="ctr"/>
+            <a:endParaRPr lang="en-US" altLang="ko-KR" dirty="0">
+              <a:solidFill>
+                <a:schemeClr val="tx1"/>
+              </a:solidFill>
+            </a:endParaRPr>
+          </a:p>
+          <a:p>
+            <a:pPr algn="ctr"/>
+            <a:r>
+              <a:rPr lang="ko-KR" altLang="en-US" dirty="0">
+                <a:solidFill>
+                  <a:schemeClr val="tx1"/>
+                </a:solidFill>
+              </a:rPr>
+              <a:t>월별 가중치 입력</a:t>
+            </a:r>
+            <a:r>
+              <a:rPr lang="en-US" altLang="ko-KR" dirty="0">
+                <a:solidFill>
+                  <a:schemeClr val="tx1"/>
+                </a:solidFill>
+              </a:rPr>
+              <a:t>(</a:t>
+            </a:r>
+            <a:r>
+              <a:rPr lang="ko-KR" altLang="en-US" dirty="0">
+                <a:solidFill>
+                  <a:schemeClr val="tx1"/>
+                </a:solidFill>
+              </a:rPr>
+              <a:t>선택</a:t>
+            </a:r>
+            <a:r>
+              <a:rPr lang="en-US" altLang="ko-KR" dirty="0">
+                <a:solidFill>
+                  <a:schemeClr val="tx1"/>
+                </a:solidFill>
+              </a:rPr>
+              <a:t>)</a:t>
+            </a:r>
+          </a:p>
+          <a:p>
+            <a:r>
+              <a:rPr lang="en-US" altLang="ko-KR" dirty="0">
+                <a:solidFill>
+                  <a:schemeClr val="tx1"/>
+                </a:solidFill>
+              </a:rPr>
+              <a:t>01</a:t>
+            </a:r>
+            <a:r>
+              <a:rPr lang="ko-KR" altLang="en-US" dirty="0">
+                <a:solidFill>
+                  <a:schemeClr val="tx1"/>
+                </a:solidFill>
+              </a:rPr>
+              <a:t>번째 달</a:t>
+            </a:r>
+            <a:endParaRPr lang="en-US" altLang="ko-KR" dirty="0">
+              <a:solidFill>
+                <a:schemeClr val="tx1"/>
+              </a:solidFill>
+            </a:endParaRPr>
+          </a:p>
+          <a:p>
+            <a:r>
+              <a:rPr lang="en-US" altLang="ko-KR" dirty="0">
+                <a:solidFill>
+                  <a:schemeClr val="tx1"/>
+                </a:solidFill>
+              </a:rPr>
+              <a:t>02</a:t>
+            </a:r>
+            <a:r>
+              <a:rPr lang="ko-KR" altLang="en-US" dirty="0">
+                <a:solidFill>
+                  <a:schemeClr val="tx1"/>
+                </a:solidFill>
+              </a:rPr>
+              <a:t>번째 달</a:t>
+            </a:r>
+            <a:endParaRPr lang="en-US" altLang="ko-KR" dirty="0">
+              <a:solidFill>
+                <a:schemeClr val="tx1"/>
+              </a:solidFill>
+            </a:endParaRPr>
+          </a:p>
+          <a:p>
+            <a:endParaRPr lang="en-US" altLang="ko-KR" dirty="0">
+              <a:solidFill>
+                <a:schemeClr val="tx1"/>
+              </a:solidFill>
+            </a:endParaRPr>
+          </a:p>
+        </p:txBody>
+      </p:sp>
+      <p:sp>
+        <p:nvSpPr>
+          <p:cNvPr id="46" name="직사각형 45">
+            <a:extLst>
+              <a:ext uri="{FF2B5EF4-FFF2-40B4-BE49-F238E27FC236}">
+                <a16:creationId xmlns:a16="http://schemas.microsoft.com/office/drawing/2014/main" id="{667331AF-1B4B-A531-B74B-C17260020D5D}"/>
+              </a:ext>
+            </a:extLst>
+          </p:cNvPr>
+          <p:cNvSpPr/>
+          <p:nvPr/>
+        </p:nvSpPr>
+        <p:spPr>
+          <a:xfrm>
+            <a:off x="6351917" y="4996620"/>
+            <a:ext cx="184727" cy="720000"/>
+          </a:xfrm>
+          <a:prstGeom prst="rect">
+            <a:avLst/>
+          </a:prstGeom>
+          <a:solidFill>
+            <a:schemeClr val="bg2">
+              <a:lumMod val="90000"/>
+            </a:schemeClr>
+          </a:solidFill>
+          <a:ln>
+            <a:noFill/>
+          </a:ln>
+        </p:spPr>
+        <p:style>
+          <a:lnRef idx="2">
+            <a:schemeClr val="accent1">
+              <a:shade val="15000"/>
+            </a:schemeClr>
+          </a:lnRef>
+          <a:fillRef idx="1">
+            <a:schemeClr val="accent1"/>
+          </a:fillRef>
+          <a:effectRef idx="0">
+            <a:schemeClr val="accent1"/>
+          </a:effectRef>
+          <a:fontRef idx="minor">
+            <a:schemeClr val="lt1"/>
+          </a:fontRef>
+        </p:style>
+        <p:txBody>
+          <a:bodyPr rtlCol="0" anchor="ctr"/>
+          <a:lstStyle/>
+          <a:p>
+            <a:pPr algn="ctr"/>
+            <a:endParaRPr lang="ko-KR" altLang="en-US"/>
+          </a:p>
+        </p:txBody>
+      </p:sp>
+      <p:sp>
+        <p:nvSpPr>
+          <p:cNvPr id="47" name="직사각형 46">
+            <a:extLst>
+              <a:ext uri="{FF2B5EF4-FFF2-40B4-BE49-F238E27FC236}">
+                <a16:creationId xmlns:a16="http://schemas.microsoft.com/office/drawing/2014/main" id="{44F7F259-9D4A-255D-7CB3-5A73694BED3D}"/>
+              </a:ext>
+            </a:extLst>
+          </p:cNvPr>
+          <p:cNvSpPr/>
+          <p:nvPr/>
+        </p:nvSpPr>
+        <p:spPr>
+          <a:xfrm>
+            <a:off x="5162072" y="4294041"/>
+            <a:ext cx="1247775" cy="323850"/>
+          </a:xfrm>
+          <a:prstGeom prst="rect">
+            <a:avLst/>
+          </a:prstGeom>
+        </p:spPr>
+        <p:style>
+          <a:lnRef idx="2">
+            <a:schemeClr val="accent1">
+              <a:shade val="15000"/>
+            </a:schemeClr>
+          </a:lnRef>
+          <a:fillRef idx="1">
+            <a:schemeClr val="accent1"/>
+          </a:fillRef>
+          <a:effectRef idx="0">
+            <a:schemeClr val="accent1"/>
+          </a:effectRef>
+          <a:fontRef idx="minor">
+            <a:schemeClr val="lt1"/>
+          </a:fontRef>
+        </p:style>
+        <p:txBody>
+          <a:bodyPr rtlCol="0" anchor="ctr"/>
+          <a:lstStyle/>
+          <a:p>
+            <a:pPr algn="ctr"/>
+            <a:r>
+              <a:rPr lang="ko-KR" altLang="en-US" dirty="0"/>
+              <a:t>값 초기화</a:t>
+            </a:r>
+          </a:p>
+        </p:txBody>
+      </p:sp>
+      <p:sp>
+        <p:nvSpPr>
+          <p:cNvPr id="50" name="직사각형 49">
+            <a:extLst>
+              <a:ext uri="{FF2B5EF4-FFF2-40B4-BE49-F238E27FC236}">
+                <a16:creationId xmlns:a16="http://schemas.microsoft.com/office/drawing/2014/main" id="{80109319-C4A1-4EE7-1EE0-17B6FBAB5F28}"/>
+              </a:ext>
+            </a:extLst>
+          </p:cNvPr>
+          <p:cNvSpPr/>
+          <p:nvPr/>
+        </p:nvSpPr>
+        <p:spPr>
+          <a:xfrm>
+            <a:off x="5162072" y="5913655"/>
+            <a:ext cx="1247775" cy="323850"/>
+          </a:xfrm>
+          <a:prstGeom prst="rect">
+            <a:avLst/>
+          </a:prstGeom>
+        </p:spPr>
+        <p:style>
+          <a:lnRef idx="2">
+            <a:schemeClr val="accent1">
+              <a:shade val="15000"/>
+            </a:schemeClr>
+          </a:lnRef>
+          <a:fillRef idx="1">
+            <a:schemeClr val="accent1"/>
+          </a:fillRef>
+          <a:effectRef idx="0">
+            <a:schemeClr val="accent1"/>
+          </a:effectRef>
+          <a:fontRef idx="minor">
+            <a:schemeClr val="lt1"/>
+          </a:fontRef>
+        </p:style>
+        <p:txBody>
+          <a:bodyPr rtlCol="0" anchor="ctr"/>
+          <a:lstStyle/>
+          <a:p>
+            <a:pPr algn="ctr"/>
+            <a:r>
+              <a:rPr lang="ko-KR" altLang="en-US" dirty="0"/>
+              <a:t>값 초기화</a:t>
+            </a:r>
+          </a:p>
+        </p:txBody>
+      </p:sp>
+      <p:sp>
+        <p:nvSpPr>
+          <p:cNvPr id="2" name="직사각형 1">
+            <a:extLst>
+              <a:ext uri="{FF2B5EF4-FFF2-40B4-BE49-F238E27FC236}">
+                <a16:creationId xmlns:a16="http://schemas.microsoft.com/office/drawing/2014/main" id="{302FE855-F3C5-E432-54CB-BA6F160E3B7D}"/>
+              </a:ext>
+            </a:extLst>
+          </p:cNvPr>
+          <p:cNvSpPr/>
+          <p:nvPr/>
+        </p:nvSpPr>
+        <p:spPr>
+          <a:xfrm>
+            <a:off x="3448044" y="5370439"/>
+            <a:ext cx="2520000" cy="208252"/>
+          </a:xfrm>
+          <a:prstGeom prst="rect">
+            <a:avLst/>
+          </a:prstGeom>
+          <a:solidFill>
+            <a:schemeClr val="bg1"/>
+          </a:solidFill>
+        </p:spPr>
+        <p:style>
+          <a:lnRef idx="2">
+            <a:schemeClr val="accent1">
+              <a:shade val="15000"/>
+            </a:schemeClr>
+          </a:lnRef>
+          <a:fillRef idx="1">
+            <a:schemeClr val="accent1"/>
+          </a:fillRef>
+          <a:effectRef idx="0">
+            <a:schemeClr val="accent1"/>
+          </a:effectRef>
+          <a:fontRef idx="minor">
+            <a:schemeClr val="lt1"/>
+          </a:fontRef>
+        </p:style>
+        <p:txBody>
+          <a:bodyPr rtlCol="0" anchor="ctr"/>
+          <a:lstStyle/>
+          <a:p>
+            <a:r>
+              <a:rPr lang="en-US" altLang="ko-KR" sz="1600" dirty="0">
+                <a:solidFill>
+                  <a:schemeClr val="tx1"/>
+                </a:solidFill>
+              </a:rPr>
+              <a:t>0.4</a:t>
+            </a:r>
+            <a:endParaRPr lang="ko-KR" altLang="en-US" sz="1600" dirty="0">
+              <a:solidFill>
+                <a:schemeClr val="tx1"/>
+              </a:solidFill>
+            </a:endParaRPr>
+          </a:p>
+        </p:txBody>
+      </p:sp>
+      <p:sp>
+        <p:nvSpPr>
+          <p:cNvPr id="3" name="직사각형 2">
+            <a:extLst>
+              <a:ext uri="{FF2B5EF4-FFF2-40B4-BE49-F238E27FC236}">
+                <a16:creationId xmlns:a16="http://schemas.microsoft.com/office/drawing/2014/main" id="{3810AE5A-2EA1-6BB5-C1FE-7FC8F38E4611}"/>
+              </a:ext>
+            </a:extLst>
+          </p:cNvPr>
+          <p:cNvSpPr/>
+          <p:nvPr/>
+        </p:nvSpPr>
+        <p:spPr>
+          <a:xfrm>
+            <a:off x="3448044" y="5677208"/>
+            <a:ext cx="2520000" cy="208252"/>
+          </a:xfrm>
+          <a:prstGeom prst="rect">
+            <a:avLst/>
+          </a:prstGeom>
+          <a:solidFill>
+            <a:schemeClr val="bg1"/>
+          </a:solidFill>
+        </p:spPr>
+        <p:style>
+          <a:lnRef idx="2">
+            <a:schemeClr val="accent1">
+              <a:shade val="15000"/>
+            </a:schemeClr>
+          </a:lnRef>
+          <a:fillRef idx="1">
+            <a:schemeClr val="accent1"/>
+          </a:fillRef>
+          <a:effectRef idx="0">
+            <a:schemeClr val="accent1"/>
+          </a:effectRef>
+          <a:fontRef idx="minor">
+            <a:schemeClr val="lt1"/>
+          </a:fontRef>
+        </p:style>
+        <p:txBody>
+          <a:bodyPr rtlCol="0" anchor="ctr"/>
+          <a:lstStyle/>
+          <a:p>
+            <a:r>
+              <a:rPr lang="en-US" altLang="ko-KR" sz="1600" dirty="0">
+                <a:solidFill>
+                  <a:schemeClr val="tx1"/>
+                </a:solidFill>
+              </a:rPr>
+              <a:t>0.1</a:t>
+            </a:r>
+            <a:endParaRPr lang="ko-KR" altLang="en-US" sz="1600" dirty="0">
+              <a:solidFill>
+                <a:schemeClr val="tx1"/>
+              </a:solidFill>
+            </a:endParaRPr>
+          </a:p>
+        </p:txBody>
+      </p:sp>
+      <p:sp>
+        <p:nvSpPr>
+          <p:cNvPr id="10" name="직사각형 9">
+            <a:extLst>
+              <a:ext uri="{FF2B5EF4-FFF2-40B4-BE49-F238E27FC236}">
+                <a16:creationId xmlns:a16="http://schemas.microsoft.com/office/drawing/2014/main" id="{F508DA75-4C06-0147-D8D8-05A6D913909B}"/>
+              </a:ext>
+            </a:extLst>
+          </p:cNvPr>
+          <p:cNvSpPr/>
+          <p:nvPr/>
+        </p:nvSpPr>
+        <p:spPr>
+          <a:xfrm>
+            <a:off x="3221561" y="4737295"/>
+            <a:ext cx="1316186" cy="284145"/>
+          </a:xfrm>
+          <a:prstGeom prst="rect">
+            <a:avLst/>
+          </a:prstGeom>
+          <a:solidFill>
+            <a:schemeClr val="tx2">
+              <a:lumMod val="10000"/>
+              <a:lumOff val="90000"/>
+            </a:schemeClr>
+          </a:solidFill>
+        </p:spPr>
+        <p:style>
+          <a:lnRef idx="2">
+            <a:schemeClr val="accent1">
+              <a:shade val="15000"/>
+            </a:schemeClr>
+          </a:lnRef>
+          <a:fillRef idx="1">
+            <a:schemeClr val="accent1"/>
+          </a:fillRef>
+          <a:effectRef idx="0">
+            <a:schemeClr val="accent1"/>
+          </a:effectRef>
+          <a:fontRef idx="minor">
+            <a:schemeClr val="lt1"/>
+          </a:fontRef>
+        </p:style>
+        <p:txBody>
+          <a:bodyPr rtlCol="0" anchor="ctr"/>
+          <a:lstStyle/>
+          <a:p>
+            <a:r>
+              <a:rPr lang="ko-KR" altLang="en-US" sz="1200" b="1" dirty="0">
+                <a:solidFill>
+                  <a:srgbClr val="800000"/>
+                </a:solidFill>
+                <a:effectLst/>
+                <a:latin typeface="Monoplex KR" panose="020B0509020203020207" pitchFamily="50" charset="-126"/>
+              </a:rPr>
+              <a:t>가중이동평균법</a:t>
+            </a:r>
+            <a:endParaRPr lang="ko-KR" altLang="en-US" sz="1200" b="0" dirty="0">
+              <a:solidFill>
+                <a:srgbClr val="3B3B3B"/>
+              </a:solidFill>
+              <a:effectLst/>
+              <a:latin typeface="Monoplex KR" panose="020B0509020203020207" pitchFamily="50" charset="-126"/>
+            </a:endParaRPr>
+          </a:p>
+        </p:txBody>
+      </p:sp>
+      <p:sp>
+        <p:nvSpPr>
+          <p:cNvPr id="11" name="직사각형 10">
+            <a:extLst>
+              <a:ext uri="{FF2B5EF4-FFF2-40B4-BE49-F238E27FC236}">
+                <a16:creationId xmlns:a16="http://schemas.microsoft.com/office/drawing/2014/main" id="{119157B0-4AA2-D710-38F5-FA8409D9AD48}"/>
+              </a:ext>
+            </a:extLst>
+          </p:cNvPr>
+          <p:cNvSpPr/>
+          <p:nvPr/>
+        </p:nvSpPr>
+        <p:spPr>
+          <a:xfrm>
+            <a:off x="4563916" y="4737294"/>
+            <a:ext cx="995996" cy="284145"/>
+          </a:xfrm>
+          <a:prstGeom prst="rect">
+            <a:avLst/>
+          </a:prstGeom>
+          <a:solidFill>
+            <a:schemeClr val="bg1"/>
+          </a:solidFill>
+        </p:spPr>
+        <p:style>
+          <a:lnRef idx="2">
+            <a:schemeClr val="accent1">
+              <a:shade val="15000"/>
+            </a:schemeClr>
+          </a:lnRef>
+          <a:fillRef idx="1">
+            <a:schemeClr val="accent1"/>
+          </a:fillRef>
+          <a:effectRef idx="0">
+            <a:schemeClr val="accent1"/>
+          </a:effectRef>
+          <a:fontRef idx="minor">
+            <a:schemeClr val="lt1"/>
+          </a:fontRef>
+        </p:style>
+        <p:txBody>
+          <a:bodyPr rtlCol="0" anchor="ctr"/>
+          <a:lstStyle/>
+          <a:p>
+            <a:pPr algn="ctr"/>
+            <a:r>
+              <a:rPr lang="ko-KR" altLang="en-US" sz="1200" b="1" dirty="0" err="1">
+                <a:solidFill>
+                  <a:srgbClr val="800000"/>
+                </a:solidFill>
+                <a:effectLst/>
+                <a:latin typeface="Monoplex KR" panose="020B0509020203020207" pitchFamily="50" charset="-126"/>
+              </a:rPr>
+              <a:t>지수평활법</a:t>
+            </a:r>
+            <a:endParaRPr lang="ko-KR" altLang="en-US" sz="1200" b="0" dirty="0">
+              <a:solidFill>
+                <a:srgbClr val="3B3B3B"/>
+              </a:solidFill>
+              <a:effectLst/>
+              <a:latin typeface="Monoplex KR" panose="020B0509020203020207" pitchFamily="50" charset="-126"/>
+            </a:endParaRPr>
+          </a:p>
+        </p:txBody>
+      </p:sp>
+      <p:sp>
+        <p:nvSpPr>
+          <p:cNvPr id="49" name="직사각형 48">
+            <a:extLst>
+              <a:ext uri="{FF2B5EF4-FFF2-40B4-BE49-F238E27FC236}">
+                <a16:creationId xmlns:a16="http://schemas.microsoft.com/office/drawing/2014/main" id="{57EA2CF4-8102-33F7-67E1-7CCA7115FAF2}"/>
+              </a:ext>
+            </a:extLst>
+          </p:cNvPr>
+          <p:cNvSpPr/>
+          <p:nvPr/>
+        </p:nvSpPr>
+        <p:spPr>
+          <a:xfrm>
+            <a:off x="7110436" y="1854863"/>
+            <a:ext cx="4862931" cy="690174"/>
+          </a:xfrm>
+          <a:prstGeom prst="rect">
+            <a:avLst/>
+          </a:prstGeom>
+        </p:spPr>
+        <p:style>
+          <a:lnRef idx="2">
+            <a:schemeClr val="accent1">
+              <a:shade val="15000"/>
+            </a:schemeClr>
+          </a:lnRef>
+          <a:fillRef idx="1">
+            <a:schemeClr val="accent1"/>
+          </a:fillRef>
+          <a:effectRef idx="0">
+            <a:schemeClr val="accent1"/>
+          </a:effectRef>
+          <a:fontRef idx="minor">
+            <a:schemeClr val="lt1"/>
+          </a:fontRef>
+        </p:style>
+        <p:txBody>
+          <a:bodyPr rtlCol="0" anchor="ctr"/>
+          <a:lstStyle/>
+          <a:p>
+            <a:r>
+              <a:rPr lang="ko-KR" altLang="en-US" dirty="0"/>
+              <a:t>결과</a:t>
+            </a:r>
+            <a:r>
+              <a:rPr lang="en-US" altLang="ko-KR" dirty="0"/>
+              <a:t>: </a:t>
+            </a:r>
+          </a:p>
+        </p:txBody>
+      </p:sp>
+      <p:sp>
+        <p:nvSpPr>
+          <p:cNvPr id="53" name="직사각형 52">
+            <a:extLst>
+              <a:ext uri="{FF2B5EF4-FFF2-40B4-BE49-F238E27FC236}">
+                <a16:creationId xmlns:a16="http://schemas.microsoft.com/office/drawing/2014/main" id="{042FE6BC-EBD2-77AF-ACBD-E34A242D0A0F}"/>
+              </a:ext>
+            </a:extLst>
+          </p:cNvPr>
+          <p:cNvSpPr/>
+          <p:nvPr/>
+        </p:nvSpPr>
+        <p:spPr>
+          <a:xfrm>
+            <a:off x="90551" y="6343320"/>
+            <a:ext cx="1742762" cy="323850"/>
+          </a:xfrm>
+          <a:prstGeom prst="rect">
+            <a:avLst/>
+          </a:prstGeom>
+        </p:spPr>
+        <p:style>
+          <a:lnRef idx="2">
+            <a:schemeClr val="accent1">
+              <a:shade val="15000"/>
+            </a:schemeClr>
+          </a:lnRef>
+          <a:fillRef idx="1">
+            <a:schemeClr val="accent1"/>
+          </a:fillRef>
+          <a:effectRef idx="0">
+            <a:schemeClr val="accent1"/>
+          </a:effectRef>
+          <a:fontRef idx="minor">
+            <a:schemeClr val="lt1"/>
+          </a:fontRef>
+        </p:style>
+        <p:txBody>
+          <a:bodyPr rtlCol="0" anchor="ctr"/>
+          <a:lstStyle/>
+          <a:p>
+            <a:pPr algn="ctr"/>
+            <a:r>
+              <a:rPr lang="ko-KR" altLang="en-US" sz="1200" dirty="0"/>
+              <a:t>프로그램 정보</a:t>
+            </a:r>
+          </a:p>
+        </p:txBody>
+      </p:sp>
+    </p:spTree>
+    <p:extLst>
+      <p:ext uri="{BB962C8B-B14F-4D97-AF65-F5344CB8AC3E}">
+        <p14:creationId xmlns:p14="http://schemas.microsoft.com/office/powerpoint/2010/main" val="168175201"/>
+      </p:ext>
+    </p:extLst>
+  </p:cSld>
+  <p:clrMapOvr>
+    <a:masterClrMapping/>
+  </p:clrMapOvr>
+</p:sld>
+</file>
+
+<file path=ppt/slides/slide2.xml><?xml version="1.0" encoding="utf-8"?>
+<p:sld xmlns:a="http://schemas.openxmlformats.org/drawingml/2006/main" xmlns:r="http://schemas.openxmlformats.org/officeDocument/2006/relationships" xmlns:p="http://schemas.openxmlformats.org/presentationml/2006/main">
+  <p:cSld>
+    <p:spTree>
+      <p:nvGrpSpPr>
+        <p:cNvPr id="1" name=""/>
+        <p:cNvGrpSpPr/>
+        <p:nvPr/>
+      </p:nvGrpSpPr>
+      <p:grpSpPr>
+        <a:xfrm>
+          <a:off x="0" y="0"/>
+          <a:ext cx="0" cy="0"/>
+          <a:chOff x="0" y="0"/>
+          <a:chExt cx="0" cy="0"/>
+        </a:xfrm>
+      </p:grpSpPr>
+      <p:sp>
+        <p:nvSpPr>
+          <p:cNvPr id="13" name="직사각형 12">
+            <a:extLst>
+              <a:ext uri="{FF2B5EF4-FFF2-40B4-BE49-F238E27FC236}">
+                <a16:creationId xmlns:a16="http://schemas.microsoft.com/office/drawing/2014/main" id="{A8C421FA-3F1E-3E50-946A-B507FD833216}"/>
+              </a:ext>
+            </a:extLst>
+          </p:cNvPr>
+          <p:cNvSpPr/>
+          <p:nvPr/>
+        </p:nvSpPr>
+        <p:spPr>
+          <a:xfrm>
+            <a:off x="5829296" y="5040905"/>
+            <a:ext cx="5036400" cy="2120400"/>
+          </a:xfrm>
+          <a:prstGeom prst="rect">
+            <a:avLst/>
+          </a:prstGeom>
+          <a:solidFill>
+            <a:srgbClr val="EBEBEB"/>
+          </a:solidFill>
+          <a:ln>
+            <a:noFill/>
+          </a:ln>
+        </p:spPr>
+        <p:style>
+          <a:lnRef idx="2">
+            <a:schemeClr val="accent1">
+              <a:shade val="15000"/>
+            </a:schemeClr>
+          </a:lnRef>
+          <a:fillRef idx="1">
+            <a:schemeClr val="accent1"/>
+          </a:fillRef>
+          <a:effectRef idx="0">
+            <a:schemeClr val="accent1"/>
+          </a:effectRef>
+          <a:fontRef idx="minor">
+            <a:schemeClr val="lt1"/>
+          </a:fontRef>
+        </p:style>
+        <p:txBody>
+          <a:bodyPr rtlCol="0" anchor="ctr"/>
+          <a:lstStyle/>
+          <a:p>
+            <a:pPr algn="ctr"/>
+            <a:endParaRPr lang="ko-KR" altLang="en-US"/>
+          </a:p>
+        </p:txBody>
+      </p:sp>
+      <p:sp>
+        <p:nvSpPr>
+          <p:cNvPr id="11" name="직사각형 10">
+            <a:extLst>
+              <a:ext uri="{FF2B5EF4-FFF2-40B4-BE49-F238E27FC236}">
+                <a16:creationId xmlns:a16="http://schemas.microsoft.com/office/drawing/2014/main" id="{79A495CA-CBD2-E540-E664-83ACA57CC623}"/>
+              </a:ext>
+            </a:extLst>
+          </p:cNvPr>
+          <p:cNvSpPr/>
+          <p:nvPr/>
+        </p:nvSpPr>
+        <p:spPr>
+          <a:xfrm>
+            <a:off x="547612" y="5040905"/>
+            <a:ext cx="5036400" cy="2120400"/>
+          </a:xfrm>
+          <a:prstGeom prst="rect">
+            <a:avLst/>
+          </a:prstGeom>
+          <a:solidFill>
+            <a:srgbClr val="242424"/>
+          </a:solidFill>
+          <a:ln>
+            <a:noFill/>
+          </a:ln>
+        </p:spPr>
+        <p:style>
+          <a:lnRef idx="2">
+            <a:schemeClr val="accent1">
+              <a:shade val="15000"/>
+            </a:schemeClr>
+          </a:lnRef>
+          <a:fillRef idx="1">
+            <a:schemeClr val="accent1"/>
+          </a:fillRef>
+          <a:effectRef idx="0">
+            <a:schemeClr val="accent1"/>
+          </a:effectRef>
+          <a:fontRef idx="minor">
+            <a:schemeClr val="lt1"/>
+          </a:fontRef>
+        </p:style>
+        <p:txBody>
+          <a:bodyPr rtlCol="0" anchor="ctr"/>
+          <a:lstStyle/>
+          <a:p>
+            <a:pPr algn="ctr"/>
+            <a:endParaRPr lang="ko-KR" altLang="en-US"/>
+          </a:p>
+        </p:txBody>
+      </p:sp>
+      <p:pic>
+        <p:nvPicPr>
+          <p:cNvPr id="3" name="그림 2" descr="폰트, 그래픽, 로고, 그래픽 디자인이(가) 표시된 사진&#10;&#10;자동 생성된 설명">
+            <a:extLst>
+              <a:ext uri="{FF2B5EF4-FFF2-40B4-BE49-F238E27FC236}">
+                <a16:creationId xmlns:a16="http://schemas.microsoft.com/office/drawing/2014/main" id="{CA60ED95-246E-B9BA-6152-40D8F5057A88}"/>
+              </a:ext>
+            </a:extLst>
+          </p:cNvPr>
+          <p:cNvPicPr>
+            <a:picLocks noChangeAspect="1"/>
+          </p:cNvPicPr>
+          <p:nvPr/>
+        </p:nvPicPr>
+        <p:blipFill>
+          <a:blip r:embed="rId2">
+            <a:extLst>
+              <a:ext uri="{28A0092B-C50C-407E-A947-70E740481C1C}">
+                <a14:useLocalDpi xmlns:a14="http://schemas.microsoft.com/office/drawing/2010/main" val="0"/>
+              </a:ext>
+            </a:extLst>
+          </a:blip>
+          <a:stretch>
+            <a:fillRect/>
+          </a:stretch>
+        </p:blipFill>
+        <p:spPr>
+          <a:xfrm>
+            <a:off x="548407" y="5041351"/>
+            <a:ext cx="5034811" cy="2119508"/>
+          </a:xfrm>
+          <a:prstGeom prst="rect">
+            <a:avLst/>
+          </a:prstGeom>
+        </p:spPr>
+      </p:pic>
+      <p:sp>
+        <p:nvSpPr>
+          <p:cNvPr id="5" name="직사각형 4">
+            <a:extLst>
+              <a:ext uri="{FF2B5EF4-FFF2-40B4-BE49-F238E27FC236}">
+                <a16:creationId xmlns:a16="http://schemas.microsoft.com/office/drawing/2014/main" id="{6AD5B446-ED67-3035-9860-2BB4D09A1F70}"/>
+              </a:ext>
+            </a:extLst>
+          </p:cNvPr>
+          <p:cNvSpPr/>
+          <p:nvPr/>
+        </p:nvSpPr>
+        <p:spPr>
+          <a:xfrm>
+            <a:off x="635000" y="1631284"/>
+            <a:ext cx="4356100" cy="2127916"/>
+          </a:xfrm>
+          <a:prstGeom prst="rect">
+            <a:avLst/>
+          </a:prstGeom>
+          <a:solidFill>
+            <a:schemeClr val="tx2">
+              <a:lumMod val="10000"/>
+              <a:lumOff val="90000"/>
+            </a:schemeClr>
+          </a:solidFill>
+          <a:ln>
+            <a:noFill/>
+          </a:ln>
+        </p:spPr>
+        <p:style>
+          <a:lnRef idx="2">
+            <a:schemeClr val="accent1">
+              <a:shade val="15000"/>
+            </a:schemeClr>
+          </a:lnRef>
+          <a:fillRef idx="1">
+            <a:schemeClr val="accent1"/>
+          </a:fillRef>
+          <a:effectRef idx="0">
+            <a:schemeClr val="accent1"/>
+          </a:effectRef>
+          <a:fontRef idx="minor">
+            <a:schemeClr val="lt1"/>
+          </a:fontRef>
+        </p:style>
+        <p:txBody>
+          <a:bodyPr rtlCol="0" anchor="ctr"/>
+          <a:lstStyle/>
+          <a:p>
+            <a:pPr algn="ctr"/>
+            <a:endParaRPr lang="ko-KR" altLang="en-US"/>
+          </a:p>
+        </p:txBody>
+      </p:sp>
       <p:grpSp>
         <p:nvGrpSpPr>
           <p:cNvPr id="52" name="그룹 51">
@@ -5398,7 +7184,7 @@
         </p:nvGrpSpPr>
         <p:grpSpPr>
           <a:xfrm>
-            <a:off x="-2326670" y="2701056"/>
+            <a:off x="2882213" y="1727225"/>
             <a:ext cx="1949609" cy="1754910"/>
             <a:chOff x="6192" y="4932219"/>
             <a:chExt cx="1949609" cy="1754910"/>
@@ -5770,1517 +7556,6 @@
           </p:txBody>
         </p:sp>
       </p:grpSp>
-      <p:sp>
-        <p:nvSpPr>
-          <p:cNvPr id="23" name="직사각형 22">
-            <a:extLst>
-              <a:ext uri="{FF2B5EF4-FFF2-40B4-BE49-F238E27FC236}">
-                <a16:creationId xmlns:a16="http://schemas.microsoft.com/office/drawing/2014/main" id="{401E1BDD-7B18-5ACC-09FC-792FF5DD5801}"/>
-              </a:ext>
-            </a:extLst>
-          </p:cNvPr>
-          <p:cNvSpPr/>
-          <p:nvPr/>
-        </p:nvSpPr>
-        <p:spPr>
-          <a:xfrm>
-            <a:off x="2105896" y="90054"/>
-            <a:ext cx="4430748" cy="2626371"/>
-          </a:xfrm>
-          <a:prstGeom prst="rect">
-            <a:avLst/>
-          </a:prstGeom>
-          <a:solidFill>
-            <a:schemeClr val="tx2">
-              <a:lumMod val="10000"/>
-              <a:lumOff val="90000"/>
-            </a:schemeClr>
-          </a:solidFill>
-        </p:spPr>
-        <p:style>
-          <a:lnRef idx="2">
-            <a:schemeClr val="accent1">
-              <a:shade val="15000"/>
-            </a:schemeClr>
-          </a:lnRef>
-          <a:fillRef idx="1">
-            <a:schemeClr val="accent1"/>
-          </a:fillRef>
-          <a:effectRef idx="0">
-            <a:schemeClr val="accent1"/>
-          </a:effectRef>
-          <a:fontRef idx="minor">
-            <a:schemeClr val="lt1"/>
-          </a:fontRef>
-        </p:style>
-        <p:txBody>
-          <a:bodyPr rtlCol="0" anchor="t"/>
-          <a:lstStyle/>
-          <a:p>
-            <a:r>
-              <a:rPr lang="ko-KR" altLang="en-US" dirty="0">
-                <a:solidFill>
-                  <a:schemeClr val="tx1"/>
-                </a:solidFill>
-              </a:rPr>
-              <a:t>수평적 패턴이란</a:t>
-            </a:r>
-            <a:r>
-              <a:rPr lang="en-US" altLang="ko-KR" dirty="0">
-                <a:solidFill>
-                  <a:schemeClr val="tx1"/>
-                </a:solidFill>
-              </a:rPr>
-              <a:t>….</a:t>
-            </a:r>
-          </a:p>
-          <a:p>
-            <a:r>
-              <a:rPr lang="en-US" altLang="ko-KR" dirty="0">
-                <a:solidFill>
-                  <a:schemeClr val="tx1"/>
-                </a:solidFill>
-              </a:rPr>
-              <a:t>…</a:t>
-            </a:r>
-          </a:p>
-          <a:p>
-            <a:r>
-              <a:rPr lang="en-US" altLang="ko-KR" dirty="0">
-                <a:solidFill>
-                  <a:schemeClr val="tx1"/>
-                </a:solidFill>
-              </a:rPr>
-              <a:t>…</a:t>
-            </a:r>
-          </a:p>
-          <a:p>
-            <a:r>
-              <a:rPr lang="en-US" altLang="ko-KR" dirty="0">
-                <a:solidFill>
-                  <a:schemeClr val="tx1"/>
-                </a:solidFill>
-              </a:rPr>
-              <a:t>…</a:t>
-            </a:r>
-          </a:p>
-          <a:p>
-            <a:endParaRPr lang="en-US" altLang="ko-KR" dirty="0">
-              <a:solidFill>
-                <a:schemeClr val="tx1"/>
-              </a:solidFill>
-            </a:endParaRPr>
-          </a:p>
-          <a:p>
-            <a:endParaRPr lang="en-US" altLang="ko-KR" dirty="0">
-              <a:solidFill>
-                <a:schemeClr val="tx1"/>
-              </a:solidFill>
-            </a:endParaRPr>
-          </a:p>
-          <a:p>
-            <a:r>
-              <a:rPr lang="ko-KR" altLang="en-US" dirty="0">
-                <a:solidFill>
-                  <a:schemeClr val="tx1"/>
-                </a:solidFill>
-              </a:rPr>
-              <a:t>이하 설명</a:t>
-            </a:r>
-            <a:endParaRPr lang="en-US" altLang="ko-KR" dirty="0">
-              <a:solidFill>
-                <a:schemeClr val="tx1"/>
-              </a:solidFill>
-            </a:endParaRPr>
-          </a:p>
-        </p:txBody>
-      </p:sp>
-      <p:sp>
-        <p:nvSpPr>
-          <p:cNvPr id="24" name="직사각형 23">
-            <a:extLst>
-              <a:ext uri="{FF2B5EF4-FFF2-40B4-BE49-F238E27FC236}">
-                <a16:creationId xmlns:a16="http://schemas.microsoft.com/office/drawing/2014/main" id="{1BDAC077-18D5-EEAF-7AD3-DDE6D0BF0BEE}"/>
-              </a:ext>
-            </a:extLst>
-          </p:cNvPr>
-          <p:cNvSpPr/>
-          <p:nvPr/>
-        </p:nvSpPr>
-        <p:spPr>
-          <a:xfrm>
-            <a:off x="2105895" y="2807852"/>
-            <a:ext cx="4475000" cy="1877051"/>
-          </a:xfrm>
-          <a:prstGeom prst="rect">
-            <a:avLst/>
-          </a:prstGeom>
-          <a:solidFill>
-            <a:schemeClr val="tx2">
-              <a:lumMod val="10000"/>
-              <a:lumOff val="90000"/>
-            </a:schemeClr>
-          </a:solidFill>
-        </p:spPr>
-        <p:style>
-          <a:lnRef idx="2">
-            <a:schemeClr val="accent1">
-              <a:shade val="15000"/>
-            </a:schemeClr>
-          </a:lnRef>
-          <a:fillRef idx="1">
-            <a:schemeClr val="accent1"/>
-          </a:fillRef>
-          <a:effectRef idx="0">
-            <a:schemeClr val="accent1"/>
-          </a:effectRef>
-          <a:fontRef idx="minor">
-            <a:schemeClr val="lt1"/>
-          </a:fontRef>
-        </p:style>
-        <p:txBody>
-          <a:bodyPr rtlCol="0" anchor="t"/>
-          <a:lstStyle/>
-          <a:p>
-            <a:pPr algn="ctr"/>
-            <a:r>
-              <a:rPr lang="ko-KR" altLang="en-US" dirty="0">
-                <a:solidFill>
-                  <a:schemeClr val="tx1"/>
-                </a:solidFill>
-              </a:rPr>
-              <a:t>월별 값 입력</a:t>
-            </a:r>
-            <a:endParaRPr lang="en-US" altLang="ko-KR" dirty="0">
-              <a:solidFill>
-                <a:schemeClr val="tx1"/>
-              </a:solidFill>
-            </a:endParaRPr>
-          </a:p>
-          <a:p>
-            <a:r>
-              <a:rPr lang="en-US" altLang="ko-KR" dirty="0">
-                <a:solidFill>
-                  <a:schemeClr val="tx1"/>
-                </a:solidFill>
-              </a:rPr>
-              <a:t>01</a:t>
-            </a:r>
-            <a:r>
-              <a:rPr lang="ko-KR" altLang="en-US" dirty="0">
-                <a:solidFill>
-                  <a:schemeClr val="tx1"/>
-                </a:solidFill>
-              </a:rPr>
-              <a:t>번째 달</a:t>
-            </a:r>
-            <a:endParaRPr lang="en-US" altLang="ko-KR" dirty="0">
-              <a:solidFill>
-                <a:schemeClr val="tx1"/>
-              </a:solidFill>
-            </a:endParaRPr>
-          </a:p>
-          <a:p>
-            <a:r>
-              <a:rPr lang="en-US" altLang="ko-KR" dirty="0">
-                <a:solidFill>
-                  <a:schemeClr val="tx1"/>
-                </a:solidFill>
-              </a:rPr>
-              <a:t>02</a:t>
-            </a:r>
-            <a:r>
-              <a:rPr lang="ko-KR" altLang="en-US" dirty="0">
-                <a:solidFill>
-                  <a:schemeClr val="tx1"/>
-                </a:solidFill>
-              </a:rPr>
-              <a:t>번째 달</a:t>
-            </a:r>
-            <a:endParaRPr lang="en-US" altLang="ko-KR" dirty="0">
-              <a:solidFill>
-                <a:schemeClr val="tx1"/>
-              </a:solidFill>
-            </a:endParaRPr>
-          </a:p>
-          <a:p>
-            <a:r>
-              <a:rPr lang="en-US" altLang="ko-KR" dirty="0">
-                <a:solidFill>
-                  <a:schemeClr val="tx1"/>
-                </a:solidFill>
-              </a:rPr>
-              <a:t>03</a:t>
-            </a:r>
-            <a:r>
-              <a:rPr lang="ko-KR" altLang="en-US" dirty="0">
-                <a:solidFill>
-                  <a:schemeClr val="tx1"/>
-                </a:solidFill>
-              </a:rPr>
-              <a:t>번째 달</a:t>
-            </a:r>
-            <a:endParaRPr lang="en-US" altLang="ko-KR" dirty="0">
-              <a:solidFill>
-                <a:schemeClr val="tx1"/>
-              </a:solidFill>
-            </a:endParaRPr>
-          </a:p>
-          <a:p>
-            <a:r>
-              <a:rPr lang="en-US" altLang="ko-KR" dirty="0">
-                <a:solidFill>
-                  <a:schemeClr val="tx1"/>
-                </a:solidFill>
-              </a:rPr>
-              <a:t>04</a:t>
-            </a:r>
-            <a:r>
-              <a:rPr lang="ko-KR" altLang="en-US" dirty="0">
-                <a:solidFill>
-                  <a:schemeClr val="tx1"/>
-                </a:solidFill>
-              </a:rPr>
-              <a:t>번째 달</a:t>
-            </a:r>
-            <a:endParaRPr lang="en-US" altLang="ko-KR" dirty="0">
-              <a:solidFill>
-                <a:schemeClr val="tx1"/>
-              </a:solidFill>
-            </a:endParaRPr>
-          </a:p>
-          <a:p>
-            <a:endParaRPr lang="en-US" altLang="ko-KR" dirty="0">
-              <a:solidFill>
-                <a:schemeClr val="tx1"/>
-              </a:solidFill>
-            </a:endParaRPr>
-          </a:p>
-        </p:txBody>
-      </p:sp>
-      <p:sp>
-        <p:nvSpPr>
-          <p:cNvPr id="25" name="직사각형 24">
-            <a:extLst>
-              <a:ext uri="{FF2B5EF4-FFF2-40B4-BE49-F238E27FC236}">
-                <a16:creationId xmlns:a16="http://schemas.microsoft.com/office/drawing/2014/main" id="{2D668784-49B7-88CE-04F5-D7A7CAA5C686}"/>
-              </a:ext>
-            </a:extLst>
-          </p:cNvPr>
-          <p:cNvSpPr/>
-          <p:nvPr/>
-        </p:nvSpPr>
-        <p:spPr>
-          <a:xfrm>
-            <a:off x="6295432" y="212435"/>
-            <a:ext cx="184727" cy="1948873"/>
-          </a:xfrm>
-          <a:prstGeom prst="rect">
-            <a:avLst/>
-          </a:prstGeom>
-          <a:solidFill>
-            <a:schemeClr val="bg2">
-              <a:lumMod val="90000"/>
-            </a:schemeClr>
-          </a:solidFill>
-          <a:ln>
-            <a:noFill/>
-          </a:ln>
-        </p:spPr>
-        <p:style>
-          <a:lnRef idx="2">
-            <a:schemeClr val="accent1">
-              <a:shade val="15000"/>
-            </a:schemeClr>
-          </a:lnRef>
-          <a:fillRef idx="1">
-            <a:schemeClr val="accent1"/>
-          </a:fillRef>
-          <a:effectRef idx="0">
-            <a:schemeClr val="accent1"/>
-          </a:effectRef>
-          <a:fontRef idx="minor">
-            <a:schemeClr val="lt1"/>
-          </a:fontRef>
-        </p:style>
-        <p:txBody>
-          <a:bodyPr rtlCol="0" anchor="ctr"/>
-          <a:lstStyle/>
-          <a:p>
-            <a:pPr algn="ctr"/>
-            <a:endParaRPr lang="ko-KR" altLang="en-US"/>
-          </a:p>
-        </p:txBody>
-      </p:sp>
-      <p:sp>
-        <p:nvSpPr>
-          <p:cNvPr id="26" name="직사각형 25">
-            <a:extLst>
-              <a:ext uri="{FF2B5EF4-FFF2-40B4-BE49-F238E27FC236}">
-                <a16:creationId xmlns:a16="http://schemas.microsoft.com/office/drawing/2014/main" id="{E276FEA6-0C24-6F73-ABBF-55095855EC83}"/>
-              </a:ext>
-            </a:extLst>
-          </p:cNvPr>
-          <p:cNvSpPr/>
-          <p:nvPr/>
-        </p:nvSpPr>
-        <p:spPr>
-          <a:xfrm>
-            <a:off x="2534493" y="4294041"/>
-            <a:ext cx="1247775" cy="323850"/>
-          </a:xfrm>
-          <a:prstGeom prst="rect">
-            <a:avLst/>
-          </a:prstGeom>
-        </p:spPr>
-        <p:style>
-          <a:lnRef idx="2">
-            <a:schemeClr val="accent1">
-              <a:shade val="15000"/>
-            </a:schemeClr>
-          </a:lnRef>
-          <a:fillRef idx="1">
-            <a:schemeClr val="accent1"/>
-          </a:fillRef>
-          <a:effectRef idx="0">
-            <a:schemeClr val="accent1"/>
-          </a:effectRef>
-          <a:fontRef idx="minor">
-            <a:schemeClr val="lt1"/>
-          </a:fontRef>
-        </p:style>
-        <p:txBody>
-          <a:bodyPr rtlCol="0" anchor="ctr"/>
-          <a:lstStyle/>
-          <a:p>
-            <a:pPr algn="ctr"/>
-            <a:r>
-              <a:rPr lang="ko-KR" altLang="en-US" dirty="0"/>
-              <a:t>값 추가</a:t>
-            </a:r>
-          </a:p>
-        </p:txBody>
-      </p:sp>
-      <p:sp>
-        <p:nvSpPr>
-          <p:cNvPr id="27" name="직사각형 26">
-            <a:extLst>
-              <a:ext uri="{FF2B5EF4-FFF2-40B4-BE49-F238E27FC236}">
-                <a16:creationId xmlns:a16="http://schemas.microsoft.com/office/drawing/2014/main" id="{D5930669-E038-DB09-AF8B-A678DF4BE849}"/>
-              </a:ext>
-            </a:extLst>
-          </p:cNvPr>
-          <p:cNvSpPr/>
-          <p:nvPr/>
-        </p:nvSpPr>
-        <p:spPr>
-          <a:xfrm>
-            <a:off x="3850327" y="4294041"/>
-            <a:ext cx="1247775" cy="323850"/>
-          </a:xfrm>
-          <a:prstGeom prst="rect">
-            <a:avLst/>
-          </a:prstGeom>
-        </p:spPr>
-        <p:style>
-          <a:lnRef idx="2">
-            <a:schemeClr val="accent1">
-              <a:shade val="15000"/>
-            </a:schemeClr>
-          </a:lnRef>
-          <a:fillRef idx="1">
-            <a:schemeClr val="accent1"/>
-          </a:fillRef>
-          <a:effectRef idx="0">
-            <a:schemeClr val="accent1"/>
-          </a:effectRef>
-          <a:fontRef idx="minor">
-            <a:schemeClr val="lt1"/>
-          </a:fontRef>
-        </p:style>
-        <p:txBody>
-          <a:bodyPr rtlCol="0" anchor="ctr"/>
-          <a:lstStyle/>
-          <a:p>
-            <a:pPr algn="ctr"/>
-            <a:r>
-              <a:rPr lang="ko-KR" altLang="en-US" dirty="0"/>
-              <a:t>값 제거</a:t>
-            </a:r>
-          </a:p>
-        </p:txBody>
-      </p:sp>
-      <p:sp>
-        <p:nvSpPr>
-          <p:cNvPr id="28" name="직사각형 27">
-            <a:extLst>
-              <a:ext uri="{FF2B5EF4-FFF2-40B4-BE49-F238E27FC236}">
-                <a16:creationId xmlns:a16="http://schemas.microsoft.com/office/drawing/2014/main" id="{1B96940D-BEC4-65FC-18DC-1558DF628CDF}"/>
-              </a:ext>
-            </a:extLst>
-          </p:cNvPr>
-          <p:cNvSpPr/>
-          <p:nvPr/>
-        </p:nvSpPr>
-        <p:spPr>
-          <a:xfrm>
-            <a:off x="3448044" y="3144548"/>
-            <a:ext cx="2520000" cy="208252"/>
-          </a:xfrm>
-          <a:prstGeom prst="rect">
-            <a:avLst/>
-          </a:prstGeom>
-          <a:solidFill>
-            <a:schemeClr val="bg1"/>
-          </a:solidFill>
-        </p:spPr>
-        <p:style>
-          <a:lnRef idx="2">
-            <a:schemeClr val="accent1">
-              <a:shade val="15000"/>
-            </a:schemeClr>
-          </a:lnRef>
-          <a:fillRef idx="1">
-            <a:schemeClr val="accent1"/>
-          </a:fillRef>
-          <a:effectRef idx="0">
-            <a:schemeClr val="accent1"/>
-          </a:effectRef>
-          <a:fontRef idx="minor">
-            <a:schemeClr val="lt1"/>
-          </a:fontRef>
-        </p:style>
-        <p:txBody>
-          <a:bodyPr rtlCol="0" anchor="ctr"/>
-          <a:lstStyle/>
-          <a:p>
-            <a:r>
-              <a:rPr lang="en-US" altLang="ko-KR" sz="1600" dirty="0">
-                <a:solidFill>
-                  <a:schemeClr val="tx1"/>
-                </a:solidFill>
-              </a:rPr>
-              <a:t>100000000</a:t>
-            </a:r>
-            <a:endParaRPr lang="ko-KR" altLang="en-US" sz="1600" dirty="0">
-              <a:solidFill>
-                <a:schemeClr val="tx1"/>
-              </a:solidFill>
-            </a:endParaRPr>
-          </a:p>
-        </p:txBody>
-      </p:sp>
-      <p:sp>
-        <p:nvSpPr>
-          <p:cNvPr id="30" name="직사각형 29">
-            <a:extLst>
-              <a:ext uri="{FF2B5EF4-FFF2-40B4-BE49-F238E27FC236}">
-                <a16:creationId xmlns:a16="http://schemas.microsoft.com/office/drawing/2014/main" id="{B523F452-B211-E30F-548F-6A05F46D8E80}"/>
-              </a:ext>
-            </a:extLst>
-          </p:cNvPr>
-          <p:cNvSpPr/>
-          <p:nvPr/>
-        </p:nvSpPr>
-        <p:spPr>
-          <a:xfrm>
-            <a:off x="3448044" y="3417237"/>
-            <a:ext cx="2520000" cy="208252"/>
-          </a:xfrm>
-          <a:prstGeom prst="rect">
-            <a:avLst/>
-          </a:prstGeom>
-          <a:solidFill>
-            <a:schemeClr val="bg1"/>
-          </a:solidFill>
-        </p:spPr>
-        <p:style>
-          <a:lnRef idx="2">
-            <a:schemeClr val="accent1">
-              <a:shade val="15000"/>
-            </a:schemeClr>
-          </a:lnRef>
-          <a:fillRef idx="1">
-            <a:schemeClr val="accent1"/>
-          </a:fillRef>
-          <a:effectRef idx="0">
-            <a:schemeClr val="accent1"/>
-          </a:effectRef>
-          <a:fontRef idx="minor">
-            <a:schemeClr val="lt1"/>
-          </a:fontRef>
-        </p:style>
-        <p:txBody>
-          <a:bodyPr rtlCol="0" anchor="ctr"/>
-          <a:lstStyle/>
-          <a:p>
-            <a:r>
-              <a:rPr lang="en-US" altLang="ko-KR" sz="1600" dirty="0">
-                <a:solidFill>
-                  <a:schemeClr val="tx1"/>
-                </a:solidFill>
-              </a:rPr>
-              <a:t>140000000</a:t>
-            </a:r>
-            <a:endParaRPr lang="ko-KR" altLang="en-US" sz="1600" dirty="0">
-              <a:solidFill>
-                <a:schemeClr val="tx1"/>
-              </a:solidFill>
-            </a:endParaRPr>
-          </a:p>
-        </p:txBody>
-      </p:sp>
-      <p:sp>
-        <p:nvSpPr>
-          <p:cNvPr id="31" name="직사각형 30">
-            <a:extLst>
-              <a:ext uri="{FF2B5EF4-FFF2-40B4-BE49-F238E27FC236}">
-                <a16:creationId xmlns:a16="http://schemas.microsoft.com/office/drawing/2014/main" id="{5891DB0F-E55D-62C1-5B86-9DAADB26375D}"/>
-              </a:ext>
-            </a:extLst>
-          </p:cNvPr>
-          <p:cNvSpPr/>
-          <p:nvPr/>
-        </p:nvSpPr>
-        <p:spPr>
-          <a:xfrm>
-            <a:off x="3448044" y="3711354"/>
-            <a:ext cx="2520000" cy="208252"/>
-          </a:xfrm>
-          <a:prstGeom prst="rect">
-            <a:avLst/>
-          </a:prstGeom>
-          <a:solidFill>
-            <a:schemeClr val="bg1"/>
-          </a:solidFill>
-        </p:spPr>
-        <p:style>
-          <a:lnRef idx="2">
-            <a:schemeClr val="accent1">
-              <a:shade val="15000"/>
-            </a:schemeClr>
-          </a:lnRef>
-          <a:fillRef idx="1">
-            <a:schemeClr val="accent1"/>
-          </a:fillRef>
-          <a:effectRef idx="0">
-            <a:schemeClr val="accent1"/>
-          </a:effectRef>
-          <a:fontRef idx="minor">
-            <a:schemeClr val="lt1"/>
-          </a:fontRef>
-        </p:style>
-        <p:txBody>
-          <a:bodyPr rtlCol="0" anchor="ctr"/>
-          <a:lstStyle/>
-          <a:p>
-            <a:r>
-              <a:rPr lang="en-US" altLang="ko-KR" sz="1600" dirty="0">
-                <a:solidFill>
-                  <a:schemeClr val="tx1"/>
-                </a:solidFill>
-              </a:rPr>
-              <a:t>200000000</a:t>
-            </a:r>
-            <a:endParaRPr lang="ko-KR" altLang="en-US" sz="1600" dirty="0">
-              <a:solidFill>
-                <a:schemeClr val="tx1"/>
-              </a:solidFill>
-            </a:endParaRPr>
-          </a:p>
-        </p:txBody>
-      </p:sp>
-      <p:sp>
-        <p:nvSpPr>
-          <p:cNvPr id="36" name="직사각형 35">
-            <a:extLst>
-              <a:ext uri="{FF2B5EF4-FFF2-40B4-BE49-F238E27FC236}">
-                <a16:creationId xmlns:a16="http://schemas.microsoft.com/office/drawing/2014/main" id="{AEE2F5B8-3654-DC88-9137-6EB3A0B62CC1}"/>
-              </a:ext>
-            </a:extLst>
-          </p:cNvPr>
-          <p:cNvSpPr/>
-          <p:nvPr/>
-        </p:nvSpPr>
-        <p:spPr>
-          <a:xfrm>
-            <a:off x="3448044" y="3994362"/>
-            <a:ext cx="2520000" cy="208252"/>
-          </a:xfrm>
-          <a:prstGeom prst="rect">
-            <a:avLst/>
-          </a:prstGeom>
-          <a:solidFill>
-            <a:schemeClr val="bg1"/>
-          </a:solidFill>
-        </p:spPr>
-        <p:style>
-          <a:lnRef idx="2">
-            <a:schemeClr val="accent1">
-              <a:shade val="15000"/>
-            </a:schemeClr>
-          </a:lnRef>
-          <a:fillRef idx="1">
-            <a:schemeClr val="accent1"/>
-          </a:fillRef>
-          <a:effectRef idx="0">
-            <a:schemeClr val="accent1"/>
-          </a:effectRef>
-          <a:fontRef idx="minor">
-            <a:schemeClr val="lt1"/>
-          </a:fontRef>
-        </p:style>
-        <p:txBody>
-          <a:bodyPr rtlCol="0" anchor="ctr"/>
-          <a:lstStyle/>
-          <a:p>
-            <a:endParaRPr lang="ko-KR" altLang="en-US" sz="1600" dirty="0">
-              <a:solidFill>
-                <a:schemeClr val="tx1"/>
-              </a:solidFill>
-            </a:endParaRPr>
-          </a:p>
-        </p:txBody>
-      </p:sp>
-      <p:sp>
-        <p:nvSpPr>
-          <p:cNvPr id="37" name="직사각형 36">
-            <a:extLst>
-              <a:ext uri="{FF2B5EF4-FFF2-40B4-BE49-F238E27FC236}">
-                <a16:creationId xmlns:a16="http://schemas.microsoft.com/office/drawing/2014/main" id="{208445AB-E913-C563-A646-93EC8B0DCBA2}"/>
-              </a:ext>
-            </a:extLst>
-          </p:cNvPr>
-          <p:cNvSpPr/>
-          <p:nvPr/>
-        </p:nvSpPr>
-        <p:spPr>
-          <a:xfrm>
-            <a:off x="6351917" y="2981363"/>
-            <a:ext cx="184727" cy="1080000"/>
-          </a:xfrm>
-          <a:prstGeom prst="rect">
-            <a:avLst/>
-          </a:prstGeom>
-          <a:solidFill>
-            <a:schemeClr val="bg2">
-              <a:lumMod val="90000"/>
-            </a:schemeClr>
-          </a:solidFill>
-          <a:ln>
-            <a:noFill/>
-          </a:ln>
-        </p:spPr>
-        <p:style>
-          <a:lnRef idx="2">
-            <a:schemeClr val="accent1">
-              <a:shade val="15000"/>
-            </a:schemeClr>
-          </a:lnRef>
-          <a:fillRef idx="1">
-            <a:schemeClr val="accent1"/>
-          </a:fillRef>
-          <a:effectRef idx="0">
-            <a:schemeClr val="accent1"/>
-          </a:effectRef>
-          <a:fontRef idx="minor">
-            <a:schemeClr val="lt1"/>
-          </a:fontRef>
-        </p:style>
-        <p:txBody>
-          <a:bodyPr rtlCol="0" anchor="ctr"/>
-          <a:lstStyle/>
-          <a:p>
-            <a:pPr algn="ctr"/>
-            <a:endParaRPr lang="ko-KR" altLang="en-US"/>
-          </a:p>
-        </p:txBody>
-      </p:sp>
-      <p:sp>
-        <p:nvSpPr>
-          <p:cNvPr id="38" name="직사각형 37">
-            <a:extLst>
-              <a:ext uri="{FF2B5EF4-FFF2-40B4-BE49-F238E27FC236}">
-                <a16:creationId xmlns:a16="http://schemas.microsoft.com/office/drawing/2014/main" id="{D506AE36-880A-D6F5-526E-3CCD68E01BF2}"/>
-              </a:ext>
-            </a:extLst>
-          </p:cNvPr>
-          <p:cNvSpPr/>
-          <p:nvPr/>
-        </p:nvSpPr>
-        <p:spPr>
-          <a:xfrm>
-            <a:off x="90551" y="5890940"/>
-            <a:ext cx="1742762" cy="323850"/>
-          </a:xfrm>
-          <a:prstGeom prst="rect">
-            <a:avLst/>
-          </a:prstGeom>
-        </p:spPr>
-        <p:style>
-          <a:lnRef idx="2">
-            <a:schemeClr val="accent1">
-              <a:shade val="15000"/>
-            </a:schemeClr>
-          </a:lnRef>
-          <a:fillRef idx="1">
-            <a:schemeClr val="accent1"/>
-          </a:fillRef>
-          <a:effectRef idx="0">
-            <a:schemeClr val="accent1"/>
-          </a:effectRef>
-          <a:fontRef idx="minor">
-            <a:schemeClr val="lt1"/>
-          </a:fontRef>
-        </p:style>
-        <p:txBody>
-          <a:bodyPr rtlCol="0" anchor="ctr"/>
-          <a:lstStyle/>
-          <a:p>
-            <a:pPr algn="ctr"/>
-            <a:r>
-              <a:rPr lang="ko-KR" altLang="en-US" sz="1200" dirty="0"/>
-              <a:t>프로그램 설정</a:t>
-            </a:r>
-          </a:p>
-        </p:txBody>
-      </p:sp>
-      <p:sp>
-        <p:nvSpPr>
-          <p:cNvPr id="41" name="직사각형 40">
-            <a:extLst>
-              <a:ext uri="{FF2B5EF4-FFF2-40B4-BE49-F238E27FC236}">
-                <a16:creationId xmlns:a16="http://schemas.microsoft.com/office/drawing/2014/main" id="{E2E2B171-BBEE-41DE-ACBF-FB3ADA96D439}"/>
-              </a:ext>
-            </a:extLst>
-          </p:cNvPr>
-          <p:cNvSpPr/>
-          <p:nvPr/>
-        </p:nvSpPr>
-        <p:spPr>
-          <a:xfrm>
-            <a:off x="2105895" y="6410900"/>
-            <a:ext cx="4475000" cy="357046"/>
-          </a:xfrm>
-          <a:prstGeom prst="rect">
-            <a:avLst/>
-          </a:prstGeom>
-          <a:solidFill>
-            <a:schemeClr val="tx2">
-              <a:lumMod val="10000"/>
-              <a:lumOff val="90000"/>
-            </a:schemeClr>
-          </a:solidFill>
-        </p:spPr>
-        <p:style>
-          <a:lnRef idx="2">
-            <a:schemeClr val="accent1">
-              <a:shade val="15000"/>
-            </a:schemeClr>
-          </a:lnRef>
-          <a:fillRef idx="1">
-            <a:schemeClr val="accent1"/>
-          </a:fillRef>
-          <a:effectRef idx="0">
-            <a:schemeClr val="accent1"/>
-          </a:effectRef>
-          <a:fontRef idx="minor">
-            <a:schemeClr val="lt1"/>
-          </a:fontRef>
-        </p:style>
-        <p:txBody>
-          <a:bodyPr rtlCol="0" anchor="t"/>
-          <a:lstStyle/>
-          <a:p>
-            <a:r>
-              <a:rPr lang="ko-KR" altLang="en-US" sz="1600" dirty="0" err="1">
-                <a:solidFill>
-                  <a:schemeClr val="tx1"/>
-                </a:solidFill>
-              </a:rPr>
-              <a:t>텐서플로우</a:t>
-            </a:r>
-            <a:r>
-              <a:rPr lang="ko-KR" altLang="en-US" sz="1600" dirty="0">
-                <a:solidFill>
-                  <a:schemeClr val="tx1"/>
-                </a:solidFill>
-              </a:rPr>
-              <a:t> 로딩</a:t>
-            </a:r>
-            <a:r>
-              <a:rPr lang="en-US" altLang="ko-KR" sz="1600" dirty="0">
-                <a:solidFill>
-                  <a:schemeClr val="tx1"/>
-                </a:solidFill>
-              </a:rPr>
-              <a:t> </a:t>
-            </a:r>
-            <a:r>
-              <a:rPr lang="ko-KR" altLang="en-US" sz="1600" dirty="0">
-                <a:solidFill>
-                  <a:schemeClr val="tx1"/>
-                </a:solidFill>
-              </a:rPr>
-              <a:t>중 </a:t>
-            </a:r>
-            <a:r>
-              <a:rPr lang="en-US" altLang="ko-KR" sz="1600" dirty="0">
-                <a:solidFill>
-                  <a:schemeClr val="tx1"/>
-                </a:solidFill>
-              </a:rPr>
-              <a:t>80%</a:t>
-            </a:r>
-          </a:p>
-        </p:txBody>
-      </p:sp>
-      <p:sp>
-        <p:nvSpPr>
-          <p:cNvPr id="42" name="직사각형 41">
-            <a:extLst>
-              <a:ext uri="{FF2B5EF4-FFF2-40B4-BE49-F238E27FC236}">
-                <a16:creationId xmlns:a16="http://schemas.microsoft.com/office/drawing/2014/main" id="{3A74FDAB-848A-7A9C-CAA3-2E4585F13887}"/>
-              </a:ext>
-            </a:extLst>
-          </p:cNvPr>
-          <p:cNvSpPr/>
-          <p:nvPr/>
-        </p:nvSpPr>
-        <p:spPr>
-          <a:xfrm>
-            <a:off x="4477257" y="6454916"/>
-            <a:ext cx="1936680" cy="269156"/>
-          </a:xfrm>
-          <a:prstGeom prst="rect">
-            <a:avLst/>
-          </a:prstGeom>
-        </p:spPr>
-        <p:style>
-          <a:lnRef idx="2">
-            <a:schemeClr val="accent1">
-              <a:shade val="15000"/>
-            </a:schemeClr>
-          </a:lnRef>
-          <a:fillRef idx="1">
-            <a:schemeClr val="accent1"/>
-          </a:fillRef>
-          <a:effectRef idx="0">
-            <a:schemeClr val="accent1"/>
-          </a:effectRef>
-          <a:fontRef idx="minor">
-            <a:schemeClr val="lt1"/>
-          </a:fontRef>
-        </p:style>
-        <p:txBody>
-          <a:bodyPr rtlCol="0" anchor="ctr"/>
-          <a:lstStyle/>
-          <a:p>
-            <a:pPr algn="ctr"/>
-            <a:endParaRPr lang="ko-KR" altLang="en-US" dirty="0"/>
-          </a:p>
-        </p:txBody>
-      </p:sp>
-      <p:sp>
-        <p:nvSpPr>
-          <p:cNvPr id="43" name="직사각형 42">
-            <a:extLst>
-              <a:ext uri="{FF2B5EF4-FFF2-40B4-BE49-F238E27FC236}">
-                <a16:creationId xmlns:a16="http://schemas.microsoft.com/office/drawing/2014/main" id="{C8BAD22C-6A9C-225E-8EBF-0D1B0C613FC2}"/>
-              </a:ext>
-            </a:extLst>
-          </p:cNvPr>
-          <p:cNvSpPr/>
-          <p:nvPr/>
-        </p:nvSpPr>
-        <p:spPr>
-          <a:xfrm>
-            <a:off x="6008188" y="6454916"/>
-            <a:ext cx="472715" cy="269156"/>
-          </a:xfrm>
-          <a:prstGeom prst="rect">
-            <a:avLst/>
-          </a:prstGeom>
-          <a:solidFill>
-            <a:schemeClr val="accent1">
-              <a:lumMod val="20000"/>
-              <a:lumOff val="80000"/>
-            </a:schemeClr>
-          </a:solidFill>
-        </p:spPr>
-        <p:style>
-          <a:lnRef idx="2">
-            <a:schemeClr val="accent1">
-              <a:shade val="15000"/>
-            </a:schemeClr>
-          </a:lnRef>
-          <a:fillRef idx="1">
-            <a:schemeClr val="accent1"/>
-          </a:fillRef>
-          <a:effectRef idx="0">
-            <a:schemeClr val="accent1"/>
-          </a:effectRef>
-          <a:fontRef idx="minor">
-            <a:schemeClr val="lt1"/>
-          </a:fontRef>
-        </p:style>
-        <p:txBody>
-          <a:bodyPr rtlCol="0" anchor="ctr"/>
-          <a:lstStyle/>
-          <a:p>
-            <a:pPr algn="ctr"/>
-            <a:endParaRPr lang="ko-KR" altLang="en-US" dirty="0"/>
-          </a:p>
-        </p:txBody>
-      </p:sp>
-      <p:sp>
-        <p:nvSpPr>
-          <p:cNvPr id="44" name="직사각형 43">
-            <a:extLst>
-              <a:ext uri="{FF2B5EF4-FFF2-40B4-BE49-F238E27FC236}">
-                <a16:creationId xmlns:a16="http://schemas.microsoft.com/office/drawing/2014/main" id="{3CD9EE5E-1CDD-96D1-3846-A97A5FF17CD2}"/>
-              </a:ext>
-            </a:extLst>
-          </p:cNvPr>
-          <p:cNvSpPr/>
-          <p:nvPr/>
-        </p:nvSpPr>
-        <p:spPr>
-          <a:xfrm>
-            <a:off x="2105895" y="4770768"/>
-            <a:ext cx="4475000" cy="1521859"/>
-          </a:xfrm>
-          <a:prstGeom prst="rect">
-            <a:avLst/>
-          </a:prstGeom>
-          <a:solidFill>
-            <a:schemeClr val="tx2">
-              <a:lumMod val="10000"/>
-              <a:lumOff val="90000"/>
-            </a:schemeClr>
-          </a:solidFill>
-        </p:spPr>
-        <p:style>
-          <a:lnRef idx="2">
-            <a:schemeClr val="accent1">
-              <a:shade val="15000"/>
-            </a:schemeClr>
-          </a:lnRef>
-          <a:fillRef idx="1">
-            <a:schemeClr val="accent1"/>
-          </a:fillRef>
-          <a:effectRef idx="0">
-            <a:schemeClr val="accent1"/>
-          </a:effectRef>
-          <a:fontRef idx="minor">
-            <a:schemeClr val="lt1"/>
-          </a:fontRef>
-        </p:style>
-        <p:txBody>
-          <a:bodyPr rtlCol="0" anchor="t"/>
-          <a:lstStyle/>
-          <a:p>
-            <a:pPr algn="ctr"/>
-            <a:endParaRPr lang="en-US" altLang="ko-KR" dirty="0">
-              <a:solidFill>
-                <a:schemeClr val="tx1"/>
-              </a:solidFill>
-            </a:endParaRPr>
-          </a:p>
-          <a:p>
-            <a:pPr algn="ctr"/>
-            <a:r>
-              <a:rPr lang="ko-KR" altLang="en-US" dirty="0">
-                <a:solidFill>
-                  <a:schemeClr val="tx1"/>
-                </a:solidFill>
-              </a:rPr>
-              <a:t>월별 가중치 입력</a:t>
-            </a:r>
-            <a:r>
-              <a:rPr lang="en-US" altLang="ko-KR" dirty="0">
-                <a:solidFill>
-                  <a:schemeClr val="tx1"/>
-                </a:solidFill>
-              </a:rPr>
-              <a:t>(</a:t>
-            </a:r>
-            <a:r>
-              <a:rPr lang="ko-KR" altLang="en-US" dirty="0">
-                <a:solidFill>
-                  <a:schemeClr val="tx1"/>
-                </a:solidFill>
-              </a:rPr>
-              <a:t>선택</a:t>
-            </a:r>
-            <a:r>
-              <a:rPr lang="en-US" altLang="ko-KR" dirty="0">
-                <a:solidFill>
-                  <a:schemeClr val="tx1"/>
-                </a:solidFill>
-              </a:rPr>
-              <a:t>)</a:t>
-            </a:r>
-          </a:p>
-          <a:p>
-            <a:r>
-              <a:rPr lang="en-US" altLang="ko-KR" dirty="0">
-                <a:solidFill>
-                  <a:schemeClr val="tx1"/>
-                </a:solidFill>
-              </a:rPr>
-              <a:t>01</a:t>
-            </a:r>
-            <a:r>
-              <a:rPr lang="ko-KR" altLang="en-US" dirty="0">
-                <a:solidFill>
-                  <a:schemeClr val="tx1"/>
-                </a:solidFill>
-              </a:rPr>
-              <a:t>번째 달</a:t>
-            </a:r>
-            <a:endParaRPr lang="en-US" altLang="ko-KR" dirty="0">
-              <a:solidFill>
-                <a:schemeClr val="tx1"/>
-              </a:solidFill>
-            </a:endParaRPr>
-          </a:p>
-          <a:p>
-            <a:r>
-              <a:rPr lang="en-US" altLang="ko-KR" dirty="0">
-                <a:solidFill>
-                  <a:schemeClr val="tx1"/>
-                </a:solidFill>
-              </a:rPr>
-              <a:t>02</a:t>
-            </a:r>
-            <a:r>
-              <a:rPr lang="ko-KR" altLang="en-US" dirty="0">
-                <a:solidFill>
-                  <a:schemeClr val="tx1"/>
-                </a:solidFill>
-              </a:rPr>
-              <a:t>번째 달</a:t>
-            </a:r>
-            <a:endParaRPr lang="en-US" altLang="ko-KR" dirty="0">
-              <a:solidFill>
-                <a:schemeClr val="tx1"/>
-              </a:solidFill>
-            </a:endParaRPr>
-          </a:p>
-          <a:p>
-            <a:endParaRPr lang="en-US" altLang="ko-KR" dirty="0">
-              <a:solidFill>
-                <a:schemeClr val="tx1"/>
-              </a:solidFill>
-            </a:endParaRPr>
-          </a:p>
-        </p:txBody>
-      </p:sp>
-      <p:sp>
-        <p:nvSpPr>
-          <p:cNvPr id="46" name="직사각형 45">
-            <a:extLst>
-              <a:ext uri="{FF2B5EF4-FFF2-40B4-BE49-F238E27FC236}">
-                <a16:creationId xmlns:a16="http://schemas.microsoft.com/office/drawing/2014/main" id="{667331AF-1B4B-A531-B74B-C17260020D5D}"/>
-              </a:ext>
-            </a:extLst>
-          </p:cNvPr>
-          <p:cNvSpPr/>
-          <p:nvPr/>
-        </p:nvSpPr>
-        <p:spPr>
-          <a:xfrm>
-            <a:off x="6351917" y="4996620"/>
-            <a:ext cx="184727" cy="720000"/>
-          </a:xfrm>
-          <a:prstGeom prst="rect">
-            <a:avLst/>
-          </a:prstGeom>
-          <a:solidFill>
-            <a:schemeClr val="bg2">
-              <a:lumMod val="90000"/>
-            </a:schemeClr>
-          </a:solidFill>
-          <a:ln>
-            <a:noFill/>
-          </a:ln>
-        </p:spPr>
-        <p:style>
-          <a:lnRef idx="2">
-            <a:schemeClr val="accent1">
-              <a:shade val="15000"/>
-            </a:schemeClr>
-          </a:lnRef>
-          <a:fillRef idx="1">
-            <a:schemeClr val="accent1"/>
-          </a:fillRef>
-          <a:effectRef idx="0">
-            <a:schemeClr val="accent1"/>
-          </a:effectRef>
-          <a:fontRef idx="minor">
-            <a:schemeClr val="lt1"/>
-          </a:fontRef>
-        </p:style>
-        <p:txBody>
-          <a:bodyPr rtlCol="0" anchor="ctr"/>
-          <a:lstStyle/>
-          <a:p>
-            <a:pPr algn="ctr"/>
-            <a:endParaRPr lang="ko-KR" altLang="en-US"/>
-          </a:p>
-        </p:txBody>
-      </p:sp>
-      <p:sp>
-        <p:nvSpPr>
-          <p:cNvPr id="47" name="직사각형 46">
-            <a:extLst>
-              <a:ext uri="{FF2B5EF4-FFF2-40B4-BE49-F238E27FC236}">
-                <a16:creationId xmlns:a16="http://schemas.microsoft.com/office/drawing/2014/main" id="{44F7F259-9D4A-255D-7CB3-5A73694BED3D}"/>
-              </a:ext>
-            </a:extLst>
-          </p:cNvPr>
-          <p:cNvSpPr/>
-          <p:nvPr/>
-        </p:nvSpPr>
-        <p:spPr>
-          <a:xfrm>
-            <a:off x="5162072" y="4294041"/>
-            <a:ext cx="1247775" cy="323850"/>
-          </a:xfrm>
-          <a:prstGeom prst="rect">
-            <a:avLst/>
-          </a:prstGeom>
-        </p:spPr>
-        <p:style>
-          <a:lnRef idx="2">
-            <a:schemeClr val="accent1">
-              <a:shade val="15000"/>
-            </a:schemeClr>
-          </a:lnRef>
-          <a:fillRef idx="1">
-            <a:schemeClr val="accent1"/>
-          </a:fillRef>
-          <a:effectRef idx="0">
-            <a:schemeClr val="accent1"/>
-          </a:effectRef>
-          <a:fontRef idx="minor">
-            <a:schemeClr val="lt1"/>
-          </a:fontRef>
-        </p:style>
-        <p:txBody>
-          <a:bodyPr rtlCol="0" anchor="ctr"/>
-          <a:lstStyle/>
-          <a:p>
-            <a:pPr algn="ctr"/>
-            <a:r>
-              <a:rPr lang="ko-KR" altLang="en-US" dirty="0"/>
-              <a:t>값 초기화</a:t>
-            </a:r>
-          </a:p>
-        </p:txBody>
-      </p:sp>
-      <p:sp>
-        <p:nvSpPr>
-          <p:cNvPr id="50" name="직사각형 49">
-            <a:extLst>
-              <a:ext uri="{FF2B5EF4-FFF2-40B4-BE49-F238E27FC236}">
-                <a16:creationId xmlns:a16="http://schemas.microsoft.com/office/drawing/2014/main" id="{80109319-C4A1-4EE7-1EE0-17B6FBAB5F28}"/>
-              </a:ext>
-            </a:extLst>
-          </p:cNvPr>
-          <p:cNvSpPr/>
-          <p:nvPr/>
-        </p:nvSpPr>
-        <p:spPr>
-          <a:xfrm>
-            <a:off x="5162072" y="5913655"/>
-            <a:ext cx="1247775" cy="323850"/>
-          </a:xfrm>
-          <a:prstGeom prst="rect">
-            <a:avLst/>
-          </a:prstGeom>
-        </p:spPr>
-        <p:style>
-          <a:lnRef idx="2">
-            <a:schemeClr val="accent1">
-              <a:shade val="15000"/>
-            </a:schemeClr>
-          </a:lnRef>
-          <a:fillRef idx="1">
-            <a:schemeClr val="accent1"/>
-          </a:fillRef>
-          <a:effectRef idx="0">
-            <a:schemeClr val="accent1"/>
-          </a:effectRef>
-          <a:fontRef idx="minor">
-            <a:schemeClr val="lt1"/>
-          </a:fontRef>
-        </p:style>
-        <p:txBody>
-          <a:bodyPr rtlCol="0" anchor="ctr"/>
-          <a:lstStyle/>
-          <a:p>
-            <a:pPr algn="ctr"/>
-            <a:r>
-              <a:rPr lang="ko-KR" altLang="en-US" dirty="0"/>
-              <a:t>값 초기화</a:t>
-            </a:r>
-          </a:p>
-        </p:txBody>
-      </p:sp>
-      <p:sp>
-        <p:nvSpPr>
-          <p:cNvPr id="2" name="직사각형 1">
-            <a:extLst>
-              <a:ext uri="{FF2B5EF4-FFF2-40B4-BE49-F238E27FC236}">
-                <a16:creationId xmlns:a16="http://schemas.microsoft.com/office/drawing/2014/main" id="{302FE855-F3C5-E432-54CB-BA6F160E3B7D}"/>
-              </a:ext>
-            </a:extLst>
-          </p:cNvPr>
-          <p:cNvSpPr/>
-          <p:nvPr/>
-        </p:nvSpPr>
-        <p:spPr>
-          <a:xfrm>
-            <a:off x="3448044" y="5370439"/>
-            <a:ext cx="2520000" cy="208252"/>
-          </a:xfrm>
-          <a:prstGeom prst="rect">
-            <a:avLst/>
-          </a:prstGeom>
-          <a:solidFill>
-            <a:schemeClr val="bg1"/>
-          </a:solidFill>
-        </p:spPr>
-        <p:style>
-          <a:lnRef idx="2">
-            <a:schemeClr val="accent1">
-              <a:shade val="15000"/>
-            </a:schemeClr>
-          </a:lnRef>
-          <a:fillRef idx="1">
-            <a:schemeClr val="accent1"/>
-          </a:fillRef>
-          <a:effectRef idx="0">
-            <a:schemeClr val="accent1"/>
-          </a:effectRef>
-          <a:fontRef idx="minor">
-            <a:schemeClr val="lt1"/>
-          </a:fontRef>
-        </p:style>
-        <p:txBody>
-          <a:bodyPr rtlCol="0" anchor="ctr"/>
-          <a:lstStyle/>
-          <a:p>
-            <a:r>
-              <a:rPr lang="en-US" altLang="ko-KR" sz="1600" dirty="0">
-                <a:solidFill>
-                  <a:schemeClr val="tx1"/>
-                </a:solidFill>
-              </a:rPr>
-              <a:t>0.4</a:t>
-            </a:r>
-            <a:endParaRPr lang="ko-KR" altLang="en-US" sz="1600" dirty="0">
-              <a:solidFill>
-                <a:schemeClr val="tx1"/>
-              </a:solidFill>
-            </a:endParaRPr>
-          </a:p>
-        </p:txBody>
-      </p:sp>
-      <p:sp>
-        <p:nvSpPr>
-          <p:cNvPr id="3" name="직사각형 2">
-            <a:extLst>
-              <a:ext uri="{FF2B5EF4-FFF2-40B4-BE49-F238E27FC236}">
-                <a16:creationId xmlns:a16="http://schemas.microsoft.com/office/drawing/2014/main" id="{3810AE5A-2EA1-6BB5-C1FE-7FC8F38E4611}"/>
-              </a:ext>
-            </a:extLst>
-          </p:cNvPr>
-          <p:cNvSpPr/>
-          <p:nvPr/>
-        </p:nvSpPr>
-        <p:spPr>
-          <a:xfrm>
-            <a:off x="3448044" y="5677208"/>
-            <a:ext cx="2520000" cy="208252"/>
-          </a:xfrm>
-          <a:prstGeom prst="rect">
-            <a:avLst/>
-          </a:prstGeom>
-          <a:solidFill>
-            <a:schemeClr val="bg1"/>
-          </a:solidFill>
-        </p:spPr>
-        <p:style>
-          <a:lnRef idx="2">
-            <a:schemeClr val="accent1">
-              <a:shade val="15000"/>
-            </a:schemeClr>
-          </a:lnRef>
-          <a:fillRef idx="1">
-            <a:schemeClr val="accent1"/>
-          </a:fillRef>
-          <a:effectRef idx="0">
-            <a:schemeClr val="accent1"/>
-          </a:effectRef>
-          <a:fontRef idx="minor">
-            <a:schemeClr val="lt1"/>
-          </a:fontRef>
-        </p:style>
-        <p:txBody>
-          <a:bodyPr rtlCol="0" anchor="ctr"/>
-          <a:lstStyle/>
-          <a:p>
-            <a:r>
-              <a:rPr lang="en-US" altLang="ko-KR" sz="1600" dirty="0">
-                <a:solidFill>
-                  <a:schemeClr val="tx1"/>
-                </a:solidFill>
-              </a:rPr>
-              <a:t>0.1</a:t>
-            </a:r>
-            <a:endParaRPr lang="ko-KR" altLang="en-US" sz="1600" dirty="0">
-              <a:solidFill>
-                <a:schemeClr val="tx1"/>
-              </a:solidFill>
-            </a:endParaRPr>
-          </a:p>
-        </p:txBody>
-      </p:sp>
-      <p:sp>
-        <p:nvSpPr>
-          <p:cNvPr id="10" name="직사각형 9">
-            <a:extLst>
-              <a:ext uri="{FF2B5EF4-FFF2-40B4-BE49-F238E27FC236}">
-                <a16:creationId xmlns:a16="http://schemas.microsoft.com/office/drawing/2014/main" id="{F508DA75-4C06-0147-D8D8-05A6D913909B}"/>
-              </a:ext>
-            </a:extLst>
-          </p:cNvPr>
-          <p:cNvSpPr/>
-          <p:nvPr/>
-        </p:nvSpPr>
-        <p:spPr>
-          <a:xfrm>
-            <a:off x="3221561" y="4737295"/>
-            <a:ext cx="1316186" cy="284145"/>
-          </a:xfrm>
-          <a:prstGeom prst="rect">
-            <a:avLst/>
-          </a:prstGeom>
-          <a:solidFill>
-            <a:schemeClr val="tx2">
-              <a:lumMod val="10000"/>
-              <a:lumOff val="90000"/>
-            </a:schemeClr>
-          </a:solidFill>
-        </p:spPr>
-        <p:style>
-          <a:lnRef idx="2">
-            <a:schemeClr val="accent1">
-              <a:shade val="15000"/>
-            </a:schemeClr>
-          </a:lnRef>
-          <a:fillRef idx="1">
-            <a:schemeClr val="accent1"/>
-          </a:fillRef>
-          <a:effectRef idx="0">
-            <a:schemeClr val="accent1"/>
-          </a:effectRef>
-          <a:fontRef idx="minor">
-            <a:schemeClr val="lt1"/>
-          </a:fontRef>
-        </p:style>
-        <p:txBody>
-          <a:bodyPr rtlCol="0" anchor="ctr"/>
-          <a:lstStyle/>
-          <a:p>
-            <a:r>
-              <a:rPr lang="ko-KR" altLang="en-US" sz="1200" b="1" dirty="0">
-                <a:solidFill>
-                  <a:srgbClr val="800000"/>
-                </a:solidFill>
-                <a:effectLst/>
-                <a:latin typeface="Monoplex KR" panose="020B0509020203020207" pitchFamily="50" charset="-126"/>
-              </a:rPr>
-              <a:t>가중이동평균법</a:t>
-            </a:r>
-            <a:endParaRPr lang="ko-KR" altLang="en-US" sz="1200" b="0" dirty="0">
-              <a:solidFill>
-                <a:srgbClr val="3B3B3B"/>
-              </a:solidFill>
-              <a:effectLst/>
-              <a:latin typeface="Monoplex KR" panose="020B0509020203020207" pitchFamily="50" charset="-126"/>
-            </a:endParaRPr>
-          </a:p>
-        </p:txBody>
-      </p:sp>
-      <p:sp>
-        <p:nvSpPr>
-          <p:cNvPr id="11" name="직사각형 10">
-            <a:extLst>
-              <a:ext uri="{FF2B5EF4-FFF2-40B4-BE49-F238E27FC236}">
-                <a16:creationId xmlns:a16="http://schemas.microsoft.com/office/drawing/2014/main" id="{119157B0-4AA2-D710-38F5-FA8409D9AD48}"/>
-              </a:ext>
-            </a:extLst>
-          </p:cNvPr>
-          <p:cNvSpPr/>
-          <p:nvPr/>
-        </p:nvSpPr>
-        <p:spPr>
-          <a:xfrm>
-            <a:off x="4563916" y="4737294"/>
-            <a:ext cx="995996" cy="284145"/>
-          </a:xfrm>
-          <a:prstGeom prst="rect">
-            <a:avLst/>
-          </a:prstGeom>
-          <a:solidFill>
-            <a:schemeClr val="bg1"/>
-          </a:solidFill>
-        </p:spPr>
-        <p:style>
-          <a:lnRef idx="2">
-            <a:schemeClr val="accent1">
-              <a:shade val="15000"/>
-            </a:schemeClr>
-          </a:lnRef>
-          <a:fillRef idx="1">
-            <a:schemeClr val="accent1"/>
-          </a:fillRef>
-          <a:effectRef idx="0">
-            <a:schemeClr val="accent1"/>
-          </a:effectRef>
-          <a:fontRef idx="minor">
-            <a:schemeClr val="lt1"/>
-          </a:fontRef>
-        </p:style>
-        <p:txBody>
-          <a:bodyPr rtlCol="0" anchor="ctr"/>
-          <a:lstStyle/>
-          <a:p>
-            <a:pPr algn="ctr"/>
-            <a:r>
-              <a:rPr lang="ko-KR" altLang="en-US" sz="1200" b="1" dirty="0" err="1">
-                <a:solidFill>
-                  <a:srgbClr val="800000"/>
-                </a:solidFill>
-                <a:effectLst/>
-                <a:latin typeface="Monoplex KR" panose="020B0509020203020207" pitchFamily="50" charset="-126"/>
-              </a:rPr>
-              <a:t>지수평활법</a:t>
-            </a:r>
-            <a:endParaRPr lang="ko-KR" altLang="en-US" sz="1200" b="0" dirty="0">
-              <a:solidFill>
-                <a:srgbClr val="3B3B3B"/>
-              </a:solidFill>
-              <a:effectLst/>
-              <a:latin typeface="Monoplex KR" panose="020B0509020203020207" pitchFamily="50" charset="-126"/>
-            </a:endParaRPr>
-          </a:p>
-        </p:txBody>
-      </p:sp>
       <p:grpSp>
         <p:nvGrpSpPr>
           <p:cNvPr id="51" name="그룹 50">
@@ -7295,10 +7570,10 @@
         </p:nvGrpSpPr>
         <p:grpSpPr>
           <a:xfrm>
-            <a:off x="-4192971" y="3123221"/>
-            <a:ext cx="1742762" cy="1191664"/>
-            <a:chOff x="102375" y="1232478"/>
-            <a:chExt cx="1742762" cy="1191664"/>
+            <a:off x="862578" y="2072624"/>
+            <a:ext cx="1742762" cy="1331916"/>
+            <a:chOff x="102375" y="1092226"/>
+            <a:chExt cx="1742762" cy="1331916"/>
           </a:xfrm>
         </p:grpSpPr>
         <p:sp>
@@ -7451,8 +7726,8 @@
           </p:nvSpPr>
           <p:spPr>
             <a:xfrm>
-              <a:off x="329342" y="1232478"/>
-              <a:ext cx="1316186" cy="286904"/>
+              <a:off x="111120" y="1092226"/>
+              <a:ext cx="1728900" cy="286904"/>
             </a:xfrm>
             <a:prstGeom prst="rect">
               <a:avLst/>
@@ -7483,15 +7758,21 @@
             <a:p>
               <a:pPr algn="ctr"/>
               <a:r>
-                <a:rPr lang="ko-KR" altLang="en-US" sz="1200" b="0" dirty="0">
+                <a:rPr lang="ko-KR" altLang="en-US" sz="1200" dirty="0">
                   <a:solidFill>
                     <a:srgbClr val="3B3B3B"/>
                   </a:solidFill>
-                  <a:effectLst/>
                   <a:latin typeface="Monoplex KR" panose="020B0509020203020207" pitchFamily="50" charset="-126"/>
                 </a:rPr>
-                <a:t>스위치</a:t>
+                <a:t>사용기법</a:t>
               </a:r>
+              <a:endParaRPr lang="ko-KR" altLang="en-US" sz="1200" b="0" dirty="0">
+                <a:solidFill>
+                  <a:srgbClr val="3B3B3B"/>
+                </a:solidFill>
+                <a:effectLst/>
+                <a:latin typeface="Monoplex KR" panose="020B0509020203020207" pitchFamily="50" charset="-126"/>
+              </a:endParaRPr>
             </a:p>
           </p:txBody>
         </p:sp>
@@ -7886,10 +8167,10 @@
       </p:grpSp>
       <p:sp>
         <p:nvSpPr>
-          <p:cNvPr id="49" name="직사각형 48">
-            <a:extLst>
-              <a:ext uri="{FF2B5EF4-FFF2-40B4-BE49-F238E27FC236}">
-                <a16:creationId xmlns:a16="http://schemas.microsoft.com/office/drawing/2014/main" id="{57EA2CF4-8102-33F7-67E1-7CCA7115FAF2}"/>
+          <p:cNvPr id="4" name="직사각형 3">
+            <a:extLst>
+              <a:ext uri="{FF2B5EF4-FFF2-40B4-BE49-F238E27FC236}">
+                <a16:creationId xmlns:a16="http://schemas.microsoft.com/office/drawing/2014/main" id="{A165F270-2B38-8FD2-8FCA-D0B94E5047CD}"/>
               </a:ext>
             </a:extLst>
           </p:cNvPr>
@@ -7898,8 +8179,55 @@
         </p:nvSpPr>
         <p:spPr>
           <a:xfrm>
-            <a:off x="7110436" y="1854863"/>
-            <a:ext cx="4862931" cy="690174"/>
+            <a:off x="495299" y="1043709"/>
+            <a:ext cx="4697247" cy="3389747"/>
+          </a:xfrm>
+          <a:prstGeom prst="rect">
+            <a:avLst/>
+          </a:prstGeom>
+          <a:noFill/>
+        </p:spPr>
+        <p:style>
+          <a:lnRef idx="2">
+            <a:schemeClr val="accent1">
+              <a:shade val="15000"/>
+            </a:schemeClr>
+          </a:lnRef>
+          <a:fillRef idx="1">
+            <a:schemeClr val="accent1"/>
+          </a:fillRef>
+          <a:effectRef idx="0">
+            <a:schemeClr val="accent1"/>
+          </a:effectRef>
+          <a:fontRef idx="minor">
+            <a:schemeClr val="lt1"/>
+          </a:fontRef>
+        </p:style>
+        <p:txBody>
+          <a:bodyPr rtlCol="0" anchor="ctr"/>
+          <a:lstStyle/>
+          <a:p>
+            <a:pPr algn="ctr"/>
+            <a:endParaRPr lang="ko-KR" altLang="en-US"/>
+          </a:p>
+        </p:txBody>
+      </p:sp>
+      <p:sp>
+        <p:nvSpPr>
+          <p:cNvPr id="6" name="직사각형 5">
+            <a:extLst>
+              <a:ext uri="{FF2B5EF4-FFF2-40B4-BE49-F238E27FC236}">
+                <a16:creationId xmlns:a16="http://schemas.microsoft.com/office/drawing/2014/main" id="{6232EB24-6070-86E8-A4D4-3DDE13FA31F2}"/>
+              </a:ext>
+            </a:extLst>
+          </p:cNvPr>
+          <p:cNvSpPr/>
+          <p:nvPr/>
+        </p:nvSpPr>
+        <p:spPr>
+          <a:xfrm>
+            <a:off x="2187509" y="3935700"/>
+            <a:ext cx="1247775" cy="323850"/>
           </a:xfrm>
           <a:prstGeom prst="rect">
             <a:avLst/>
@@ -7925,23 +8253,20 @@
           <a:bodyPr rtlCol="0" anchor="ctr"/>
           <a:lstStyle/>
           <a:p>
+            <a:pPr algn="ctr"/>
             <a:r>
               <a:rPr lang="ko-KR" altLang="en-US" dirty="0"/>
-              <a:t>결과</a:t>
-            </a:r>
-            <a:r>
-              <a:rPr lang="en-US" altLang="ko-KR" dirty="0"/>
-              <a:t>: </a:t>
-            </a:r>
-          </a:p>
-        </p:txBody>
-      </p:sp>
-      <p:sp>
-        <p:nvSpPr>
-          <p:cNvPr id="53" name="직사각형 52">
-            <a:extLst>
-              <a:ext uri="{FF2B5EF4-FFF2-40B4-BE49-F238E27FC236}">
-                <a16:creationId xmlns:a16="http://schemas.microsoft.com/office/drawing/2014/main" id="{042FE6BC-EBD2-77AF-ACBD-E34A242D0A0F}"/>
+              <a:t>취소</a:t>
+            </a:r>
+          </a:p>
+        </p:txBody>
+      </p:sp>
+      <p:sp>
+        <p:nvSpPr>
+          <p:cNvPr id="7" name="직사각형 6">
+            <a:extLst>
+              <a:ext uri="{FF2B5EF4-FFF2-40B4-BE49-F238E27FC236}">
+                <a16:creationId xmlns:a16="http://schemas.microsoft.com/office/drawing/2014/main" id="{B85E3A2A-9C8C-2A97-064C-DB6D69BA1838}"/>
               </a:ext>
             </a:extLst>
           </p:cNvPr>
@@ -7950,8 +8275,8 @@
         </p:nvSpPr>
         <p:spPr>
           <a:xfrm>
-            <a:off x="90551" y="6343320"/>
-            <a:ext cx="1742762" cy="323850"/>
+            <a:off x="865352" y="3935700"/>
+            <a:ext cx="1247775" cy="323850"/>
           </a:xfrm>
           <a:prstGeom prst="rect">
             <a:avLst/>
@@ -7979,18 +8304,18 @@
           <a:p>
             <a:pPr algn="ctr"/>
             <a:r>
-              <a:rPr lang="ko-KR" altLang="en-US" sz="1200" dirty="0"/>
-              <a:t>프로그램 정보</a:t>
-            </a:r>
-          </a:p>
-        </p:txBody>
-      </p:sp>
-      <p:sp>
-        <p:nvSpPr>
-          <p:cNvPr id="56" name="직사각형 55">
-            <a:extLst>
-              <a:ext uri="{FF2B5EF4-FFF2-40B4-BE49-F238E27FC236}">
-                <a16:creationId xmlns:a16="http://schemas.microsoft.com/office/drawing/2014/main" id="{0F5F7F2C-282E-3790-A693-DC32D271DC39}"/>
+              <a:rPr lang="ko-KR" altLang="en-US" dirty="0"/>
+              <a:t>확인</a:t>
+            </a:r>
+          </a:p>
+        </p:txBody>
+      </p:sp>
+      <p:sp>
+        <p:nvSpPr>
+          <p:cNvPr id="10" name="직사각형 9">
+            <a:extLst>
+              <a:ext uri="{FF2B5EF4-FFF2-40B4-BE49-F238E27FC236}">
+                <a16:creationId xmlns:a16="http://schemas.microsoft.com/office/drawing/2014/main" id="{7A164F18-D427-CC15-5686-34FB6D7353DA}"/>
               </a:ext>
             </a:extLst>
           </p:cNvPr>
@@ -7999,7 +8324,158 @@
         </p:nvSpPr>
         <p:spPr>
           <a:xfrm>
-            <a:off x="-3528780" y="-1552905"/>
+            <a:off x="3509666" y="3931069"/>
+            <a:ext cx="1247775" cy="323850"/>
+          </a:xfrm>
+          <a:prstGeom prst="rect">
+            <a:avLst/>
+          </a:prstGeom>
+        </p:spPr>
+        <p:style>
+          <a:lnRef idx="2">
+            <a:schemeClr val="accent1">
+              <a:shade val="15000"/>
+            </a:schemeClr>
+          </a:lnRef>
+          <a:fillRef idx="1">
+            <a:schemeClr val="accent1"/>
+          </a:fillRef>
+          <a:effectRef idx="0">
+            <a:schemeClr val="accent1"/>
+          </a:effectRef>
+          <a:fontRef idx="minor">
+            <a:schemeClr val="lt1"/>
+          </a:fontRef>
+        </p:style>
+        <p:txBody>
+          <a:bodyPr rtlCol="0" anchor="ctr"/>
+          <a:lstStyle/>
+          <a:p>
+            <a:pPr algn="ctr"/>
+            <a:r>
+              <a:rPr lang="ko-KR" altLang="en-US" dirty="0"/>
+              <a:t>적용</a:t>
+            </a:r>
+          </a:p>
+        </p:txBody>
+      </p:sp>
+      <p:sp>
+        <p:nvSpPr>
+          <p:cNvPr id="12" name="TextBox 11">
+            <a:extLst>
+              <a:ext uri="{FF2B5EF4-FFF2-40B4-BE49-F238E27FC236}">
+                <a16:creationId xmlns:a16="http://schemas.microsoft.com/office/drawing/2014/main" id="{9B818AE4-B6C0-D676-39C1-DA9318695AA3}"/>
+              </a:ext>
+            </a:extLst>
+          </p:cNvPr>
+          <p:cNvSpPr txBox="1"/>
+          <p:nvPr/>
+        </p:nvSpPr>
+        <p:spPr>
+          <a:xfrm>
+            <a:off x="635000" y="1133158"/>
+            <a:ext cx="4079227" cy="369332"/>
+          </a:xfrm>
+          <a:prstGeom prst="rect">
+            <a:avLst/>
+          </a:prstGeom>
+          <a:noFill/>
+        </p:spPr>
+        <p:txBody>
+          <a:bodyPr wrap="square">
+            <a:spAutoFit/>
+          </a:bodyPr>
+          <a:lstStyle/>
+          <a:p>
+            <a:r>
+              <a:rPr lang="ko-KR" altLang="en-US" sz="1800">
+                <a:ln>
+                  <a:solidFill>
+                    <a:schemeClr val="tx1"/>
+                  </a:solidFill>
+                </a:ln>
+                <a:noFill/>
+              </a:rPr>
+              <a:t>설정</a:t>
+            </a:r>
+            <a:endParaRPr lang="ko-KR" altLang="en-US" sz="1800" dirty="0">
+              <a:ln>
+                <a:solidFill>
+                  <a:schemeClr val="tx1"/>
+                </a:solidFill>
+              </a:ln>
+              <a:noFill/>
+            </a:endParaRPr>
+          </a:p>
+        </p:txBody>
+      </p:sp>
+      <p:sp>
+        <p:nvSpPr>
+          <p:cNvPr id="58" name="직사각형 57">
+            <a:extLst>
+              <a:ext uri="{FF2B5EF4-FFF2-40B4-BE49-F238E27FC236}">
+                <a16:creationId xmlns:a16="http://schemas.microsoft.com/office/drawing/2014/main" id="{C0274777-0C33-0070-6BDC-207754A58E96}"/>
+              </a:ext>
+            </a:extLst>
+          </p:cNvPr>
+          <p:cNvSpPr/>
+          <p:nvPr/>
+        </p:nvSpPr>
+        <p:spPr>
+          <a:xfrm>
+            <a:off x="7341427" y="1115942"/>
+            <a:ext cx="1546772" cy="1546772"/>
+          </a:xfrm>
+          <a:prstGeom prst="rect">
+            <a:avLst/>
+          </a:prstGeom>
+          <a:solidFill>
+            <a:srgbClr val="DBDBDB"/>
+          </a:solidFill>
+          <a:ln>
+            <a:noFill/>
+          </a:ln>
+        </p:spPr>
+        <p:style>
+          <a:lnRef idx="2">
+            <a:schemeClr val="accent1">
+              <a:shade val="15000"/>
+            </a:schemeClr>
+          </a:lnRef>
+          <a:fillRef idx="1">
+            <a:schemeClr val="accent1"/>
+          </a:fillRef>
+          <a:effectRef idx="0">
+            <a:schemeClr val="accent1"/>
+          </a:effectRef>
+          <a:fontRef idx="minor">
+            <a:schemeClr val="lt1"/>
+          </a:fontRef>
+        </p:style>
+        <p:txBody>
+          <a:bodyPr rtlCol="0" anchor="ctr"/>
+          <a:lstStyle/>
+          <a:p>
+            <a:pPr algn="ctr"/>
+            <a:endParaRPr lang="ko-KR" altLang="en-US"/>
+          </a:p>
+        </p:txBody>
+      </p:sp>
+      <p:sp>
+        <p:nvSpPr>
+          <p:cNvPr id="56" name="직사각형 55">
+            <a:extLst>
+              <a:ext uri="{FF2B5EF4-FFF2-40B4-BE49-F238E27FC236}">
+                <a16:creationId xmlns:a16="http://schemas.microsoft.com/office/drawing/2014/main" id="{0F5F7F2C-282E-3790-A693-DC32D271DC39}"/>
+              </a:ext>
+            </a:extLst>
+          </p:cNvPr>
+          <p:cNvSpPr/>
+          <p:nvPr/>
+        </p:nvSpPr>
+        <p:spPr>
+          <a:xfrm>
+            <a:off x="7433097" y="1231773"/>
             <a:ext cx="914400" cy="914400"/>
           </a:xfrm>
           <a:prstGeom prst="rect">
@@ -8066,7 +8542,7 @@
         </p:nvSpPr>
         <p:spPr>
           <a:xfrm>
-            <a:off x="-2957785" y="-1095705"/>
+            <a:off x="8004092" y="1688973"/>
             <a:ext cx="864133" cy="914400"/>
           </a:xfrm>
           <a:prstGeom prst="rect">
@@ -8133,7 +8609,7 @@
         </p:nvSpPr>
         <p:spPr>
           <a:xfrm rot="1939172">
-            <a:off x="-2928016" y="-1679657"/>
+            <a:off x="8033861" y="1105021"/>
             <a:ext cx="233600" cy="1568613"/>
           </a:xfrm>
           <a:prstGeom prst="roundRect">
@@ -8193,7 +8669,7 @@
         </p:nvSpPr>
         <p:spPr>
           <a:xfrm>
-            <a:off x="-1705209" y="-1668736"/>
+            <a:off x="9256668" y="1115942"/>
             <a:ext cx="1546772" cy="1546772"/>
           </a:xfrm>
           <a:prstGeom prst="rect">
@@ -8245,7 +8721,7 @@
         </p:nvSpPr>
         <p:spPr>
           <a:xfrm>
-            <a:off x="-1613539" y="-1552905"/>
+            <a:off x="9348338" y="1231773"/>
             <a:ext cx="914400" cy="914400"/>
           </a:xfrm>
           <a:prstGeom prst="rect">
@@ -8312,7 +8788,7 @@
         </p:nvSpPr>
         <p:spPr>
           <a:xfrm>
-            <a:off x="-1042544" y="-1095705"/>
+            <a:off x="9919333" y="1688973"/>
             <a:ext cx="864133" cy="914400"/>
           </a:xfrm>
           <a:prstGeom prst="rect">
@@ -8379,7 +8855,7 @@
         </p:nvSpPr>
         <p:spPr>
           <a:xfrm rot="1939172">
-            <a:off x="-1012775" y="-1679657"/>
+            <a:off x="9949102" y="1105021"/>
             <a:ext cx="233600" cy="1568613"/>
           </a:xfrm>
           <a:prstGeom prst="roundRect">
@@ -8439,7 +8915,7 @@
         </p:nvSpPr>
         <p:spPr>
           <a:xfrm>
-            <a:off x="-5325552" y="-1668736"/>
+            <a:off x="5636325" y="1115942"/>
             <a:ext cx="1546772" cy="1546772"/>
           </a:xfrm>
           <a:prstGeom prst="rect">
@@ -8491,7 +8967,7 @@
         </p:nvSpPr>
         <p:spPr>
           <a:xfrm>
-            <a:off x="-5233882" y="-1552905"/>
+            <a:off x="5727995" y="1231773"/>
             <a:ext cx="914400" cy="914400"/>
           </a:xfrm>
           <a:prstGeom prst="rect">
@@ -8564,7 +9040,7 @@
         </p:nvSpPr>
         <p:spPr>
           <a:xfrm>
-            <a:off x="-4662887" y="-1095705"/>
+            <a:off x="6298990" y="1688973"/>
             <a:ext cx="864133" cy="914400"/>
           </a:xfrm>
           <a:prstGeom prst="rect">
@@ -8637,7 +9113,7 @@
         </p:nvSpPr>
         <p:spPr>
           <a:xfrm rot="1939172">
-            <a:off x="-4633118" y="-1679657"/>
+            <a:off x="6328759" y="1105021"/>
             <a:ext cx="233600" cy="1568613"/>
           </a:xfrm>
           <a:prstGeom prst="roundRect">
@@ -8701,7 +9177,7 @@
           <p:nvPr/>
         </p:nvPicPr>
         <p:blipFill rotWithShape="1">
-          <a:blip r:embed="rId4">
+          <a:blip r:embed="rId3">
             <a:clrChange>
               <a:clrFrom>
                 <a:srgbClr val="FFFFFF"/>
@@ -8723,7 +9199,7 @@
         </p:blipFill>
         <p:spPr>
           <a:xfrm>
-            <a:off x="-5345526" y="-16664"/>
+            <a:off x="5616351" y="2768014"/>
             <a:ext cx="1546772" cy="1559714"/>
           </a:xfrm>
           <a:prstGeom prst="rect">
@@ -8733,6 +9209,42 @@
       </p:pic>
       <p:pic>
         <p:nvPicPr>
+          <p:cNvPr id="14" name="그림 13" descr="폰트, 그래픽, 로고, 그래픽 디자인이(가) 표시된 사진&#10;&#10;자동 생성된 설명">
+            <a:extLst>
+              <a:ext uri="{FF2B5EF4-FFF2-40B4-BE49-F238E27FC236}">
+                <a16:creationId xmlns:a16="http://schemas.microsoft.com/office/drawing/2014/main" id="{693B2642-844A-C33E-28DF-AB5C84469F5D}"/>
+              </a:ext>
+            </a:extLst>
+          </p:cNvPr>
+          <p:cNvPicPr>
+            <a:picLocks noChangeAspect="1"/>
+          </p:cNvPicPr>
+          <p:nvPr/>
+        </p:nvPicPr>
+        <p:blipFill>
+          <a:blip r:embed="rId2">
+            <a:extLst>
+              <a:ext uri="{28A0092B-C50C-407E-A947-70E740481C1C}">
+                <a14:useLocalDpi xmlns:a14="http://schemas.microsoft.com/office/drawing/2010/main" val="0"/>
+              </a:ext>
+            </a:extLst>
+          </a:blip>
+          <a:stretch>
+            <a:fillRect/>
+          </a:stretch>
+        </p:blipFill>
+        <p:spPr>
+          <a:xfrm>
+            <a:off x="5830091" y="5041351"/>
+            <a:ext cx="5034811" cy="2119508"/>
+          </a:xfrm>
+          <a:prstGeom prst="rect">
+            <a:avLst/>
+          </a:prstGeom>
+        </p:spPr>
+      </p:pic>
+      <p:pic>
+        <p:nvPicPr>
           <p:cNvPr id="83" name="그림 82" descr="그래픽, 폰트, 스크린샷, 그래픽 디자인이(가) 표시된 사진&#10;&#10;자동 생성된 설명">
             <a:extLst>
               <a:ext uri="{FF2B5EF4-FFF2-40B4-BE49-F238E27FC236}">
@@ -8746,7 +9258,7 @@
           <p:nvPr/>
         </p:nvPicPr>
         <p:blipFill rotWithShape="1">
-          <a:blip r:embed="rId5">
+          <a:blip r:embed="rId4">
             <a:extLst>
               <a:ext uri="{28A0092B-C50C-407E-A947-70E740481C1C}">
                 <a14:useLocalDpi xmlns:a14="http://schemas.microsoft.com/office/drawing/2010/main" val="0"/>
@@ -8758,7 +9270,7 @@
         </p:blipFill>
         <p:spPr>
           <a:xfrm>
-            <a:off x="-1678781" y="0"/>
+            <a:off x="9283096" y="2784678"/>
             <a:ext cx="1528687" cy="1536257"/>
           </a:xfrm>
           <a:prstGeom prst="rect">
@@ -8781,7 +9293,7 @@
           <p:nvPr/>
         </p:nvPicPr>
         <p:blipFill rotWithShape="1">
-          <a:blip r:embed="rId6">
+          <a:blip r:embed="rId5">
             <a:extLst>
               <a:ext uri="{28A0092B-C50C-407E-A947-70E740481C1C}">
                 <a14:useLocalDpi xmlns:a14="http://schemas.microsoft.com/office/drawing/2010/main" val="0"/>
@@ -8793,7 +9305,7 @@
         </p:blipFill>
         <p:spPr>
           <a:xfrm>
-            <a:off x="-3620450" y="-3722"/>
+            <a:off x="7341427" y="2780956"/>
             <a:ext cx="1546772" cy="1539979"/>
           </a:xfrm>
           <a:prstGeom prst="rect">
@@ -8804,7 +9316,7 @@
     </p:spTree>
     <p:extLst>
       <p:ext uri="{BB962C8B-B14F-4D97-AF65-F5344CB8AC3E}">
-        <p14:creationId xmlns:p14="http://schemas.microsoft.com/office/powerpoint/2010/main" val="168175201"/>
+        <p14:creationId xmlns:p14="http://schemas.microsoft.com/office/powerpoint/2010/main" val="233569205"/>
       </p:ext>
     </p:extLst>
   </p:cSld>
